--- a/LEI/apresentações/apresLEI_raul.pptx
+++ b/LEI/apresentações/apresLEI_raul.pptx
@@ -216,7 +216,7 @@
           <a:p>
             <a:fld id="{06D80BC0-DB8E-4343-896B-DB141BAE3B05}" type="datetimeFigureOut">
               <a:rPr lang="pt-PT" smtClean="0"/>
-              <a:t>25/03/2019</a:t>
+              <a:t>26/03/2019</a:t>
             </a:fld>
             <a:endParaRPr lang="pt-PT"/>
           </a:p>
@@ -793,7 +793,7 @@
           <a:p>
             <a:fld id="{1D8BD707-D9CF-40AE-B4C6-C98DA3205C09}" type="datetimeFigureOut">
               <a:rPr lang="en-US"/>
-              <a:t>3/25/2019</a:t>
+              <a:t>3/26/2019</a:t>
             </a:fld>
             <a:endParaRPr lang="en-US"/>
           </a:p>
@@ -964,7 +964,7 @@
           <a:p>
             <a:fld id="{1D8BD707-D9CF-40AE-B4C6-C98DA3205C09}" type="datetimeFigureOut">
               <a:rPr lang="en-US"/>
-              <a:t>3/25/2019</a:t>
+              <a:t>3/26/2019</a:t>
             </a:fld>
             <a:endParaRPr lang="en-US"/>
           </a:p>
@@ -1404,7 +1404,7 @@
           <a:p>
             <a:fld id="{1D8BD707-D9CF-40AE-B4C6-C98DA3205C09}" type="datetimeFigureOut">
               <a:rPr lang="en-US"/>
-              <a:t>3/25/2019</a:t>
+              <a:t>3/26/2019</a:t>
             </a:fld>
             <a:endParaRPr lang="en-US"/>
           </a:p>
@@ -1610,7 +1610,7 @@
           <a:p>
             <a:fld id="{1D8BD707-D9CF-40AE-B4C6-C98DA3205C09}" type="datetimeFigureOut">
               <a:rPr lang="en-US"/>
-              <a:t>3/25/2019</a:t>
+              <a:t>3/26/2019</a:t>
             </a:fld>
             <a:endParaRPr lang="en-US"/>
           </a:p>
@@ -1729,7 +1729,7 @@
           <a:p>
             <a:fld id="{1D8BD707-D9CF-40AE-B4C6-C98DA3205C09}" type="datetimeFigureOut">
               <a:rPr lang="en-US"/>
-              <a:t>3/25/2019</a:t>
+              <a:t>3/26/2019</a:t>
             </a:fld>
             <a:endParaRPr lang="en-US"/>
           </a:p>
@@ -1948,7 +1948,7 @@
           <a:p>
             <a:fld id="{1D8BD707-D9CF-40AE-B4C6-C98DA3205C09}" type="datetimeFigureOut">
               <a:rPr lang="en-US"/>
-              <a:t>3/25/2019</a:t>
+              <a:t>3/26/2019</a:t>
             </a:fld>
             <a:endParaRPr lang="en-US"/>
           </a:p>
@@ -6481,7 +6481,7 @@
         <p:spPr>
           <a:xfrm>
             <a:off x="647700" y="727818"/>
-            <a:ext cx="7848600" cy="5749181"/>
+            <a:ext cx="7848600" cy="5825382"/>
           </a:xfrm>
           <a:prstGeom prst="roundRect">
             <a:avLst/>
@@ -6514,7 +6514,7 @@
           <a:lstStyle/>
           <a:p>
             <a:pPr algn="ctr"/>
-            <a:endParaRPr lang="pt-PT"/>
+            <a:endParaRPr lang="pt-PT" dirty="0"/>
           </a:p>
         </p:txBody>
       </p:sp>
@@ -7689,7 +7689,7 @@
         </p:nvSpPr>
         <p:spPr>
           <a:xfrm>
-            <a:off x="3171825" y="173054"/>
+            <a:off x="3171825" y="76205"/>
             <a:ext cx="2914650" cy="461023"/>
           </a:xfrm>
           <a:prstGeom prst="rect">
@@ -8085,6 +8085,53 @@
           </a:p>
         </p:txBody>
       </p:sp>
+      <p:pic>
+        <p:nvPicPr>
+          <p:cNvPr id="2050" name="Picture 2" descr="Resultado de imagem para results png">
+            <a:extLst>
+              <a:ext uri="{FF2B5EF4-FFF2-40B4-BE49-F238E27FC236}">
+                <a16:creationId xmlns:a16="http://schemas.microsoft.com/office/drawing/2014/main" id="{E01FC749-B79A-499B-929E-BFF935B9FB6F}"/>
+              </a:ext>
+            </a:extLst>
+          </p:cNvPr>
+          <p:cNvPicPr>
+            <a:picLocks noChangeAspect="1" noChangeArrowheads="1"/>
+          </p:cNvPicPr>
+          <p:nvPr/>
+        </p:nvPicPr>
+        <p:blipFill>
+          <a:blip r:embed="rId2" cstate="print">
+            <a:extLst>
+              <a:ext uri="{28A0092B-C50C-407E-A947-70E740481C1C}">
+                <a14:useLocalDpi xmlns:a14="http://schemas.microsoft.com/office/drawing/2010/main" val="0"/>
+              </a:ext>
+            </a:extLst>
+          </a:blip>
+          <a:srcRect/>
+          <a:stretch>
+            <a:fillRect/>
+          </a:stretch>
+        </p:blipFill>
+        <p:spPr bwMode="auto">
+          <a:xfrm>
+            <a:off x="7540350" y="1066800"/>
+            <a:ext cx="1295400" cy="1295400"/>
+          </a:xfrm>
+          <a:prstGeom prst="rect">
+            <a:avLst/>
+          </a:prstGeom>
+          <a:noFill/>
+          <a:extLst>
+            <a:ext uri="{909E8E84-426E-40DD-AFC4-6F175D3DCCD1}">
+              <a14:hiddenFill xmlns:a14="http://schemas.microsoft.com/office/drawing/2010/main">
+                <a:solidFill>
+                  <a:srgbClr val="FFFFFF"/>
+                </a:solidFill>
+              </a14:hiddenFill>
+            </a:ext>
+          </a:extLst>
+        </p:spPr>
+      </p:pic>
     </p:spTree>
   </p:cSld>
   <p:clrMapOvr>

--- a/LEI/apresentações/apresLEI_raul.pptx
+++ b/LEI/apresentações/apresLEI_raul.pptx
@@ -5,7 +5,7 @@
     <p:sldMasterId id="2147483648" r:id="rId1"/>
   </p:sldMasterIdLst>
   <p:notesMasterIdLst>
-    <p:notesMasterId r:id="rId11"/>
+    <p:notesMasterId r:id="rId12"/>
   </p:notesMasterIdLst>
   <p:sldIdLst>
     <p:sldId id="256" r:id="rId2"/>
@@ -14,9 +14,10 @@
     <p:sldId id="274" r:id="rId5"/>
     <p:sldId id="267" r:id="rId6"/>
     <p:sldId id="275" r:id="rId7"/>
-    <p:sldId id="266" r:id="rId8"/>
-    <p:sldId id="288" r:id="rId9"/>
-    <p:sldId id="289" r:id="rId10"/>
+    <p:sldId id="292" r:id="rId8"/>
+    <p:sldId id="266" r:id="rId9"/>
+    <p:sldId id="293" r:id="rId10"/>
+    <p:sldId id="291" r:id="rId11"/>
   </p:sldIdLst>
   <p:sldSz cx="9144000" cy="6858000" type="screen4x3"/>
   <p:notesSz cx="9144000" cy="6858000"/>
@@ -611,10 +612,7 @@
           <a:bodyPr/>
           <a:lstStyle/>
           <a:p>
-            <a:r>
-              <a:rPr lang="pt-PT" dirty="0"/>
-              <a:t>JJ: 15h Às 19h</a:t>
-            </a:r>
+            <a:endParaRPr lang="pt-PT" dirty="0"/>
           </a:p>
         </p:txBody>
       </p:sp>
@@ -625,7 +623,7 @@
             <a:spLocks noGrp="1"/>
           </p:cNvSpPr>
           <p:nvPr>
-            <p:ph type="sldNum" sz="quarter" idx="5"/>
+            <p:ph type="sldNum" sz="quarter" idx="10"/>
           </p:nvPr>
         </p:nvSpPr>
         <p:spPr/>
@@ -635,7 +633,7 @@
           <a:p>
             <a:fld id="{62C9FF69-D9AD-48B5-8D39-7AA42039F77D}" type="slidenum">
               <a:rPr lang="pt-PT" smtClean="0"/>
-              <a:t>9</a:t>
+              <a:t>10</a:t>
             </a:fld>
             <a:endParaRPr lang="pt-PT"/>
           </a:p>
@@ -644,7 +642,7 @@
     </p:spTree>
     <p:extLst>
       <p:ext uri="{BB962C8B-B14F-4D97-AF65-F5344CB8AC3E}">
-        <p14:creationId xmlns:p14="http://schemas.microsoft.com/office/powerpoint/2010/main" val="1285899322"/>
+        <p14:creationId xmlns:p14="http://schemas.microsoft.com/office/powerpoint/2010/main" val="2420472543"/>
       </p:ext>
     </p:extLst>
   </p:cSld>
@@ -2828,74 +2826,6 @@
           </a:p>
         </p:txBody>
       </p:sp>
-      <p:sp>
-        <p:nvSpPr>
-          <p:cNvPr id="7" name="CaixaDeTexto 6">
-            <a:extLst>
-              <a:ext uri="{FF2B5EF4-FFF2-40B4-BE49-F238E27FC236}">
-                <a16:creationId xmlns:a16="http://schemas.microsoft.com/office/drawing/2014/main" id="{4FB80E06-A8C5-457B-AEC5-DAE4D26D3C33}"/>
-              </a:ext>
-            </a:extLst>
-          </p:cNvPr>
-          <p:cNvSpPr txBox="1"/>
-          <p:nvPr/>
-        </p:nvSpPr>
-        <p:spPr>
-          <a:xfrm>
-            <a:off x="746940" y="2873632"/>
-            <a:ext cx="2919945" cy="369332"/>
-          </a:xfrm>
-          <a:prstGeom prst="rect">
-            <a:avLst/>
-          </a:prstGeom>
-          <a:noFill/>
-        </p:spPr>
-        <p:txBody>
-          <a:bodyPr wrap="square" rtlCol="0">
-            <a:spAutoFit/>
-          </a:bodyPr>
-          <a:lstStyle/>
-          <a:p>
-            <a:r>
-              <a:rPr lang="pt-PT" dirty="0" err="1">
-                <a:solidFill>
-                  <a:srgbClr val="FF0000"/>
-                </a:solidFill>
-                <a:latin typeface="Arial" panose="020B0604020202020204" pitchFamily="34" charset="0"/>
-                <a:cs typeface="Arial" panose="020B0604020202020204" pitchFamily="34" charset="0"/>
-              </a:rPr>
-              <a:t>Bot</a:t>
-            </a:r>
-            <a:r>
-              <a:rPr lang="pt-PT" dirty="0">
-                <a:solidFill>
-                  <a:srgbClr val="FF0000"/>
-                </a:solidFill>
-                <a:latin typeface="Arial" panose="020B0604020202020204" pitchFamily="34" charset="0"/>
-                <a:cs typeface="Arial" panose="020B0604020202020204" pitchFamily="34" charset="0"/>
-              </a:rPr>
-              <a:t> ícone : TODO </a:t>
-            </a:r>
-            <a:r>
-              <a:rPr lang="pt-PT" dirty="0" err="1">
-                <a:solidFill>
-                  <a:srgbClr val="FF0000"/>
-                </a:solidFill>
-                <a:latin typeface="Arial" panose="020B0604020202020204" pitchFamily="34" charset="0"/>
-                <a:cs typeface="Arial" panose="020B0604020202020204" pitchFamily="34" charset="0"/>
-              </a:rPr>
-              <a:t>maybe</a:t>
-            </a:r>
-            <a:endParaRPr lang="pt-PT" dirty="0">
-              <a:solidFill>
-                <a:srgbClr val="FF0000"/>
-              </a:solidFill>
-              <a:latin typeface="Arial" panose="020B0604020202020204" pitchFamily="34" charset="0"/>
-              <a:cs typeface="Arial" panose="020B0604020202020204" pitchFamily="34" charset="0"/>
-            </a:endParaRPr>
-          </a:p>
-        </p:txBody>
-      </p:sp>
       <p:pic>
         <p:nvPicPr>
           <p:cNvPr id="14" name="Imagem 13">
@@ -2964,6 +2894,757 @@
 </p:sld>
 </file>
 
+<file path=ppt/slides/slide10.xml><?xml version="1.0" encoding="utf-8"?>
+<p:sld xmlns:a="http://schemas.openxmlformats.org/drawingml/2006/main" xmlns:r="http://schemas.openxmlformats.org/officeDocument/2006/relationships" xmlns:p="http://schemas.openxmlformats.org/presentationml/2006/main">
+  <p:cSld>
+    <p:spTree>
+      <p:nvGrpSpPr>
+        <p:cNvPr id="1" name=""/>
+        <p:cNvGrpSpPr/>
+        <p:nvPr/>
+      </p:nvGrpSpPr>
+      <p:grpSpPr>
+        <a:xfrm>
+          <a:off x="0" y="0"/>
+          <a:ext cx="0" cy="0"/>
+          <a:chOff x="0" y="0"/>
+          <a:chExt cx="0" cy="0"/>
+        </a:xfrm>
+      </p:grpSpPr>
+      <p:sp>
+        <p:nvSpPr>
+          <p:cNvPr id="2" name="object 2"/>
+          <p:cNvSpPr/>
+          <p:nvPr/>
+        </p:nvSpPr>
+        <p:spPr>
+          <a:xfrm>
+            <a:off x="0" y="0"/>
+            <a:ext cx="3790950" cy="6858000"/>
+          </a:xfrm>
+          <a:custGeom>
+            <a:avLst/>
+            <a:gdLst/>
+            <a:ahLst/>
+            <a:cxnLst/>
+            <a:rect l="l" t="t" r="r" b="b"/>
+            <a:pathLst>
+              <a:path w="3790950" h="6858000">
+                <a:moveTo>
+                  <a:pt x="0" y="6858000"/>
+                </a:moveTo>
+                <a:lnTo>
+                  <a:pt x="3790416" y="6858000"/>
+                </a:lnTo>
+                <a:lnTo>
+                  <a:pt x="3790416" y="0"/>
+                </a:lnTo>
+                <a:lnTo>
+                  <a:pt x="0" y="0"/>
+                </a:lnTo>
+                <a:lnTo>
+                  <a:pt x="0" y="6858000"/>
+                </a:lnTo>
+                <a:close/>
+              </a:path>
+            </a:pathLst>
+          </a:custGeom>
+          <a:solidFill>
+            <a:srgbClr val="00ADE2"/>
+          </a:solidFill>
+        </p:spPr>
+        <p:txBody>
+          <a:bodyPr wrap="square" lIns="0" tIns="0" rIns="0" bIns="0" rtlCol="0"/>
+          <a:lstStyle/>
+          <a:p>
+            <a:endParaRPr dirty="0">
+              <a:solidFill>
+                <a:srgbClr val="FF0000"/>
+              </a:solidFill>
+            </a:endParaRPr>
+          </a:p>
+        </p:txBody>
+      </p:sp>
+      <p:sp>
+        <p:nvSpPr>
+          <p:cNvPr id="3" name="object 3"/>
+          <p:cNvSpPr/>
+          <p:nvPr/>
+        </p:nvSpPr>
+        <p:spPr>
+          <a:xfrm>
+            <a:off x="3806432" y="0"/>
+            <a:ext cx="5337924" cy="6858000"/>
+          </a:xfrm>
+          <a:custGeom>
+            <a:avLst/>
+            <a:gdLst/>
+            <a:ahLst/>
+            <a:cxnLst/>
+            <a:rect l="l" t="t" r="r" b="b"/>
+            <a:pathLst>
+              <a:path w="5254625" h="6858000">
+                <a:moveTo>
+                  <a:pt x="0" y="6858000"/>
+                </a:moveTo>
+                <a:lnTo>
+                  <a:pt x="5254269" y="6858000"/>
+                </a:lnTo>
+                <a:lnTo>
+                  <a:pt x="5254269" y="0"/>
+                </a:lnTo>
+                <a:lnTo>
+                  <a:pt x="0" y="0"/>
+                </a:lnTo>
+                <a:lnTo>
+                  <a:pt x="0" y="6858000"/>
+                </a:lnTo>
+                <a:close/>
+              </a:path>
+            </a:pathLst>
+          </a:custGeom>
+          <a:solidFill>
+            <a:srgbClr val="38505F"/>
+          </a:solidFill>
+        </p:spPr>
+        <p:txBody>
+          <a:bodyPr wrap="square" lIns="0" tIns="0" rIns="0" bIns="0" rtlCol="0"/>
+          <a:lstStyle/>
+          <a:p>
+            <a:endParaRPr dirty="0"/>
+          </a:p>
+        </p:txBody>
+      </p:sp>
+      <p:sp>
+        <p:nvSpPr>
+          <p:cNvPr id="4" name="object 4"/>
+          <p:cNvSpPr txBox="1"/>
+          <p:nvPr/>
+        </p:nvSpPr>
+        <p:spPr>
+          <a:xfrm>
+            <a:off x="4393769" y="2907495"/>
+            <a:ext cx="4481552" cy="446276"/>
+          </a:xfrm>
+          <a:prstGeom prst="rect">
+            <a:avLst/>
+          </a:prstGeom>
+        </p:spPr>
+        <p:txBody>
+          <a:bodyPr vert="horz" wrap="square" lIns="0" tIns="76200" rIns="0" bIns="0" rtlCol="0">
+            <a:spAutoFit/>
+          </a:bodyPr>
+          <a:lstStyle/>
+          <a:p>
+            <a:pPr algn="ctr">
+              <a:lnSpc>
+                <a:spcPct val="100000"/>
+              </a:lnSpc>
+              <a:spcBef>
+                <a:spcPts val="600"/>
+              </a:spcBef>
+            </a:pPr>
+            <a:r>
+              <a:rPr lang="pt-PT" sz="2400" b="1" spc="-90" dirty="0">
+                <a:solidFill>
+                  <a:srgbClr val="FFFFFF"/>
+                </a:solidFill>
+                <a:latin typeface="Arial"/>
+                <a:cs typeface="Arial"/>
+              </a:rPr>
+              <a:t>DSL para a geração de </a:t>
+            </a:r>
+            <a:r>
+              <a:rPr lang="pt-PT" sz="2400" b="1" spc="-90" dirty="0" err="1">
+                <a:solidFill>
+                  <a:srgbClr val="FFFFFF"/>
+                </a:solidFill>
+                <a:latin typeface="Arial"/>
+                <a:cs typeface="Arial"/>
+              </a:rPr>
+              <a:t>Chatbots</a:t>
+            </a:r>
+            <a:endParaRPr sz="2400" dirty="0">
+              <a:latin typeface="Arial"/>
+              <a:cs typeface="Arial"/>
+            </a:endParaRPr>
+          </a:p>
+        </p:txBody>
+      </p:sp>
+      <p:sp>
+        <p:nvSpPr>
+          <p:cNvPr id="5" name="object 5"/>
+          <p:cNvSpPr/>
+          <p:nvPr/>
+        </p:nvSpPr>
+        <p:spPr>
+          <a:xfrm>
+            <a:off x="7689417" y="406961"/>
+            <a:ext cx="1485900" cy="762000"/>
+          </a:xfrm>
+          <a:prstGeom prst="rect">
+            <a:avLst/>
+          </a:prstGeom>
+          <a:blipFill>
+            <a:blip r:embed="rId3" cstate="print"/>
+            <a:stretch>
+              <a:fillRect/>
+            </a:stretch>
+          </a:blipFill>
+        </p:spPr>
+        <p:txBody>
+          <a:bodyPr wrap="square" lIns="0" tIns="0" rIns="0" bIns="0" rtlCol="0"/>
+          <a:lstStyle/>
+          <a:p>
+            <a:endParaRPr dirty="0"/>
+          </a:p>
+        </p:txBody>
+      </p:sp>
+      <p:sp>
+        <p:nvSpPr>
+          <p:cNvPr id="6" name="object 6"/>
+          <p:cNvSpPr txBox="1"/>
+          <p:nvPr/>
+        </p:nvSpPr>
+        <p:spPr>
+          <a:xfrm>
+            <a:off x="5410200" y="5638800"/>
+            <a:ext cx="2743200" cy="1043491"/>
+          </a:xfrm>
+          <a:prstGeom prst="rect">
+            <a:avLst/>
+          </a:prstGeom>
+        </p:spPr>
+        <p:txBody>
+          <a:bodyPr vert="horz" wrap="square" lIns="0" tIns="12700" rIns="0" bIns="0" rtlCol="0">
+            <a:spAutoFit/>
+          </a:bodyPr>
+          <a:lstStyle/>
+          <a:p>
+            <a:pPr marL="19685" marR="11430" algn="ctr">
+              <a:lnSpc>
+                <a:spcPct val="166700"/>
+              </a:lnSpc>
+            </a:pPr>
+            <a:r>
+              <a:rPr lang="pt-PT" sz="1400" spc="35" dirty="0">
+                <a:solidFill>
+                  <a:srgbClr val="FFFFFF"/>
+                </a:solidFill>
+                <a:latin typeface="Arial" panose="020B0604020202020204" pitchFamily="34" charset="0"/>
+                <a:cs typeface="Arial" panose="020B0604020202020204" pitchFamily="34" charset="0"/>
+              </a:rPr>
+              <a:t>Diana Ribeiro Barbosa</a:t>
+            </a:r>
+          </a:p>
+          <a:p>
+            <a:pPr marL="19685" marR="11430" algn="ctr">
+              <a:lnSpc>
+                <a:spcPct val="166700"/>
+              </a:lnSpc>
+            </a:pPr>
+            <a:r>
+              <a:rPr sz="1400" spc="35" dirty="0">
+                <a:solidFill>
+                  <a:srgbClr val="FFFFFF"/>
+                </a:solidFill>
+                <a:latin typeface="Arial" panose="020B0604020202020204" pitchFamily="34" charset="0"/>
+                <a:cs typeface="Arial" panose="020B0604020202020204" pitchFamily="34" charset="0"/>
+              </a:rPr>
+              <a:t>Francisco </a:t>
+            </a:r>
+            <a:r>
+              <a:rPr sz="1400" spc="60" dirty="0">
+                <a:solidFill>
+                  <a:srgbClr val="FFFFFF"/>
+                </a:solidFill>
+                <a:latin typeface="Arial" panose="020B0604020202020204" pitchFamily="34" charset="0"/>
+                <a:cs typeface="Arial" panose="020B0604020202020204" pitchFamily="34" charset="0"/>
+              </a:rPr>
+              <a:t>José </a:t>
+            </a:r>
+            <a:r>
+              <a:rPr sz="1400" spc="20" dirty="0">
+                <a:solidFill>
+                  <a:srgbClr val="FFFFFF"/>
+                </a:solidFill>
+                <a:latin typeface="Arial" panose="020B0604020202020204" pitchFamily="34" charset="0"/>
+                <a:cs typeface="Arial" panose="020B0604020202020204" pitchFamily="34" charset="0"/>
+              </a:rPr>
+              <a:t>Moreira</a:t>
+            </a:r>
+            <a:r>
+              <a:rPr sz="1400" spc="-195" dirty="0">
+                <a:solidFill>
+                  <a:srgbClr val="FFFFFF"/>
+                </a:solidFill>
+                <a:latin typeface="Arial" panose="020B0604020202020204" pitchFamily="34" charset="0"/>
+                <a:cs typeface="Arial" panose="020B0604020202020204" pitchFamily="34" charset="0"/>
+              </a:rPr>
+              <a:t> </a:t>
+            </a:r>
+            <a:r>
+              <a:rPr sz="1400" spc="-5" dirty="0">
+                <a:solidFill>
+                  <a:srgbClr val="FFFFFF"/>
+                </a:solidFill>
+                <a:latin typeface="Arial" panose="020B0604020202020204" pitchFamily="34" charset="0"/>
+                <a:cs typeface="Arial" panose="020B0604020202020204" pitchFamily="34" charset="0"/>
+              </a:rPr>
+              <a:t>Oliveira  </a:t>
+            </a:r>
+            <a:r>
+              <a:rPr sz="1400" spc="20" dirty="0">
+                <a:solidFill>
+                  <a:srgbClr val="FFFFFF"/>
+                </a:solidFill>
+                <a:latin typeface="Arial" panose="020B0604020202020204" pitchFamily="34" charset="0"/>
+                <a:cs typeface="Arial" panose="020B0604020202020204" pitchFamily="34" charset="0"/>
+              </a:rPr>
+              <a:t>Raul Vilas</a:t>
+            </a:r>
+            <a:r>
+              <a:rPr sz="1400" spc="-114" dirty="0">
+                <a:solidFill>
+                  <a:srgbClr val="FFFFFF"/>
+                </a:solidFill>
+                <a:latin typeface="Arial" panose="020B0604020202020204" pitchFamily="34" charset="0"/>
+                <a:cs typeface="Arial" panose="020B0604020202020204" pitchFamily="34" charset="0"/>
+              </a:rPr>
+              <a:t> </a:t>
+            </a:r>
+            <a:r>
+              <a:rPr sz="1400" spc="75" dirty="0">
+                <a:solidFill>
+                  <a:srgbClr val="FFFFFF"/>
+                </a:solidFill>
+                <a:latin typeface="Arial" panose="020B0604020202020204" pitchFamily="34" charset="0"/>
+                <a:cs typeface="Arial" panose="020B0604020202020204" pitchFamily="34" charset="0"/>
+              </a:rPr>
+              <a:t>Boas</a:t>
+            </a:r>
+            <a:endParaRPr sz="1400" dirty="0">
+              <a:latin typeface="Arial" panose="020B0604020202020204" pitchFamily="34" charset="0"/>
+              <a:cs typeface="Arial" panose="020B0604020202020204" pitchFamily="34" charset="0"/>
+            </a:endParaRPr>
+          </a:p>
+        </p:txBody>
+      </p:sp>
+      <p:sp>
+        <p:nvSpPr>
+          <p:cNvPr id="8" name="object 8"/>
+          <p:cNvSpPr txBox="1">
+            <a:spLocks noGrp="1"/>
+          </p:cNvSpPr>
+          <p:nvPr>
+            <p:ph type="title"/>
+          </p:nvPr>
+        </p:nvSpPr>
+        <p:spPr>
+          <a:xfrm>
+            <a:off x="3851945" y="440382"/>
+            <a:ext cx="3577870" cy="704680"/>
+          </a:xfrm>
+          <a:prstGeom prst="rect">
+            <a:avLst/>
+          </a:prstGeom>
+        </p:spPr>
+        <p:txBody>
+          <a:bodyPr vert="horz" wrap="square" lIns="0" tIns="83185" rIns="0" bIns="0" rtlCol="0">
+            <a:spAutoFit/>
+          </a:bodyPr>
+          <a:lstStyle/>
+          <a:p>
+            <a:pPr marL="12700" algn="ctr">
+              <a:lnSpc>
+                <a:spcPct val="100000"/>
+              </a:lnSpc>
+              <a:spcBef>
+                <a:spcPts val="655"/>
+              </a:spcBef>
+            </a:pPr>
+            <a:r>
+              <a:rPr sz="2050" spc="-95" dirty="0" err="1">
+                <a:solidFill>
+                  <a:srgbClr val="FFFFFF"/>
+                </a:solidFill>
+                <a:latin typeface="Arial" panose="020B0604020202020204" pitchFamily="34" charset="0"/>
+                <a:cs typeface="Arial" panose="020B0604020202020204" pitchFamily="34" charset="0"/>
+              </a:rPr>
+              <a:t>Universidade</a:t>
+            </a:r>
+            <a:r>
+              <a:rPr sz="2050" spc="-95" dirty="0">
+                <a:solidFill>
+                  <a:srgbClr val="FFFFFF"/>
+                </a:solidFill>
+                <a:latin typeface="Arial" panose="020B0604020202020204" pitchFamily="34" charset="0"/>
+                <a:cs typeface="Arial" panose="020B0604020202020204" pitchFamily="34" charset="0"/>
+              </a:rPr>
+              <a:t> </a:t>
+            </a:r>
+            <a:r>
+              <a:rPr sz="2050" spc="-80" dirty="0">
+                <a:solidFill>
+                  <a:srgbClr val="FFFFFF"/>
+                </a:solidFill>
+                <a:latin typeface="Arial" panose="020B0604020202020204" pitchFamily="34" charset="0"/>
+                <a:cs typeface="Arial" panose="020B0604020202020204" pitchFamily="34" charset="0"/>
+              </a:rPr>
+              <a:t>do</a:t>
+            </a:r>
+            <a:r>
+              <a:rPr lang="pt-PT" sz="2050" spc="-80" dirty="0">
+                <a:solidFill>
+                  <a:srgbClr val="FFFFFF"/>
+                </a:solidFill>
+                <a:latin typeface="Arial" panose="020B0604020202020204" pitchFamily="34" charset="0"/>
+                <a:cs typeface="Arial" panose="020B0604020202020204" pitchFamily="34" charset="0"/>
+              </a:rPr>
+              <a:t> </a:t>
+            </a:r>
+            <a:r>
+              <a:rPr sz="2050" spc="-470" dirty="0">
+                <a:solidFill>
+                  <a:srgbClr val="FFFFFF"/>
+                </a:solidFill>
+                <a:latin typeface="Arial" panose="020B0604020202020204" pitchFamily="34" charset="0"/>
+                <a:cs typeface="Arial" panose="020B0604020202020204" pitchFamily="34" charset="0"/>
+              </a:rPr>
+              <a:t> </a:t>
+            </a:r>
+            <a:r>
+              <a:rPr sz="2050" spc="-90" dirty="0">
+                <a:solidFill>
+                  <a:srgbClr val="FFFFFF"/>
+                </a:solidFill>
+                <a:latin typeface="Arial" panose="020B0604020202020204" pitchFamily="34" charset="0"/>
+                <a:cs typeface="Arial" panose="020B0604020202020204" pitchFamily="34" charset="0"/>
+              </a:rPr>
+              <a:t>Minho</a:t>
+            </a:r>
+            <a:endParaRPr sz="2050" dirty="0">
+              <a:latin typeface="Arial" panose="020B0604020202020204" pitchFamily="34" charset="0"/>
+              <a:cs typeface="Arial" panose="020B0604020202020204" pitchFamily="34" charset="0"/>
+            </a:endParaRPr>
+          </a:p>
+          <a:p>
+            <a:pPr marL="24765" algn="ctr">
+              <a:lnSpc>
+                <a:spcPct val="100000"/>
+              </a:lnSpc>
+              <a:spcBef>
+                <a:spcPts val="439"/>
+              </a:spcBef>
+            </a:pPr>
+            <a:r>
+              <a:rPr lang="pt-PT" sz="1650" b="0" spc="-70" dirty="0">
+                <a:solidFill>
+                  <a:srgbClr val="FFFFFF"/>
+                </a:solidFill>
+                <a:latin typeface="Arial" panose="020B0604020202020204" pitchFamily="34" charset="0"/>
+                <a:cs typeface="Arial" panose="020B0604020202020204" pitchFamily="34" charset="0"/>
+              </a:rPr>
+              <a:t>Laboratório em Engenharia Informática</a:t>
+            </a:r>
+            <a:endParaRPr sz="1650" dirty="0">
+              <a:latin typeface="Arial" panose="020B0604020202020204" pitchFamily="34" charset="0"/>
+              <a:cs typeface="Arial" panose="020B0604020202020204" pitchFamily="34" charset="0"/>
+            </a:endParaRPr>
+          </a:p>
+        </p:txBody>
+      </p:sp>
+      <p:sp>
+        <p:nvSpPr>
+          <p:cNvPr id="9" name="object 9"/>
+          <p:cNvSpPr/>
+          <p:nvPr/>
+        </p:nvSpPr>
+        <p:spPr>
+          <a:xfrm>
+            <a:off x="4356914" y="2635658"/>
+            <a:ext cx="4404995" cy="0"/>
+          </a:xfrm>
+          <a:custGeom>
+            <a:avLst/>
+            <a:gdLst/>
+            <a:ahLst/>
+            <a:cxnLst/>
+            <a:rect l="l" t="t" r="r" b="b"/>
+            <a:pathLst>
+              <a:path w="4404995">
+                <a:moveTo>
+                  <a:pt x="0" y="0"/>
+                </a:moveTo>
+                <a:lnTo>
+                  <a:pt x="4404462" y="1"/>
+                </a:lnTo>
+              </a:path>
+            </a:pathLst>
+          </a:custGeom>
+          <a:ln w="52916">
+            <a:solidFill>
+              <a:srgbClr val="00ADE2"/>
+            </a:solidFill>
+          </a:ln>
+        </p:spPr>
+        <p:txBody>
+          <a:bodyPr wrap="square" lIns="0" tIns="0" rIns="0" bIns="0" rtlCol="0"/>
+          <a:lstStyle/>
+          <a:p>
+            <a:endParaRPr/>
+          </a:p>
+        </p:txBody>
+      </p:sp>
+      <p:sp>
+        <p:nvSpPr>
+          <p:cNvPr id="10" name="object 10"/>
+          <p:cNvSpPr/>
+          <p:nvPr/>
+        </p:nvSpPr>
+        <p:spPr>
+          <a:xfrm>
+            <a:off x="4639756" y="2468881"/>
+            <a:ext cx="3839210" cy="0"/>
+          </a:xfrm>
+          <a:custGeom>
+            <a:avLst/>
+            <a:gdLst/>
+            <a:ahLst/>
+            <a:cxnLst/>
+            <a:rect l="l" t="t" r="r" b="b"/>
+            <a:pathLst>
+              <a:path w="3839209">
+                <a:moveTo>
+                  <a:pt x="0" y="0"/>
+                </a:moveTo>
+                <a:lnTo>
+                  <a:pt x="3838782" y="1"/>
+                </a:lnTo>
+              </a:path>
+            </a:pathLst>
+          </a:custGeom>
+          <a:ln w="52916">
+            <a:solidFill>
+              <a:srgbClr val="00ADE2"/>
+            </a:solidFill>
+          </a:ln>
+        </p:spPr>
+        <p:txBody>
+          <a:bodyPr wrap="square" lIns="0" tIns="0" rIns="0" bIns="0" rtlCol="0"/>
+          <a:lstStyle/>
+          <a:p>
+            <a:endParaRPr/>
+          </a:p>
+        </p:txBody>
+      </p:sp>
+      <p:sp>
+        <p:nvSpPr>
+          <p:cNvPr id="11" name="object 11"/>
+          <p:cNvSpPr/>
+          <p:nvPr/>
+        </p:nvSpPr>
+        <p:spPr>
+          <a:xfrm>
+            <a:off x="4356914" y="3693822"/>
+            <a:ext cx="4404995" cy="0"/>
+          </a:xfrm>
+          <a:custGeom>
+            <a:avLst/>
+            <a:gdLst/>
+            <a:ahLst/>
+            <a:cxnLst/>
+            <a:rect l="l" t="t" r="r" b="b"/>
+            <a:pathLst>
+              <a:path w="4404995">
+                <a:moveTo>
+                  <a:pt x="0" y="0"/>
+                </a:moveTo>
+                <a:lnTo>
+                  <a:pt x="4404462" y="1"/>
+                </a:lnTo>
+              </a:path>
+            </a:pathLst>
+          </a:custGeom>
+          <a:ln w="52916">
+            <a:solidFill>
+              <a:srgbClr val="00ADE2"/>
+            </a:solidFill>
+          </a:ln>
+        </p:spPr>
+        <p:txBody>
+          <a:bodyPr wrap="square" lIns="0" tIns="0" rIns="0" bIns="0" rtlCol="0"/>
+          <a:lstStyle/>
+          <a:p>
+            <a:endParaRPr/>
+          </a:p>
+        </p:txBody>
+      </p:sp>
+      <p:sp>
+        <p:nvSpPr>
+          <p:cNvPr id="12" name="object 12"/>
+          <p:cNvSpPr/>
+          <p:nvPr/>
+        </p:nvSpPr>
+        <p:spPr>
+          <a:xfrm>
+            <a:off x="4639756" y="3863481"/>
+            <a:ext cx="3839210" cy="0"/>
+          </a:xfrm>
+          <a:custGeom>
+            <a:avLst/>
+            <a:gdLst/>
+            <a:ahLst/>
+            <a:cxnLst/>
+            <a:rect l="l" t="t" r="r" b="b"/>
+            <a:pathLst>
+              <a:path w="3839209">
+                <a:moveTo>
+                  <a:pt x="0" y="0"/>
+                </a:moveTo>
+                <a:lnTo>
+                  <a:pt x="3838782" y="1"/>
+                </a:lnTo>
+              </a:path>
+            </a:pathLst>
+          </a:custGeom>
+          <a:ln w="52916">
+            <a:solidFill>
+              <a:srgbClr val="00ADE2"/>
+            </a:solidFill>
+          </a:ln>
+        </p:spPr>
+        <p:txBody>
+          <a:bodyPr wrap="square" lIns="0" tIns="0" rIns="0" bIns="0" rtlCol="0"/>
+          <a:lstStyle/>
+          <a:p>
+            <a:endParaRPr/>
+          </a:p>
+        </p:txBody>
+      </p:sp>
+      <p:sp>
+        <p:nvSpPr>
+          <p:cNvPr id="13" name="object 13"/>
+          <p:cNvSpPr/>
+          <p:nvPr/>
+        </p:nvSpPr>
+        <p:spPr>
+          <a:xfrm>
+            <a:off x="3697846" y="0"/>
+            <a:ext cx="108585" cy="6858000"/>
+          </a:xfrm>
+          <a:custGeom>
+            <a:avLst/>
+            <a:gdLst/>
+            <a:ahLst/>
+            <a:cxnLst/>
+            <a:rect l="l" t="t" r="r" b="b"/>
+            <a:pathLst>
+              <a:path w="108585" h="6858000">
+                <a:moveTo>
+                  <a:pt x="0" y="6858000"/>
+                </a:moveTo>
+                <a:lnTo>
+                  <a:pt x="108220" y="6858000"/>
+                </a:lnTo>
+                <a:lnTo>
+                  <a:pt x="108220" y="0"/>
+                </a:lnTo>
+                <a:lnTo>
+                  <a:pt x="0" y="0"/>
+                </a:lnTo>
+                <a:lnTo>
+                  <a:pt x="0" y="6858000"/>
+                </a:lnTo>
+                <a:close/>
+              </a:path>
+            </a:pathLst>
+          </a:custGeom>
+          <a:solidFill>
+            <a:srgbClr val="FAB200"/>
+          </a:solidFill>
+        </p:spPr>
+        <p:txBody>
+          <a:bodyPr wrap="square" lIns="0" tIns="0" rIns="0" bIns="0" rtlCol="0"/>
+          <a:lstStyle/>
+          <a:p>
+            <a:endParaRPr/>
+          </a:p>
+        </p:txBody>
+      </p:sp>
+      <p:pic>
+        <p:nvPicPr>
+          <p:cNvPr id="14" name="Imagem 13">
+            <a:extLst>
+              <a:ext uri="{FF2B5EF4-FFF2-40B4-BE49-F238E27FC236}">
+                <a16:creationId xmlns:a16="http://schemas.microsoft.com/office/drawing/2014/main" id="{C738E9B3-4162-4211-8E04-17E91A6E4892}"/>
+              </a:ext>
+            </a:extLst>
+          </p:cNvPr>
+          <p:cNvPicPr>
+            <a:picLocks noChangeAspect="1"/>
+          </p:cNvPicPr>
+          <p:nvPr/>
+        </p:nvPicPr>
+        <p:blipFill>
+          <a:blip r:embed="rId4"/>
+          <a:stretch>
+            <a:fillRect/>
+          </a:stretch>
+        </p:blipFill>
+        <p:spPr>
+          <a:xfrm>
+            <a:off x="7535422" y="386937"/>
+            <a:ext cx="1608578" cy="801678"/>
+          </a:xfrm>
+          <a:prstGeom prst="rect">
+            <a:avLst/>
+          </a:prstGeom>
+        </p:spPr>
+      </p:pic>
+      <p:pic>
+        <p:nvPicPr>
+          <p:cNvPr id="20" name="Imagem 19">
+            <a:extLst>
+              <a:ext uri="{FF2B5EF4-FFF2-40B4-BE49-F238E27FC236}">
+                <a16:creationId xmlns:a16="http://schemas.microsoft.com/office/drawing/2014/main" id="{344E8D08-D3B1-4847-AFDC-BC0E4DA08605}"/>
+              </a:ext>
+            </a:extLst>
+          </p:cNvPr>
+          <p:cNvPicPr>
+            <a:picLocks noChangeAspect="1"/>
+          </p:cNvPicPr>
+          <p:nvPr/>
+        </p:nvPicPr>
+        <p:blipFill>
+          <a:blip r:embed="rId5"/>
+          <a:stretch>
+            <a:fillRect/>
+          </a:stretch>
+        </p:blipFill>
+        <p:spPr>
+          <a:xfrm>
+            <a:off x="4567238" y="3424238"/>
+            <a:ext cx="9524" cy="9524"/>
+          </a:xfrm>
+          <a:prstGeom prst="rect">
+            <a:avLst/>
+          </a:prstGeom>
+        </p:spPr>
+      </p:pic>
+    </p:spTree>
+    <p:extLst>
+      <p:ext uri="{BB962C8B-B14F-4D97-AF65-F5344CB8AC3E}">
+        <p14:creationId xmlns:p14="http://schemas.microsoft.com/office/powerpoint/2010/main" val="3773006781"/>
+      </p:ext>
+    </p:extLst>
+  </p:cSld>
+  <p:clrMapOvr>
+    <a:masterClrMapping/>
+  </p:clrMapOvr>
+</p:sld>
+</file>
+
 <file path=ppt/slides/slide2.xml><?xml version="1.0" encoding="utf-8"?>
 <p:sld xmlns:a="http://schemas.openxmlformats.org/drawingml/2006/main" xmlns:r="http://schemas.openxmlformats.org/officeDocument/2006/relationships" xmlns:p="http://schemas.openxmlformats.org/presentationml/2006/main">
   <p:cSld>
@@ -3145,7 +3826,7 @@
         </p:nvSpPr>
         <p:spPr>
           <a:xfrm>
-            <a:off x="3764797" y="225776"/>
+            <a:off x="3810000" y="222656"/>
             <a:ext cx="1524000" cy="469900"/>
           </a:xfrm>
           <a:prstGeom prst="rect">
@@ -3780,8 +4461,8 @@
         </p:nvSpPr>
         <p:spPr>
           <a:xfrm>
-            <a:off x="857152" y="4601262"/>
-            <a:ext cx="4286892" cy="268662"/>
+            <a:off x="970908" y="4601262"/>
+            <a:ext cx="2246065" cy="268662"/>
           </a:xfrm>
           <a:prstGeom prst="rect">
             <a:avLst/>
@@ -4128,7 +4809,7 @@
         </p:nvGrpSpPr>
         <p:grpSpPr>
           <a:xfrm>
-            <a:off x="3322837" y="3055740"/>
+            <a:off x="3553726" y="3103278"/>
             <a:ext cx="883920" cy="838838"/>
             <a:chOff x="3322836" y="3163979"/>
             <a:chExt cx="883920" cy="838838"/>
@@ -5066,7 +5747,7 @@
                 <a:latin typeface="Arial" panose="020B0604020202020204" pitchFamily="34" charset="0"/>
                 <a:cs typeface="Arial" panose="020B0604020202020204" pitchFamily="34" charset="0"/>
               </a:rPr>
-              <a:t>Surgiu em 1960 com o intuito de testar se era possível enganar o utilizador fazendo o passar por um ser humano.</a:t>
+              <a:t>Surgiu em 1960 com o intuito de testar se era possível enganar o utilizador fazendo-o passar por um ser humano.</a:t>
             </a:r>
           </a:p>
         </p:txBody>
@@ -5226,54 +5907,6 @@
           </a:extLst>
         </p:spPr>
       </p:pic>
-      <p:sp>
-        <p:nvSpPr>
-          <p:cNvPr id="8" name="Título 5">
-            <a:extLst>
-              <a:ext uri="{FF2B5EF4-FFF2-40B4-BE49-F238E27FC236}">
-                <a16:creationId xmlns:a16="http://schemas.microsoft.com/office/drawing/2014/main" id="{4A301CC9-AE66-4722-8DA2-9215738442E1}"/>
-              </a:ext>
-            </a:extLst>
-          </p:cNvPr>
-          <p:cNvSpPr txBox="1">
-            <a:spLocks/>
-          </p:cNvSpPr>
-          <p:nvPr/>
-        </p:nvSpPr>
-        <p:spPr>
-          <a:xfrm>
-            <a:off x="2818038" y="374455"/>
-            <a:ext cx="3684378" cy="446276"/>
-          </a:xfrm>
-          <a:prstGeom prst="rect">
-            <a:avLst/>
-          </a:prstGeom>
-        </p:spPr>
-        <p:txBody>
-          <a:bodyPr wrap="square" lIns="0" tIns="0" rIns="0" bIns="0" anchor="ctr">
-            <a:spAutoFit/>
-          </a:bodyPr>
-          <a:lstStyle>
-            <a:lvl1pPr>
-              <a:defRPr sz="2900" b="1" i="0">
-                <a:solidFill>
-                  <a:srgbClr val="38505F"/>
-                </a:solidFill>
-                <a:latin typeface="Arial"/>
-                <a:ea typeface="+mj-ea"/>
-                <a:cs typeface="Arial"/>
-              </a:defRPr>
-            </a:lvl1pPr>
-          </a:lstStyle>
-          <a:p>
-            <a:pPr algn="ctr"/>
-            <a:r>
-              <a:rPr lang="pt-PT" kern="0" dirty="0"/>
-              <a:t>Porquê? Para quê? </a:t>
-            </a:r>
-          </a:p>
-        </p:txBody>
-      </p:sp>
       <p:pic>
         <p:nvPicPr>
           <p:cNvPr id="11" name="Picture 10" descr="Resultado de imagem para Mitsuku bot logo">
@@ -6331,6 +6964,53 @@
           </a:p>
         </p:txBody>
       </p:sp>
+      <p:sp>
+        <p:nvSpPr>
+          <p:cNvPr id="17" name="object 2">
+            <a:extLst>
+              <a:ext uri="{FF2B5EF4-FFF2-40B4-BE49-F238E27FC236}">
+                <a16:creationId xmlns:a16="http://schemas.microsoft.com/office/drawing/2014/main" id="{99F3A09F-6D7C-4C2D-AAA3-AED0C83987A6}"/>
+              </a:ext>
+            </a:extLst>
+          </p:cNvPr>
+          <p:cNvSpPr txBox="1">
+            <a:spLocks noGrp="1"/>
+          </p:cNvSpPr>
+          <p:nvPr>
+            <p:ph type="title"/>
+          </p:nvPr>
+        </p:nvSpPr>
+        <p:spPr>
+          <a:xfrm>
+            <a:off x="2833687" y="286213"/>
+            <a:ext cx="3476625" cy="461023"/>
+          </a:xfrm>
+          <a:prstGeom prst="rect">
+            <a:avLst/>
+          </a:prstGeom>
+        </p:spPr>
+        <p:txBody>
+          <a:bodyPr vert="horz" wrap="square" lIns="0" tIns="14604" rIns="0" bIns="0" rtlCol="0">
+            <a:spAutoFit/>
+          </a:bodyPr>
+          <a:lstStyle/>
+          <a:p>
+            <a:pPr marL="12700" algn="l">
+              <a:lnSpc>
+                <a:spcPct val="100000"/>
+              </a:lnSpc>
+              <a:spcBef>
+                <a:spcPts val="114"/>
+              </a:spcBef>
+            </a:pPr>
+            <a:r>
+              <a:rPr lang="pt-PT" spc="-185" dirty="0"/>
+              <a:t>Porquê? Para quê?</a:t>
+            </a:r>
+            <a:endParaRPr spc="-185" dirty="0"/>
+          </a:p>
+        </p:txBody>
+      </p:sp>
     </p:spTree>
     <p:extLst>
       <p:ext uri="{BB962C8B-B14F-4D97-AF65-F5344CB8AC3E}">
@@ -6480,8 +7160,8 @@
         </p:nvSpPr>
         <p:spPr>
           <a:xfrm>
-            <a:off x="647700" y="727818"/>
-            <a:ext cx="7848600" cy="5825382"/>
+            <a:off x="647700" y="804019"/>
+            <a:ext cx="7848600" cy="5749181"/>
           </a:xfrm>
           <a:prstGeom prst="roundRect">
             <a:avLst/>
@@ -6514,7 +7194,7 @@
           <a:lstStyle/>
           <a:p>
             <a:pPr algn="ctr"/>
-            <a:endParaRPr lang="pt-PT" dirty="0"/>
+            <a:endParaRPr lang="pt-PT"/>
           </a:p>
         </p:txBody>
       </p:sp>
@@ -6534,7 +7214,7 @@
         </p:nvGrpSpPr>
         <p:grpSpPr>
           <a:xfrm>
-            <a:off x="1304009" y="968949"/>
+            <a:off x="1304009" y="1045150"/>
             <a:ext cx="6696991" cy="4441251"/>
             <a:chOff x="1752600" y="1071270"/>
             <a:chExt cx="5638800" cy="3739489"/>
@@ -6735,8 +7415,8 @@
         </p:nvSpPr>
         <p:spPr>
           <a:xfrm>
-            <a:off x="419100" y="932296"/>
-            <a:ext cx="8420100" cy="2667000"/>
+            <a:off x="419100" y="1219200"/>
+            <a:ext cx="8420100" cy="2362200"/>
           </a:xfrm>
           <a:prstGeom prst="roundRect">
             <a:avLst/>
@@ -6789,8 +7469,8 @@
         </p:nvSpPr>
         <p:spPr>
           <a:xfrm>
-            <a:off x="834661" y="1179130"/>
-            <a:ext cx="4118339" cy="1569660"/>
+            <a:off x="855480" y="1524000"/>
+            <a:ext cx="7547339" cy="1815882"/>
           </a:xfrm>
           <a:prstGeom prst="rect">
             <a:avLst/>
@@ -6805,869 +7485,622 @@
           <a:p>
             <a:r>
               <a:rPr lang="pt-PT" sz="1600" dirty="0">
-                <a:latin typeface="Arial" panose="020B0604020202020204" pitchFamily="34" charset="0"/>
-                <a:cs typeface="Arial" panose="020B0604020202020204" pitchFamily="34" charset="0"/>
-              </a:rPr>
-              <a:t>regras = [</a:t>
-            </a:r>
-          </a:p>
-          <a:p>
+                <a:latin typeface="Consolas" panose="020B0609020204030204" pitchFamily="49" charset="0"/>
+                <a:cs typeface="Arial" panose="020B0604020202020204" pitchFamily="34" charset="0"/>
+              </a:rPr>
+              <a:t>b1 = </a:t>
+            </a:r>
             <a:r>
               <a:rPr lang="pt-PT" sz="1600" dirty="0">
-                <a:latin typeface="Arial" panose="020B0604020202020204" pitchFamily="34" charset="0"/>
-                <a:cs typeface="Arial" panose="020B0604020202020204" pitchFamily="34" charset="0"/>
-              </a:rPr>
-              <a:t>( </a:t>
+                <a:solidFill>
+                  <a:srgbClr val="488ED4"/>
+                </a:solidFill>
+                <a:latin typeface="Consolas" panose="020B0609020204030204" pitchFamily="49" charset="0"/>
+                <a:cs typeface="Arial" panose="020B0604020202020204" pitchFamily="34" charset="0"/>
+              </a:rPr>
+              <a:t>CREATE</a:t>
+            </a:r>
+            <a:r>
+              <a:rPr lang="pt-PT" sz="1600" dirty="0">
+                <a:latin typeface="Consolas" panose="020B0609020204030204" pitchFamily="49" charset="0"/>
+                <a:cs typeface="Arial" panose="020B0604020202020204" pitchFamily="34" charset="0"/>
+              </a:rPr>
+              <a:t> </a:t>
             </a:r>
             <a:r>
               <a:rPr lang="pt-PT" sz="1600" dirty="0" err="1">
+                <a:latin typeface="Consolas" panose="020B0609020204030204" pitchFamily="49" charset="0"/>
+                <a:cs typeface="Arial" panose="020B0604020202020204" pitchFamily="34" charset="0"/>
+              </a:rPr>
+              <a:t>Encyclopedia</a:t>
+            </a:r>
+            <a:r>
+              <a:rPr lang="pt-PT" sz="1600" dirty="0">
+                <a:latin typeface="Consolas" panose="020B0609020204030204" pitchFamily="49" charset="0"/>
+                <a:cs typeface="Arial" panose="020B0604020202020204" pitchFamily="34" charset="0"/>
+              </a:rPr>
+              <a:t> </a:t>
+            </a:r>
+            <a:r>
+              <a:rPr lang="pt-PT" sz="1600" dirty="0">
                 <a:solidFill>
                   <a:srgbClr val="488ED4"/>
                 </a:solidFill>
-                <a:latin typeface="Arial" panose="020B0604020202020204" pitchFamily="34" charset="0"/>
-                <a:cs typeface="Arial" panose="020B0604020202020204" pitchFamily="34" charset="0"/>
-              </a:rPr>
-              <a:t>r</a:t>
+                <a:latin typeface="Consolas" panose="020B0609020204030204" pitchFamily="49" charset="0"/>
+                <a:cs typeface="Arial" panose="020B0604020202020204" pitchFamily="34" charset="0"/>
+              </a:rPr>
+              <a:t>FROM</a:t>
+            </a:r>
+            <a:r>
+              <a:rPr lang="pt-PT" sz="1600" dirty="0">
+                <a:latin typeface="Consolas" panose="020B0609020204030204" pitchFamily="49" charset="0"/>
+                <a:cs typeface="Arial" panose="020B0604020202020204" pitchFamily="34" charset="0"/>
+              </a:rPr>
+              <a:t> </a:t>
             </a:r>
             <a:r>
               <a:rPr lang="pt-PT" sz="1600" dirty="0" err="1">
                 <a:solidFill>
+                  <a:srgbClr val="00B050"/>
+                </a:solidFill>
+                <a:latin typeface="Consolas" panose="020B0609020204030204" pitchFamily="49" charset="0"/>
+                <a:cs typeface="Arial" panose="020B0604020202020204" pitchFamily="34" charset="0"/>
+              </a:rPr>
+              <a:t>Json</a:t>
+            </a:r>
+            <a:r>
+              <a:rPr lang="pt-PT" sz="1600" dirty="0">
+                <a:latin typeface="Consolas" panose="020B0609020204030204" pitchFamily="49" charset="0"/>
+                <a:cs typeface="Arial" panose="020B0604020202020204" pitchFamily="34" charset="0"/>
+              </a:rPr>
+              <a:t> </a:t>
+            </a:r>
+            <a:r>
+              <a:rPr lang="pt-PT" sz="1600" dirty="0">
+                <a:solidFill>
                   <a:srgbClr val="C85C57"/>
                 </a:solidFill>
-                <a:latin typeface="Arial" panose="020B0604020202020204" pitchFamily="34" charset="0"/>
-                <a:cs typeface="Arial" panose="020B0604020202020204" pitchFamily="34" charset="0"/>
-              </a:rPr>
-              <a:t>'Bom</a:t>
+                <a:latin typeface="Consolas" panose="020B0609020204030204" pitchFamily="49" charset="0"/>
+                <a:cs typeface="Arial" panose="020B0604020202020204" pitchFamily="34" charset="0"/>
+              </a:rPr>
+              <a:t>“</a:t>
+            </a:r>
+            <a:r>
+              <a:rPr lang="pt-PT" sz="1600" dirty="0" err="1">
+                <a:solidFill>
+                  <a:srgbClr val="C85C57"/>
+                </a:solidFill>
+                <a:latin typeface="Consolas" panose="020B0609020204030204" pitchFamily="49" charset="0"/>
+                <a:cs typeface="Arial" panose="020B0604020202020204" pitchFamily="34" charset="0"/>
+              </a:rPr>
+              <a:t>historiaPortugal</a:t>
             </a:r>
             <a:r>
               <a:rPr lang="pt-PT" sz="1600" dirty="0">
                 <a:solidFill>
                   <a:srgbClr val="C85C57"/>
                 </a:solidFill>
-                <a:latin typeface="Arial" panose="020B0604020202020204" pitchFamily="34" charset="0"/>
-                <a:cs typeface="Arial" panose="020B0604020202020204" pitchFamily="34" charset="0"/>
-              </a:rPr>
-              <a:t> dia’</a:t>
+                <a:latin typeface="Consolas" panose="020B0609020204030204" pitchFamily="49" charset="0"/>
+                <a:cs typeface="Arial" panose="020B0604020202020204" pitchFamily="34" charset="0"/>
+              </a:rPr>
+              <a:t>”</a:t>
             </a:r>
             <a:r>
               <a:rPr lang="pt-PT" sz="1600" dirty="0">
-                <a:latin typeface="Arial" panose="020B0604020202020204" pitchFamily="34" charset="0"/>
-                <a:cs typeface="Arial" panose="020B0604020202020204" pitchFamily="34" charset="0"/>
-              </a:rPr>
-              <a:t>, </a:t>
+                <a:latin typeface="Consolas" panose="020B0609020204030204" pitchFamily="49" charset="0"/>
+                <a:cs typeface="Arial" panose="020B0604020202020204" pitchFamily="34" charset="0"/>
+              </a:rPr>
+              <a:t> ;</a:t>
+            </a:r>
+          </a:p>
+          <a:p>
+            <a:r>
+              <a:rPr lang="pt-PT" sz="1600" dirty="0">
+                <a:latin typeface="Consolas" panose="020B0609020204030204" pitchFamily="49" charset="0"/>
+                <a:cs typeface="Arial" panose="020B0604020202020204" pitchFamily="34" charset="0"/>
+              </a:rPr>
+              <a:t>b2 = </a:t>
+            </a:r>
+            <a:r>
+              <a:rPr lang="pt-PT" sz="1600" dirty="0">
+                <a:solidFill>
+                  <a:srgbClr val="488ED4"/>
+                </a:solidFill>
+                <a:latin typeface="Consolas" panose="020B0609020204030204" pitchFamily="49" charset="0"/>
+                <a:cs typeface="Arial" panose="020B0604020202020204" pitchFamily="34" charset="0"/>
+              </a:rPr>
+              <a:t>CREATE</a:t>
+            </a:r>
+            <a:r>
+              <a:rPr lang="pt-PT" sz="1600" dirty="0">
+                <a:latin typeface="Consolas" panose="020B0609020204030204" pitchFamily="49" charset="0"/>
+                <a:cs typeface="Arial" panose="020B0604020202020204" pitchFamily="34" charset="0"/>
+              </a:rPr>
+              <a:t> </a:t>
             </a:r>
             <a:r>
               <a:rPr lang="pt-PT" sz="1600" dirty="0" err="1">
-                <a:latin typeface="Arial" panose="020B0604020202020204" pitchFamily="34" charset="0"/>
-                <a:cs typeface="Arial" panose="020B0604020202020204" pitchFamily="34" charset="0"/>
-              </a:rPr>
-              <a:t>choice</a:t>
+                <a:latin typeface="Consolas" panose="020B0609020204030204" pitchFamily="49" charset="0"/>
+                <a:cs typeface="Arial" panose="020B0604020202020204" pitchFamily="34" charset="0"/>
+              </a:rPr>
+              <a:t>AnswersFromList</a:t>
             </a:r>
             <a:r>
               <a:rPr lang="pt-PT" sz="1600" dirty="0">
-                <a:latin typeface="Arial" panose="020B0604020202020204" pitchFamily="34" charset="0"/>
-                <a:cs typeface="Arial" panose="020B0604020202020204" pitchFamily="34" charset="0"/>
-              </a:rPr>
-              <a:t>(</a:t>
+                <a:latin typeface="Consolas" panose="020B0609020204030204" pitchFamily="49" charset="0"/>
+                <a:cs typeface="Arial" panose="020B0604020202020204" pitchFamily="34" charset="0"/>
+              </a:rPr>
+              <a:t> </a:t>
+            </a:r>
+            <a:r>
+              <a:rPr lang="pt-PT" sz="1600" dirty="0">
+                <a:solidFill>
+                  <a:srgbClr val="488ED4"/>
+                </a:solidFill>
+                <a:latin typeface="Consolas" panose="020B0609020204030204" pitchFamily="49" charset="0"/>
+                <a:cs typeface="Arial" panose="020B0604020202020204" pitchFamily="34" charset="0"/>
+              </a:rPr>
+              <a:t>FROM</a:t>
+            </a:r>
+            <a:r>
+              <a:rPr lang="pt-PT" sz="1600" dirty="0">
+                <a:latin typeface="Consolas" panose="020B0609020204030204" pitchFamily="49" charset="0"/>
+                <a:cs typeface="Arial" panose="020B0604020202020204" pitchFamily="34" charset="0"/>
+              </a:rPr>
+              <a:t> </a:t>
             </a:r>
             <a:r>
               <a:rPr lang="pt-PT" sz="1600" dirty="0" err="1">
-                <a:latin typeface="Arial" panose="020B0604020202020204" pitchFamily="34" charset="0"/>
-                <a:cs typeface="Arial" panose="020B0604020202020204" pitchFamily="34" charset="0"/>
-              </a:rPr>
-              <a:t>saudacoes</a:t>
+                <a:solidFill>
+                  <a:srgbClr val="00B050"/>
+                </a:solidFill>
+                <a:latin typeface="Consolas" panose="020B0609020204030204" pitchFamily="49" charset="0"/>
+                <a:cs typeface="Arial" panose="020B0604020202020204" pitchFamily="34" charset="0"/>
+              </a:rPr>
+              <a:t>Txt</a:t>
             </a:r>
             <a:r>
               <a:rPr lang="pt-PT" sz="1600" dirty="0">
-                <a:latin typeface="Arial" panose="020B0604020202020204" pitchFamily="34" charset="0"/>
-                <a:cs typeface="Arial" panose="020B0604020202020204" pitchFamily="34" charset="0"/>
-              </a:rPr>
-              <a:t>)),</a:t>
-            </a:r>
-          </a:p>
-          <a:p>
+                <a:latin typeface="Consolas" panose="020B0609020204030204" pitchFamily="49" charset="0"/>
+                <a:cs typeface="Arial" panose="020B0604020202020204" pitchFamily="34" charset="0"/>
+              </a:rPr>
+              <a:t> </a:t>
+            </a:r>
             <a:r>
               <a:rPr lang="pt-PT" sz="1600" dirty="0">
-                <a:latin typeface="Arial" panose="020B0604020202020204" pitchFamily="34" charset="0"/>
-                <a:cs typeface="Arial" panose="020B0604020202020204" pitchFamily="34" charset="0"/>
-              </a:rPr>
-              <a:t>( </a:t>
+                <a:solidFill>
+                  <a:srgbClr val="C85C57"/>
+                </a:solidFill>
+                <a:latin typeface="Consolas" panose="020B0609020204030204" pitchFamily="49" charset="0"/>
+                <a:cs typeface="Arial" panose="020B0604020202020204" pitchFamily="34" charset="0"/>
+              </a:rPr>
+              <a:t>“</a:t>
             </a:r>
             <a:r>
               <a:rPr lang="pt-PT" sz="1600" dirty="0" err="1">
                 <a:solidFill>
+                  <a:srgbClr val="C85C57"/>
+                </a:solidFill>
+                <a:latin typeface="Consolas" panose="020B0609020204030204" pitchFamily="49" charset="0"/>
+                <a:cs typeface="Arial" panose="020B0604020202020204" pitchFamily="34" charset="0"/>
+              </a:rPr>
+              <a:t>proverbios</a:t>
+            </a:r>
+            <a:r>
+              <a:rPr lang="pt-PT" sz="1600" dirty="0">
+                <a:solidFill>
+                  <a:srgbClr val="C85C57"/>
+                </a:solidFill>
+                <a:latin typeface="Consolas" panose="020B0609020204030204" pitchFamily="49" charset="0"/>
+                <a:cs typeface="Arial" panose="020B0604020202020204" pitchFamily="34" charset="0"/>
+              </a:rPr>
+              <a:t>”</a:t>
+            </a:r>
+            <a:r>
+              <a:rPr lang="pt-PT" sz="1600" dirty="0">
+                <a:latin typeface="Consolas" panose="020B0609020204030204" pitchFamily="49" charset="0"/>
+                <a:cs typeface="Arial" panose="020B0604020202020204" pitchFamily="34" charset="0"/>
+              </a:rPr>
+              <a:t> ;</a:t>
+            </a:r>
+          </a:p>
+          <a:p>
+            <a:r>
+              <a:rPr lang="pt-PT" sz="1600" dirty="0">
+                <a:latin typeface="Consolas" panose="020B0609020204030204" pitchFamily="49" charset="0"/>
+                <a:cs typeface="Arial" panose="020B0604020202020204" pitchFamily="34" charset="0"/>
+              </a:rPr>
+              <a:t>b3 = </a:t>
+            </a:r>
+            <a:r>
+              <a:rPr lang="pt-PT" sz="1600" dirty="0">
+                <a:solidFill>
                   <a:srgbClr val="488ED4"/>
                 </a:solidFill>
-                <a:latin typeface="Arial" panose="020B0604020202020204" pitchFamily="34" charset="0"/>
-                <a:cs typeface="Arial" panose="020B0604020202020204" pitchFamily="34" charset="0"/>
-              </a:rPr>
-              <a:t>r</a:t>
+                <a:latin typeface="Consolas" panose="020B0609020204030204" pitchFamily="49" charset="0"/>
+                <a:cs typeface="Arial" panose="020B0604020202020204" pitchFamily="34" charset="0"/>
+              </a:rPr>
+              <a:t>CREATE</a:t>
+            </a:r>
+            <a:r>
+              <a:rPr lang="pt-PT" sz="1600" dirty="0">
+                <a:latin typeface="Consolas" panose="020B0609020204030204" pitchFamily="49" charset="0"/>
+                <a:cs typeface="Arial" panose="020B0604020202020204" pitchFamily="34" charset="0"/>
+              </a:rPr>
+              <a:t> </a:t>
             </a:r>
             <a:r>
               <a:rPr lang="pt-PT" sz="1600" dirty="0" err="1">
+                <a:latin typeface="Consolas" panose="020B0609020204030204" pitchFamily="49" charset="0"/>
+                <a:cs typeface="Arial" panose="020B0604020202020204" pitchFamily="34" charset="0"/>
+              </a:rPr>
+              <a:t>AnswersFromList</a:t>
+            </a:r>
+            <a:r>
+              <a:rPr lang="pt-PT" sz="1600" dirty="0">
+                <a:latin typeface="Consolas" panose="020B0609020204030204" pitchFamily="49" charset="0"/>
+                <a:cs typeface="Arial" panose="020B0604020202020204" pitchFamily="34" charset="0"/>
+              </a:rPr>
+              <a:t> </a:t>
+            </a:r>
+            <a:r>
+              <a:rPr lang="pt-PT" sz="1600" dirty="0">
+                <a:solidFill>
+                  <a:srgbClr val="488ED4"/>
+                </a:solidFill>
+                <a:latin typeface="Consolas" panose="020B0609020204030204" pitchFamily="49" charset="0"/>
+                <a:cs typeface="Arial" panose="020B0604020202020204" pitchFamily="34" charset="0"/>
+              </a:rPr>
+              <a:t>FROM</a:t>
+            </a:r>
+            <a:r>
+              <a:rPr lang="pt-PT" sz="1600" dirty="0">
+                <a:latin typeface="Consolas" panose="020B0609020204030204" pitchFamily="49" charset="0"/>
+                <a:cs typeface="Arial" panose="020B0604020202020204" pitchFamily="34" charset="0"/>
+              </a:rPr>
+              <a:t> </a:t>
+            </a:r>
+            <a:r>
+              <a:rPr lang="pt-PT" sz="1600" dirty="0" err="1">
+                <a:solidFill>
+                  <a:srgbClr val="00B050"/>
+                </a:solidFill>
+                <a:latin typeface="Consolas" panose="020B0609020204030204" pitchFamily="49" charset="0"/>
+                <a:cs typeface="Arial" panose="020B0604020202020204" pitchFamily="34" charset="0"/>
+              </a:rPr>
+              <a:t>Txt</a:t>
+            </a:r>
+            <a:r>
+              <a:rPr lang="pt-PT" sz="1600" dirty="0">
+                <a:latin typeface="Consolas" panose="020B0609020204030204" pitchFamily="49" charset="0"/>
+                <a:cs typeface="Arial" panose="020B0604020202020204" pitchFamily="34" charset="0"/>
+              </a:rPr>
+              <a:t> </a:t>
+            </a:r>
+            <a:r>
+              <a:rPr lang="pt-PT" sz="1600" dirty="0">
                 <a:solidFill>
                   <a:srgbClr val="C85C57"/>
                 </a:solidFill>
-                <a:latin typeface="Arial" panose="020B0604020202020204" pitchFamily="34" charset="0"/>
-                <a:cs typeface="Arial" panose="020B0604020202020204" pitchFamily="34" charset="0"/>
-              </a:rPr>
-              <a:t>'Como</a:t>
+                <a:latin typeface="Consolas" panose="020B0609020204030204" pitchFamily="49" charset="0"/>
+                <a:cs typeface="Arial" panose="020B0604020202020204" pitchFamily="34" charset="0"/>
+              </a:rPr>
+              <a:t>“</a:t>
+            </a:r>
+            <a:r>
+              <a:rPr lang="pt-PT" sz="1600" dirty="0" err="1">
+                <a:solidFill>
+                  <a:srgbClr val="C85C57"/>
+                </a:solidFill>
+                <a:latin typeface="Consolas" panose="020B0609020204030204" pitchFamily="49" charset="0"/>
+                <a:cs typeface="Arial" panose="020B0604020202020204" pitchFamily="34" charset="0"/>
+              </a:rPr>
+              <a:t>lusiadas</a:t>
             </a:r>
             <a:r>
               <a:rPr lang="pt-PT" sz="1600" dirty="0">
                 <a:solidFill>
                   <a:srgbClr val="C85C57"/>
                 </a:solidFill>
-                <a:latin typeface="Arial" panose="020B0604020202020204" pitchFamily="34" charset="0"/>
-                <a:cs typeface="Arial" panose="020B0604020202020204" pitchFamily="34" charset="0"/>
-              </a:rPr>
-              <a:t> se diz </a:t>
+                <a:latin typeface="Consolas" panose="020B0609020204030204" pitchFamily="49" charset="0"/>
+                <a:cs typeface="Arial" panose="020B0604020202020204" pitchFamily="34" charset="0"/>
+              </a:rPr>
+              <a:t>”</a:t>
             </a:r>
             <a:r>
               <a:rPr lang="pt-PT" sz="1600" dirty="0">
-                <a:solidFill>
-                  <a:srgbClr val="FF6600"/>
-                </a:solidFill>
-                <a:latin typeface="Arial" panose="020B0604020202020204" pitchFamily="34" charset="0"/>
-                <a:cs typeface="Arial" panose="020B0604020202020204" pitchFamily="34" charset="0"/>
-              </a:rPr>
-              <a:t>([</a:t>
-            </a:r>
+                <a:latin typeface="Consolas" panose="020B0609020204030204" pitchFamily="49" charset="0"/>
+                <a:cs typeface="Arial" panose="020B0604020202020204" pitchFamily="34" charset="0"/>
+              </a:rPr>
+              <a:t> ;</a:t>
+            </a:r>
+          </a:p>
+          <a:p>
             <a:r>
               <a:rPr lang="pt-PT" sz="1600" dirty="0">
+                <a:latin typeface="Consolas" panose="020B0609020204030204" pitchFamily="49" charset="0"/>
+                <a:cs typeface="Arial" panose="020B0604020202020204" pitchFamily="34" charset="0"/>
+              </a:rPr>
+              <a:t>b4 = </a:t>
+            </a:r>
+            <a:r>
+              <a:rPr lang="pt-PT" sz="1600" dirty="0">
+                <a:solidFill>
+                  <a:srgbClr val="488ED4"/>
+                </a:solidFill>
+                <a:latin typeface="Consolas" panose="020B0609020204030204" pitchFamily="49" charset="0"/>
+                <a:cs typeface="Arial" panose="020B0604020202020204" pitchFamily="34" charset="0"/>
+              </a:rPr>
+              <a:t>CREATE</a:t>
+            </a:r>
+            <a:r>
+              <a:rPr lang="pt-PT" sz="1600" dirty="0">
+                <a:latin typeface="Consolas" panose="020B0609020204030204" pitchFamily="49" charset="0"/>
+                <a:cs typeface="Arial" panose="020B0604020202020204" pitchFamily="34" charset="0"/>
+              </a:rPr>
+              <a:t> Q&amp;A </a:t>
+            </a:r>
+            <a:r>
+              <a:rPr lang="pt-PT" sz="1600" dirty="0">
+                <a:solidFill>
+                  <a:srgbClr val="488ED4"/>
+                </a:solidFill>
+                <a:latin typeface="Consolas" panose="020B0609020204030204" pitchFamily="49" charset="0"/>
+                <a:cs typeface="Arial" panose="020B0604020202020204" pitchFamily="34" charset="0"/>
+              </a:rPr>
+              <a:t>FROM</a:t>
+            </a:r>
+            <a:r>
+              <a:rPr lang="pt-PT" sz="1600" dirty="0">
+                <a:latin typeface="Consolas" panose="020B0609020204030204" pitchFamily="49" charset="0"/>
+                <a:cs typeface="Arial" panose="020B0604020202020204" pitchFamily="34" charset="0"/>
+              </a:rPr>
+              <a:t> </a:t>
+            </a:r>
+            <a:r>
+              <a:rPr lang="pt-PT" sz="1600" dirty="0" err="1">
+                <a:solidFill>
+                  <a:srgbClr val="00B050"/>
+                </a:solidFill>
+                <a:latin typeface="Consolas" panose="020B0609020204030204" pitchFamily="49" charset="0"/>
+                <a:cs typeface="Arial" panose="020B0604020202020204" pitchFamily="34" charset="0"/>
+              </a:rPr>
+              <a:t>Csv</a:t>
+            </a:r>
+            <a:r>
+              <a:rPr lang="pt-PT" sz="1600" dirty="0">
+                <a:latin typeface="Consolas" panose="020B0609020204030204" pitchFamily="49" charset="0"/>
+                <a:cs typeface="Arial" panose="020B0604020202020204" pitchFamily="34" charset="0"/>
+              </a:rPr>
+              <a:t> </a:t>
+            </a:r>
+            <a:r>
+              <a:rPr lang="pt-PT" sz="1600" dirty="0">
+                <a:solidFill>
+                  <a:srgbClr val="488ED4"/>
+                </a:solidFill>
+                <a:latin typeface="Consolas" panose="020B0609020204030204" pitchFamily="49" charset="0"/>
+                <a:cs typeface="Arial" panose="020B0604020202020204" pitchFamily="34" charset="0"/>
+              </a:rPr>
+              <a:t>AS</a:t>
+            </a:r>
+            <a:r>
+              <a:rPr lang="pt-PT" sz="1600" dirty="0">
+                <a:latin typeface="Consolas" panose="020B0609020204030204" pitchFamily="49" charset="0"/>
+                <a:cs typeface="Arial" panose="020B0604020202020204" pitchFamily="34" charset="0"/>
+              </a:rPr>
+              <a:t> </a:t>
+            </a:r>
+            <a:r>
+              <a:rPr lang="pt-PT" sz="1600" dirty="0" err="1">
+                <a:solidFill>
+                  <a:srgbClr val="00B050"/>
+                </a:solidFill>
+                <a:latin typeface="Consolas" panose="020B0609020204030204" pitchFamily="49" charset="0"/>
+                <a:cs typeface="Arial" panose="020B0604020202020204" pitchFamily="34" charset="0"/>
+              </a:rPr>
+              <a:t>RelationalDatabase</a:t>
+            </a:r>
+            <a:r>
+              <a:rPr lang="pt-PT" sz="1600" dirty="0">
+                <a:latin typeface="Consolas" panose="020B0609020204030204" pitchFamily="49" charset="0"/>
+                <a:cs typeface="Arial" panose="020B0604020202020204" pitchFamily="34" charset="0"/>
+              </a:rPr>
+              <a:t> </a:t>
+            </a:r>
+            <a:r>
+              <a:rPr lang="pt-PT" sz="1600" dirty="0">
                 <a:solidFill>
                   <a:srgbClr val="C85C57"/>
                 </a:solidFill>
-                <a:latin typeface="Arial" panose="020B0604020202020204" pitchFamily="34" charset="0"/>
-                <a:cs typeface="Arial" panose="020B0604020202020204" pitchFamily="34" charset="0"/>
-              </a:rPr>
-              <a:t>\w </a:t>
+                <a:latin typeface="Consolas" panose="020B0609020204030204" pitchFamily="49" charset="0"/>
+                <a:cs typeface="Arial" panose="020B0604020202020204" pitchFamily="34" charset="0"/>
+              </a:rPr>
+              <a:t>“</a:t>
+            </a:r>
+            <a:r>
+              <a:rPr lang="pt-PT" sz="1600" dirty="0" err="1">
+                <a:solidFill>
+                  <a:srgbClr val="C85C57"/>
+                </a:solidFill>
+                <a:latin typeface="Consolas" panose="020B0609020204030204" pitchFamily="49" charset="0"/>
+                <a:cs typeface="Arial" panose="020B0604020202020204" pitchFamily="34" charset="0"/>
+              </a:rPr>
+              <a:t>farmacia</a:t>
             </a:r>
             <a:r>
               <a:rPr lang="pt-PT" sz="1600" dirty="0">
                 <a:solidFill>
-                  <a:srgbClr val="FF6600"/>
-                </a:solidFill>
-                <a:latin typeface="Arial" panose="020B0604020202020204" pitchFamily="34" charset="0"/>
-                <a:cs typeface="Arial" panose="020B0604020202020204" pitchFamily="34" charset="0"/>
-              </a:rPr>
-              <a:t>]</a:t>
+                  <a:srgbClr val="C85C57"/>
+                </a:solidFill>
+                <a:latin typeface="Consolas" panose="020B0609020204030204" pitchFamily="49" charset="0"/>
+                <a:cs typeface="Arial" panose="020B0604020202020204" pitchFamily="34" charset="0"/>
+              </a:rPr>
+              <a:t>”</a:t>
             </a:r>
             <a:r>
               <a:rPr lang="pt-PT" sz="1600" dirty="0">
-                <a:solidFill>
-                  <a:srgbClr val="FFC000"/>
-                </a:solidFill>
-                <a:latin typeface="Arial" panose="020B0604020202020204" pitchFamily="34" charset="0"/>
-                <a:cs typeface="Arial" panose="020B0604020202020204" pitchFamily="34" charset="0"/>
-              </a:rPr>
-              <a:t>+</a:t>
-            </a:r>
+                <a:latin typeface="Consolas" panose="020B0609020204030204" pitchFamily="49" charset="0"/>
+                <a:cs typeface="Arial" panose="020B0604020202020204" pitchFamily="34" charset="0"/>
+              </a:rPr>
+              <a:t> ;</a:t>
+            </a:r>
+          </a:p>
+          <a:p>
             <a:r>
               <a:rPr lang="pt-PT" sz="1600" dirty="0">
-                <a:solidFill>
-                  <a:srgbClr val="FF6600"/>
-                </a:solidFill>
-                <a:latin typeface="Arial" panose="020B0604020202020204" pitchFamily="34" charset="0"/>
-                <a:cs typeface="Arial" panose="020B0604020202020204" pitchFamily="34" charset="0"/>
-              </a:rPr>
-              <a:t>) </a:t>
+                <a:latin typeface="Consolas" panose="020B0609020204030204" pitchFamily="49" charset="0"/>
+                <a:cs typeface="Arial" panose="020B0604020202020204" pitchFamily="34" charset="0"/>
+              </a:rPr>
+              <a:t>b5 = </a:t>
             </a:r>
             <a:r>
               <a:rPr lang="pt-PT" sz="1600" dirty="0">
                 <a:solidFill>
+                  <a:srgbClr val="488ED4"/>
+                </a:solidFill>
+                <a:latin typeface="Consolas" panose="020B0609020204030204" pitchFamily="49" charset="0"/>
+                <a:cs typeface="Arial" panose="020B0604020202020204" pitchFamily="34" charset="0"/>
+              </a:rPr>
+              <a:t>CREATE</a:t>
+            </a:r>
+            <a:r>
+              <a:rPr lang="pt-PT" sz="1600" dirty="0">
+                <a:latin typeface="Consolas" panose="020B0609020204030204" pitchFamily="49" charset="0"/>
+                <a:cs typeface="Arial" panose="020B0604020202020204" pitchFamily="34" charset="0"/>
+              </a:rPr>
+              <a:t> Q&amp;A </a:t>
+            </a:r>
+            <a:r>
+              <a:rPr lang="pt-PT" sz="1600" dirty="0">
+                <a:solidFill>
+                  <a:srgbClr val="488ED4"/>
+                </a:solidFill>
+                <a:latin typeface="Consolas" panose="020B0609020204030204" pitchFamily="49" charset="0"/>
+                <a:cs typeface="Arial" panose="020B0604020202020204" pitchFamily="34" charset="0"/>
+              </a:rPr>
+              <a:t>FROM</a:t>
+            </a:r>
+            <a:r>
+              <a:rPr lang="pt-PT" sz="1600" dirty="0">
+                <a:latin typeface="Consolas" panose="020B0609020204030204" pitchFamily="49" charset="0"/>
+                <a:cs typeface="Arial" panose="020B0604020202020204" pitchFamily="34" charset="0"/>
+              </a:rPr>
+              <a:t> </a:t>
+            </a:r>
+            <a:r>
+              <a:rPr lang="pt-PT" sz="1600" dirty="0" err="1">
+                <a:solidFill>
+                  <a:srgbClr val="00B050"/>
+                </a:solidFill>
+                <a:latin typeface="Consolas" panose="020B0609020204030204" pitchFamily="49" charset="0"/>
+                <a:cs typeface="Arial" panose="020B0604020202020204" pitchFamily="34" charset="0"/>
+              </a:rPr>
+              <a:t>Json</a:t>
+            </a:r>
+            <a:r>
+              <a:rPr lang="pt-PT" sz="1600" dirty="0">
+                <a:latin typeface="Consolas" panose="020B0609020204030204" pitchFamily="49" charset="0"/>
+                <a:cs typeface="Arial" panose="020B0604020202020204" pitchFamily="34" charset="0"/>
+              </a:rPr>
+              <a:t> </a:t>
+            </a:r>
+            <a:r>
+              <a:rPr lang="pt-PT" sz="1600" dirty="0">
+                <a:solidFill>
                   <a:srgbClr val="C85C57"/>
                 </a:solidFill>
-                <a:latin typeface="Arial" panose="020B0604020202020204" pitchFamily="34" charset="0"/>
-                <a:cs typeface="Arial" panose="020B0604020202020204" pitchFamily="34" charset="0"/>
-              </a:rPr>
-              <a:t>em </a:t>
+                <a:latin typeface="Consolas" panose="020B0609020204030204" pitchFamily="49" charset="0"/>
+                <a:cs typeface="Arial" panose="020B0604020202020204" pitchFamily="34" charset="0"/>
+              </a:rPr>
+              <a:t>“</a:t>
+            </a:r>
+            <a:r>
+              <a:rPr lang="pt-PT" sz="1600" dirty="0" err="1">
+                <a:solidFill>
+                  <a:srgbClr val="C85C57"/>
+                </a:solidFill>
+                <a:latin typeface="Consolas" panose="020B0609020204030204" pitchFamily="49" charset="0"/>
+                <a:cs typeface="Arial" panose="020B0604020202020204" pitchFamily="34" charset="0"/>
+              </a:rPr>
+              <a:t>uminho</a:t>
             </a:r>
             <a:r>
               <a:rPr lang="pt-PT" sz="1600" dirty="0">
                 <a:solidFill>
-                  <a:srgbClr val="FF6600"/>
-                </a:solidFill>
-                <a:latin typeface="Arial" panose="020B0604020202020204" pitchFamily="34" charset="0"/>
-                <a:cs typeface="Arial" panose="020B0604020202020204" pitchFamily="34" charset="0"/>
-              </a:rPr>
-              <a:t>(</a:t>
+                  <a:srgbClr val="C85C57"/>
+                </a:solidFill>
+                <a:latin typeface="Consolas" panose="020B0609020204030204" pitchFamily="49" charset="0"/>
+                <a:cs typeface="Arial" panose="020B0604020202020204" pitchFamily="34" charset="0"/>
+              </a:rPr>
+              <a:t>”</a:t>
             </a:r>
             <a:r>
               <a:rPr lang="pt-PT" sz="1600" dirty="0">
-                <a:solidFill>
-                  <a:srgbClr val="C85C57"/>
-                </a:solidFill>
-                <a:latin typeface="Arial" panose="020B0604020202020204" pitchFamily="34" charset="0"/>
-                <a:cs typeface="Arial" panose="020B0604020202020204" pitchFamily="34" charset="0"/>
-              </a:rPr>
-              <a:t>\w</a:t>
-            </a:r>
-            <a:r>
-              <a:rPr lang="pt-PT" sz="1600" dirty="0">
-                <a:solidFill>
-                  <a:srgbClr val="FFC000"/>
-                </a:solidFill>
-                <a:latin typeface="Arial" panose="020B0604020202020204" pitchFamily="34" charset="0"/>
-                <a:cs typeface="Arial" panose="020B0604020202020204" pitchFamily="34" charset="0"/>
-              </a:rPr>
-              <a:t>+</a:t>
-            </a:r>
-            <a:r>
-              <a:rPr lang="pt-PT" sz="1600" dirty="0">
-                <a:solidFill>
-                  <a:srgbClr val="FF6600"/>
-                </a:solidFill>
-                <a:latin typeface="Arial" panose="020B0604020202020204" pitchFamily="34" charset="0"/>
-                <a:cs typeface="Arial" panose="020B0604020202020204" pitchFamily="34" charset="0"/>
-              </a:rPr>
-              <a:t>)</a:t>
-            </a:r>
-            <a:r>
-              <a:rPr lang="pt-PT" sz="1600" dirty="0">
-                <a:solidFill>
-                  <a:srgbClr val="C85C57"/>
-                </a:solidFill>
-                <a:latin typeface="Arial" panose="020B0604020202020204" pitchFamily="34" charset="0"/>
-                <a:cs typeface="Arial" panose="020B0604020202020204" pitchFamily="34" charset="0"/>
-              </a:rPr>
-              <a:t>'</a:t>
-            </a:r>
-            <a:r>
-              <a:rPr lang="pt-PT" sz="1600" dirty="0">
-                <a:latin typeface="Arial" panose="020B0604020202020204" pitchFamily="34" charset="0"/>
-                <a:cs typeface="Arial" panose="020B0604020202020204" pitchFamily="34" charset="0"/>
-              </a:rPr>
-              <a:t>,traduz(),</a:t>
-            </a:r>
-          </a:p>
-          <a:p>
-            <a:r>
-              <a:rPr lang="pt-PT" sz="1600" dirty="0">
-                <a:latin typeface="Arial" panose="020B0604020202020204" pitchFamily="34" charset="0"/>
-                <a:cs typeface="Arial" panose="020B0604020202020204" pitchFamily="34" charset="0"/>
-              </a:rPr>
-              <a:t>( </a:t>
-            </a:r>
-            <a:r>
-              <a:rPr lang="pt-PT" sz="1600" dirty="0" err="1">
-                <a:solidFill>
-                  <a:srgbClr val="488ED4"/>
-                </a:solidFill>
-                <a:latin typeface="Arial" panose="020B0604020202020204" pitchFamily="34" charset="0"/>
-                <a:cs typeface="Arial" panose="020B0604020202020204" pitchFamily="34" charset="0"/>
-              </a:rPr>
-              <a:t>r</a:t>
-            </a:r>
-            <a:r>
-              <a:rPr lang="pt-PT" sz="1600" dirty="0" err="1">
-                <a:solidFill>
-                  <a:srgbClr val="C85C57"/>
-                </a:solidFill>
-                <a:latin typeface="Arial" panose="020B0604020202020204" pitchFamily="34" charset="0"/>
-                <a:cs typeface="Arial" panose="020B0604020202020204" pitchFamily="34" charset="0"/>
-              </a:rPr>
-              <a:t>'Fala</a:t>
-            </a:r>
-            <a:r>
-              <a:rPr lang="pt-PT" sz="1600" dirty="0">
-                <a:solidFill>
-                  <a:srgbClr val="C85C57"/>
-                </a:solidFill>
-                <a:latin typeface="Arial" panose="020B0604020202020204" pitchFamily="34" charset="0"/>
-                <a:cs typeface="Arial" panose="020B0604020202020204" pitchFamily="34" charset="0"/>
-              </a:rPr>
-              <a:t> me sobre </a:t>
-            </a:r>
-            <a:r>
-              <a:rPr lang="pt-PT" sz="1600" dirty="0">
-                <a:solidFill>
-                  <a:srgbClr val="FF6600"/>
-                </a:solidFill>
-                <a:latin typeface="Arial" panose="020B0604020202020204" pitchFamily="34" charset="0"/>
-                <a:cs typeface="Arial" panose="020B0604020202020204" pitchFamily="34" charset="0"/>
-              </a:rPr>
-              <a:t>(</a:t>
-            </a:r>
-            <a:r>
-              <a:rPr lang="pt-PT" sz="1600" dirty="0">
-                <a:solidFill>
-                  <a:srgbClr val="C85C57"/>
-                </a:solidFill>
-                <a:latin typeface="Arial" panose="020B0604020202020204" pitchFamily="34" charset="0"/>
-                <a:cs typeface="Arial" panose="020B0604020202020204" pitchFamily="34" charset="0"/>
-              </a:rPr>
-              <a:t>.</a:t>
-            </a:r>
-            <a:r>
-              <a:rPr lang="pt-PT" sz="1600" dirty="0">
-                <a:solidFill>
-                  <a:srgbClr val="FFC000"/>
-                </a:solidFill>
-                <a:latin typeface="Arial" panose="020B0604020202020204" pitchFamily="34" charset="0"/>
-                <a:cs typeface="Arial" panose="020B0604020202020204" pitchFamily="34" charset="0"/>
-              </a:rPr>
-              <a:t>*</a:t>
-            </a:r>
-            <a:r>
-              <a:rPr lang="pt-PT" sz="1600" dirty="0">
-                <a:solidFill>
-                  <a:srgbClr val="FF6600"/>
-                </a:solidFill>
-                <a:latin typeface="Arial" panose="020B0604020202020204" pitchFamily="34" charset="0"/>
-                <a:cs typeface="Arial" panose="020B0604020202020204" pitchFamily="34" charset="0"/>
-              </a:rPr>
-              <a:t>)</a:t>
-            </a:r>
-            <a:r>
-              <a:rPr lang="pt-PT" sz="1600" dirty="0">
-                <a:solidFill>
-                  <a:srgbClr val="C85C57"/>
-                </a:solidFill>
-                <a:latin typeface="Arial" panose="020B0604020202020204" pitchFamily="34" charset="0"/>
-                <a:cs typeface="Arial" panose="020B0604020202020204" pitchFamily="34" charset="0"/>
-              </a:rPr>
-              <a:t>’</a:t>
-            </a:r>
-            <a:r>
-              <a:rPr lang="pt-PT" sz="1600" dirty="0">
-                <a:latin typeface="Arial" panose="020B0604020202020204" pitchFamily="34" charset="0"/>
-                <a:cs typeface="Arial" panose="020B0604020202020204" pitchFamily="34" charset="0"/>
-              </a:rPr>
-              <a:t>, </a:t>
-            </a:r>
-            <a:r>
-              <a:rPr lang="pt-PT" sz="1600" dirty="0" err="1">
-                <a:latin typeface="Arial" panose="020B0604020202020204" pitchFamily="34" charset="0"/>
-                <a:cs typeface="Arial" panose="020B0604020202020204" pitchFamily="34" charset="0"/>
-              </a:rPr>
-              <a:t>gera_resposta</a:t>
-            </a:r>
-            <a:r>
-              <a:rPr lang="pt-PT" sz="1600" dirty="0">
-                <a:latin typeface="Arial" panose="020B0604020202020204" pitchFamily="34" charset="0"/>
-                <a:cs typeface="Arial" panose="020B0604020202020204" pitchFamily="34" charset="0"/>
-              </a:rPr>
-              <a:t>()),</a:t>
-            </a:r>
-          </a:p>
-          <a:p>
-            <a:r>
-              <a:rPr lang="pt-PT" sz="1600" dirty="0">
-                <a:latin typeface="Arial" panose="020B0604020202020204" pitchFamily="34" charset="0"/>
-                <a:cs typeface="Arial" panose="020B0604020202020204" pitchFamily="34" charset="0"/>
-              </a:rPr>
-              <a:t>( </a:t>
-            </a:r>
-            <a:r>
-              <a:rPr lang="pt-PT" sz="1600" dirty="0">
-                <a:solidFill>
-                  <a:srgbClr val="488ED4"/>
-                </a:solidFill>
-                <a:latin typeface="Arial" panose="020B0604020202020204" pitchFamily="34" charset="0"/>
-                <a:cs typeface="Arial" panose="020B0604020202020204" pitchFamily="34" charset="0"/>
-              </a:rPr>
-              <a:t>r</a:t>
-            </a:r>
-            <a:r>
-              <a:rPr lang="pt-PT" sz="1600" dirty="0">
-                <a:solidFill>
-                  <a:srgbClr val="C85C57"/>
-                </a:solidFill>
-                <a:latin typeface="Arial" panose="020B0604020202020204" pitchFamily="34" charset="0"/>
-                <a:cs typeface="Arial" panose="020B0604020202020204" pitchFamily="34" charset="0"/>
-              </a:rPr>
-              <a:t>'</a:t>
-            </a:r>
-            <a:r>
-              <a:rPr lang="pt-PT" sz="1600" dirty="0">
-                <a:solidFill>
-                  <a:srgbClr val="F67338"/>
-                </a:solidFill>
-                <a:latin typeface="Arial" panose="020B0604020202020204" pitchFamily="34" charset="0"/>
-                <a:cs typeface="Arial" panose="020B0604020202020204" pitchFamily="34" charset="0"/>
-              </a:rPr>
-              <a:t>(</a:t>
-            </a:r>
-            <a:r>
-              <a:rPr lang="pt-PT" sz="1600" dirty="0">
-                <a:solidFill>
-                  <a:srgbClr val="C85C57"/>
-                </a:solidFill>
-                <a:latin typeface="Arial" panose="020B0604020202020204" pitchFamily="34" charset="0"/>
-                <a:cs typeface="Arial" panose="020B0604020202020204" pitchFamily="34" charset="0"/>
-              </a:rPr>
-              <a:t>.</a:t>
-            </a:r>
-            <a:r>
-              <a:rPr lang="pt-PT" sz="1600" dirty="0">
-                <a:solidFill>
-                  <a:srgbClr val="FFC000"/>
-                </a:solidFill>
-                <a:latin typeface="Arial" panose="020B0604020202020204" pitchFamily="34" charset="0"/>
-                <a:cs typeface="Arial" panose="020B0604020202020204" pitchFamily="34" charset="0"/>
-              </a:rPr>
-              <a:t>+</a:t>
-            </a:r>
-            <a:r>
-              <a:rPr lang="pt-PT" sz="1600" dirty="0">
-                <a:solidFill>
-                  <a:srgbClr val="F67338"/>
-                </a:solidFill>
-                <a:latin typeface="Arial" panose="020B0604020202020204" pitchFamily="34" charset="0"/>
-                <a:cs typeface="Arial" panose="020B0604020202020204" pitchFamily="34" charset="0"/>
-              </a:rPr>
-              <a:t>)</a:t>
-            </a:r>
-            <a:r>
-              <a:rPr lang="pt-PT" sz="1600" dirty="0">
-                <a:solidFill>
-                  <a:srgbClr val="C85C57"/>
-                </a:solidFill>
-                <a:latin typeface="Arial" panose="020B0604020202020204" pitchFamily="34" charset="0"/>
-                <a:cs typeface="Arial" panose="020B0604020202020204" pitchFamily="34" charset="0"/>
-              </a:rPr>
-              <a:t>’</a:t>
-            </a:r>
-            <a:r>
-              <a:rPr lang="pt-PT" sz="1600" dirty="0">
-                <a:latin typeface="Arial" panose="020B0604020202020204" pitchFamily="34" charset="0"/>
-                <a:cs typeface="Arial" panose="020B0604020202020204" pitchFamily="34" charset="0"/>
-              </a:rPr>
-              <a:t>, </a:t>
-            </a:r>
-            <a:r>
-              <a:rPr lang="pt-PT" sz="1600" dirty="0" err="1">
-                <a:latin typeface="Arial" panose="020B0604020202020204" pitchFamily="34" charset="0"/>
-                <a:cs typeface="Arial" panose="020B0604020202020204" pitchFamily="34" charset="0"/>
-              </a:rPr>
-              <a:t>gera_resposta</a:t>
-            </a:r>
-            <a:r>
-              <a:rPr lang="pt-PT" sz="1600" dirty="0">
-                <a:latin typeface="Arial" panose="020B0604020202020204" pitchFamily="34" charset="0"/>
-                <a:cs typeface="Arial" panose="020B0604020202020204" pitchFamily="34" charset="0"/>
-              </a:rPr>
-              <a:t>()),</a:t>
-            </a:r>
-          </a:p>
-          <a:p>
-            <a:r>
-              <a:rPr lang="pt-PT" sz="1600" dirty="0">
-                <a:latin typeface="Arial" panose="020B0604020202020204" pitchFamily="34" charset="0"/>
-                <a:cs typeface="Arial" panose="020B0604020202020204" pitchFamily="34" charset="0"/>
-              </a:rPr>
-              <a:t>]</a:t>
-            </a:r>
-          </a:p>
-        </p:txBody>
-      </p:sp>
-      <p:sp>
-        <p:nvSpPr>
-          <p:cNvPr id="3" name="CaixaDeTexto 2">
-            <a:extLst>
-              <a:ext uri="{FF2B5EF4-FFF2-40B4-BE49-F238E27FC236}">
-                <a16:creationId xmlns:a16="http://schemas.microsoft.com/office/drawing/2014/main" id="{D6B94C30-6B58-4C29-9692-7E5C7D6C3D6E}"/>
-              </a:ext>
-            </a:extLst>
-          </p:cNvPr>
-          <p:cNvSpPr txBox="1"/>
-          <p:nvPr/>
-        </p:nvSpPr>
-        <p:spPr>
-          <a:xfrm>
-            <a:off x="4800600" y="1160896"/>
-            <a:ext cx="3554682" cy="2554545"/>
-          </a:xfrm>
-          <a:prstGeom prst="rect">
-            <a:avLst/>
-          </a:prstGeom>
-          <a:noFill/>
-        </p:spPr>
-        <p:txBody>
-          <a:bodyPr wrap="square" rtlCol="0">
-            <a:spAutoFit/>
-          </a:bodyPr>
-          <a:lstStyle/>
-          <a:p>
-            <a:r>
-              <a:rPr lang="pt-PT" sz="1600" dirty="0" err="1">
-                <a:solidFill>
-                  <a:srgbClr val="488ED4"/>
-                </a:solidFill>
-                <a:latin typeface="Arial" panose="020B0604020202020204" pitchFamily="34" charset="0"/>
-                <a:cs typeface="Arial" panose="020B0604020202020204" pitchFamily="34" charset="0"/>
-              </a:rPr>
-              <a:t>def</a:t>
-            </a:r>
-            <a:r>
-              <a:rPr lang="pt-PT" sz="1600" dirty="0">
-                <a:solidFill>
-                  <a:srgbClr val="488ED4"/>
-                </a:solidFill>
-                <a:latin typeface="Arial" panose="020B0604020202020204" pitchFamily="34" charset="0"/>
-                <a:cs typeface="Arial" panose="020B0604020202020204" pitchFamily="34" charset="0"/>
-              </a:rPr>
-              <a:t> </a:t>
-            </a:r>
-            <a:r>
-              <a:rPr lang="pt-PT" sz="1600" dirty="0">
-                <a:solidFill>
-                  <a:srgbClr val="00B050"/>
-                </a:solidFill>
-                <a:latin typeface="Arial" panose="020B0604020202020204" pitchFamily="34" charset="0"/>
-                <a:cs typeface="Arial" panose="020B0604020202020204" pitchFamily="34" charset="0"/>
-              </a:rPr>
-              <a:t>responde</a:t>
-            </a:r>
-            <a:r>
-              <a:rPr lang="pt-PT" sz="1600" dirty="0">
-                <a:latin typeface="Arial" panose="020B0604020202020204" pitchFamily="34" charset="0"/>
-                <a:cs typeface="Arial" panose="020B0604020202020204" pitchFamily="34" charset="0"/>
-              </a:rPr>
-              <a:t>(</a:t>
-            </a:r>
-            <a:r>
-              <a:rPr lang="pt-PT" sz="1600" dirty="0">
-                <a:solidFill>
-                  <a:srgbClr val="488ED4"/>
-                </a:solidFill>
-                <a:latin typeface="Arial" panose="020B0604020202020204" pitchFamily="34" charset="0"/>
-                <a:cs typeface="Arial" panose="020B0604020202020204" pitchFamily="34" charset="0"/>
-              </a:rPr>
-              <a:t>Input</a:t>
-            </a:r>
-            <a:r>
-              <a:rPr lang="pt-PT" sz="1600" dirty="0">
-                <a:latin typeface="Arial" panose="020B0604020202020204" pitchFamily="34" charset="0"/>
-                <a:cs typeface="Arial" panose="020B0604020202020204" pitchFamily="34" charset="0"/>
-              </a:rPr>
-              <a:t>)</a:t>
-            </a:r>
-            <a:r>
-              <a:rPr lang="pt-PT" sz="1600" dirty="0">
-                <a:solidFill>
-                  <a:srgbClr val="488ED4"/>
-                </a:solidFill>
-                <a:latin typeface="Arial" panose="020B0604020202020204" pitchFamily="34" charset="0"/>
-                <a:cs typeface="Arial" panose="020B0604020202020204" pitchFamily="34" charset="0"/>
-              </a:rPr>
-              <a:t>:</a:t>
-            </a:r>
-          </a:p>
-          <a:p>
-            <a:r>
-              <a:rPr lang="pt-PT" sz="1600" dirty="0">
-                <a:latin typeface="Arial" panose="020B0604020202020204" pitchFamily="34" charset="0"/>
-                <a:cs typeface="Arial" panose="020B0604020202020204" pitchFamily="34" charset="0"/>
-              </a:rPr>
-              <a:t>    </a:t>
-            </a:r>
-            <a:r>
-              <a:rPr lang="pt-PT" sz="1600" dirty="0">
-                <a:solidFill>
-                  <a:srgbClr val="BC7BA0"/>
-                </a:solidFill>
-                <a:latin typeface="Arial" panose="020B0604020202020204" pitchFamily="34" charset="0"/>
-                <a:cs typeface="Arial" panose="020B0604020202020204" pitchFamily="34" charset="0"/>
-              </a:rPr>
-              <a:t>for</a:t>
-            </a:r>
-            <a:r>
-              <a:rPr lang="pt-PT" sz="1600" dirty="0">
-                <a:latin typeface="Arial" panose="020B0604020202020204" pitchFamily="34" charset="0"/>
-                <a:cs typeface="Arial" panose="020B0604020202020204" pitchFamily="34" charset="0"/>
-              </a:rPr>
-              <a:t> </a:t>
-            </a:r>
-            <a:r>
-              <a:rPr lang="pt-PT" sz="1600" dirty="0" err="1">
-                <a:latin typeface="Arial" panose="020B0604020202020204" pitchFamily="34" charset="0"/>
-                <a:cs typeface="Arial" panose="020B0604020202020204" pitchFamily="34" charset="0"/>
-              </a:rPr>
-              <a:t>regex,out</a:t>
-            </a:r>
-            <a:r>
-              <a:rPr lang="pt-PT" sz="1600" dirty="0">
-                <a:latin typeface="Arial" panose="020B0604020202020204" pitchFamily="34" charset="0"/>
-                <a:cs typeface="Arial" panose="020B0604020202020204" pitchFamily="34" charset="0"/>
-              </a:rPr>
-              <a:t> </a:t>
-            </a:r>
-            <a:r>
-              <a:rPr lang="pt-PT" sz="1600" dirty="0">
-                <a:solidFill>
-                  <a:srgbClr val="488ED4"/>
-                </a:solidFill>
-                <a:latin typeface="Arial" panose="020B0604020202020204" pitchFamily="34" charset="0"/>
-                <a:cs typeface="Arial" panose="020B0604020202020204" pitchFamily="34" charset="0"/>
-              </a:rPr>
-              <a:t>in</a:t>
-            </a:r>
-            <a:r>
-              <a:rPr lang="pt-PT" sz="1600" dirty="0">
-                <a:latin typeface="Arial" panose="020B0604020202020204" pitchFamily="34" charset="0"/>
-                <a:cs typeface="Arial" panose="020B0604020202020204" pitchFamily="34" charset="0"/>
-              </a:rPr>
-              <a:t> regras:</a:t>
-            </a:r>
-          </a:p>
-          <a:p>
-            <a:r>
-              <a:rPr lang="pt-PT" sz="1600" dirty="0">
-                <a:latin typeface="Arial" panose="020B0604020202020204" pitchFamily="34" charset="0"/>
-                <a:cs typeface="Arial" panose="020B0604020202020204" pitchFamily="34" charset="0"/>
-              </a:rPr>
-              <a:t>        match = </a:t>
-            </a:r>
-            <a:r>
-              <a:rPr lang="pt-PT" sz="1600" dirty="0" err="1">
-                <a:latin typeface="Arial" panose="020B0604020202020204" pitchFamily="34" charset="0"/>
-                <a:cs typeface="Arial" panose="020B0604020202020204" pitchFamily="34" charset="0"/>
-              </a:rPr>
-              <a:t>re.match</a:t>
-            </a:r>
-            <a:r>
-              <a:rPr lang="pt-PT" sz="1600" dirty="0">
-                <a:latin typeface="Arial" panose="020B0604020202020204" pitchFamily="34" charset="0"/>
-                <a:cs typeface="Arial" panose="020B0604020202020204" pitchFamily="34" charset="0"/>
-              </a:rPr>
-              <a:t>(</a:t>
-            </a:r>
-            <a:r>
-              <a:rPr lang="pt-PT" sz="1600" dirty="0" err="1">
-                <a:latin typeface="Arial" panose="020B0604020202020204" pitchFamily="34" charset="0"/>
-                <a:cs typeface="Arial" panose="020B0604020202020204" pitchFamily="34" charset="0"/>
-              </a:rPr>
-              <a:t>regex,Input</a:t>
-            </a:r>
-            <a:r>
-              <a:rPr lang="pt-PT" sz="1600" dirty="0">
-                <a:latin typeface="Arial" panose="020B0604020202020204" pitchFamily="34" charset="0"/>
-                <a:cs typeface="Arial" panose="020B0604020202020204" pitchFamily="34" charset="0"/>
-              </a:rPr>
-              <a:t>)</a:t>
-            </a:r>
-          </a:p>
-          <a:p>
-            <a:r>
-              <a:rPr lang="pt-PT" sz="1600" dirty="0">
-                <a:latin typeface="Arial" panose="020B0604020202020204" pitchFamily="34" charset="0"/>
-                <a:cs typeface="Arial" panose="020B0604020202020204" pitchFamily="34" charset="0"/>
-              </a:rPr>
-              <a:t>        </a:t>
-            </a:r>
-            <a:r>
-              <a:rPr lang="pt-PT" sz="1600" dirty="0" err="1">
-                <a:solidFill>
-                  <a:srgbClr val="BC7BA0"/>
-                </a:solidFill>
-                <a:latin typeface="Arial" panose="020B0604020202020204" pitchFamily="34" charset="0"/>
-                <a:cs typeface="Arial" panose="020B0604020202020204" pitchFamily="34" charset="0"/>
-              </a:rPr>
-              <a:t>if</a:t>
-            </a:r>
-            <a:r>
-              <a:rPr lang="pt-PT" sz="1600" dirty="0">
-                <a:latin typeface="Arial" panose="020B0604020202020204" pitchFamily="34" charset="0"/>
-                <a:cs typeface="Arial" panose="020B0604020202020204" pitchFamily="34" charset="0"/>
-              </a:rPr>
-              <a:t> match==</a:t>
-            </a:r>
-            <a:r>
-              <a:rPr lang="pt-PT" sz="1600" dirty="0" err="1">
-                <a:solidFill>
-                  <a:srgbClr val="488ED4"/>
-                </a:solidFill>
-                <a:latin typeface="Arial" panose="020B0604020202020204" pitchFamily="34" charset="0"/>
-                <a:cs typeface="Arial" panose="020B0604020202020204" pitchFamily="34" charset="0"/>
-              </a:rPr>
-              <a:t>None</a:t>
-            </a:r>
-            <a:r>
-              <a:rPr lang="pt-PT" sz="1600" dirty="0">
-                <a:latin typeface="Arial" panose="020B0604020202020204" pitchFamily="34" charset="0"/>
-                <a:cs typeface="Arial" panose="020B0604020202020204" pitchFamily="34" charset="0"/>
-              </a:rPr>
-              <a:t>:</a:t>
-            </a:r>
-          </a:p>
-          <a:p>
-            <a:r>
-              <a:rPr lang="pt-PT" sz="1600" dirty="0">
-                <a:latin typeface="Arial" panose="020B0604020202020204" pitchFamily="34" charset="0"/>
-                <a:cs typeface="Arial" panose="020B0604020202020204" pitchFamily="34" charset="0"/>
-              </a:rPr>
-              <a:t>            </a:t>
-            </a:r>
-            <a:r>
-              <a:rPr lang="pt-PT" sz="1600" dirty="0" err="1">
-                <a:solidFill>
-                  <a:srgbClr val="BC7BA0"/>
-                </a:solidFill>
-                <a:latin typeface="Arial" panose="020B0604020202020204" pitchFamily="34" charset="0"/>
-                <a:cs typeface="Arial" panose="020B0604020202020204" pitchFamily="34" charset="0"/>
-              </a:rPr>
-              <a:t>pass</a:t>
-            </a:r>
+                <a:latin typeface="Consolas" panose="020B0609020204030204" pitchFamily="49" charset="0"/>
+                <a:cs typeface="Arial" panose="020B0604020202020204" pitchFamily="34" charset="0"/>
+              </a:rPr>
+              <a:t> ;</a:t>
+            </a:r>
+          </a:p>
+          <a:p>
             <a:endParaRPr lang="pt-PT" sz="1600" dirty="0">
-              <a:solidFill>
-                <a:srgbClr val="BC7BA0"/>
-              </a:solidFill>
-              <a:latin typeface="Arial" panose="020B0604020202020204" pitchFamily="34" charset="0"/>
+              <a:latin typeface="Consolas" panose="020B0609020204030204" pitchFamily="49" charset="0"/>
               <a:cs typeface="Arial" panose="020B0604020202020204" pitchFamily="34" charset="0"/>
             </a:endParaRPr>
           </a:p>
           <a:p>
             <a:r>
               <a:rPr lang="pt-PT" sz="1600" dirty="0">
-                <a:latin typeface="Arial" panose="020B0604020202020204" pitchFamily="34" charset="0"/>
-                <a:cs typeface="Arial" panose="020B0604020202020204" pitchFamily="34" charset="0"/>
-              </a:rPr>
-              <a:t>        </a:t>
-            </a:r>
-            <a:r>
-              <a:rPr lang="pt-PT" sz="1600" dirty="0" err="1">
-                <a:solidFill>
-                  <a:srgbClr val="BC7BA0"/>
-                </a:solidFill>
-                <a:latin typeface="Arial" panose="020B0604020202020204" pitchFamily="34" charset="0"/>
-                <a:cs typeface="Arial" panose="020B0604020202020204" pitchFamily="34" charset="0"/>
-              </a:rPr>
-              <a:t>else</a:t>
+                <a:solidFill>
+                  <a:srgbClr val="0070C0"/>
+                </a:solidFill>
+                <a:latin typeface="Consolas" panose="020B0609020204030204" pitchFamily="49" charset="0"/>
+                <a:cs typeface="Arial" panose="020B0604020202020204" pitchFamily="34" charset="0"/>
+              </a:rPr>
+              <a:t>JOIN</a:t>
             </a:r>
             <a:r>
               <a:rPr lang="pt-PT" sz="1600" dirty="0">
-                <a:latin typeface="Arial" panose="020B0604020202020204" pitchFamily="34" charset="0"/>
-                <a:cs typeface="Arial" panose="020B0604020202020204" pitchFamily="34" charset="0"/>
-              </a:rPr>
-              <a:t>:</a:t>
-            </a:r>
-          </a:p>
-          <a:p>
+                <a:latin typeface="Consolas" panose="020B0609020204030204" pitchFamily="49" charset="0"/>
+                <a:cs typeface="Arial" panose="020B0604020202020204" pitchFamily="34" charset="0"/>
+              </a:rPr>
+              <a:t> b1 </a:t>
+            </a:r>
             <a:r>
               <a:rPr lang="pt-PT" sz="1600" dirty="0">
-                <a:latin typeface="Arial" panose="020B0604020202020204" pitchFamily="34" charset="0"/>
-                <a:cs typeface="Arial" panose="020B0604020202020204" pitchFamily="34" charset="0"/>
-              </a:rPr>
-              <a:t>            </a:t>
-            </a:r>
-            <a:r>
-              <a:rPr lang="pt-PT" sz="1600" dirty="0" err="1">
-                <a:solidFill>
-                  <a:srgbClr val="BC7BA0"/>
-                </a:solidFill>
-                <a:latin typeface="Arial" panose="020B0604020202020204" pitchFamily="34" charset="0"/>
-                <a:cs typeface="Arial" panose="020B0604020202020204" pitchFamily="34" charset="0"/>
-              </a:rPr>
-              <a:t>if</a:t>
+                <a:solidFill>
+                  <a:srgbClr val="FF6600"/>
+                </a:solidFill>
+                <a:latin typeface="Consolas" panose="020B0609020204030204" pitchFamily="49" charset="0"/>
+                <a:cs typeface="Arial" panose="020B0604020202020204" pitchFamily="34" charset="0"/>
+              </a:rPr>
+              <a:t>!</a:t>
             </a:r>
             <a:r>
               <a:rPr lang="pt-PT" sz="1600" dirty="0">
-                <a:latin typeface="Arial" panose="020B0604020202020204" pitchFamily="34" charset="0"/>
-                <a:cs typeface="Arial" panose="020B0604020202020204" pitchFamily="34" charset="0"/>
-              </a:rPr>
-              <a:t> </a:t>
-            </a:r>
-            <a:r>
-              <a:rPr lang="pt-PT" sz="1600" dirty="0" err="1">
-                <a:solidFill>
-                  <a:srgbClr val="00B050"/>
-                </a:solidFill>
-                <a:latin typeface="Arial" panose="020B0604020202020204" pitchFamily="34" charset="0"/>
-                <a:cs typeface="Arial" panose="020B0604020202020204" pitchFamily="34" charset="0"/>
-              </a:rPr>
-              <a:t>callable</a:t>
+                <a:latin typeface="Consolas" panose="020B0609020204030204" pitchFamily="49" charset="0"/>
+                <a:cs typeface="Arial" panose="020B0604020202020204" pitchFamily="34" charset="0"/>
+              </a:rPr>
+              <a:t>3  + b2 </a:t>
             </a:r>
             <a:r>
               <a:rPr lang="pt-PT" sz="1600" dirty="0">
-                <a:latin typeface="Arial" panose="020B0604020202020204" pitchFamily="34" charset="0"/>
-                <a:cs typeface="Arial" panose="020B0604020202020204" pitchFamily="34" charset="0"/>
-              </a:rPr>
-              <a:t>(out):</a:t>
-            </a:r>
-          </a:p>
-          <a:p>
+                <a:solidFill>
+                  <a:srgbClr val="FF6600"/>
+                </a:solidFill>
+                <a:latin typeface="Consolas" panose="020B0609020204030204" pitchFamily="49" charset="0"/>
+                <a:cs typeface="Arial" panose="020B0604020202020204" pitchFamily="34" charset="0"/>
+              </a:rPr>
+              <a:t>!</a:t>
+            </a:r>
             <a:r>
               <a:rPr lang="pt-PT" sz="1600" dirty="0">
-                <a:solidFill>
-                  <a:srgbClr val="BC7BA0"/>
-                </a:solidFill>
-                <a:latin typeface="Arial" panose="020B0604020202020204" pitchFamily="34" charset="0"/>
-                <a:cs typeface="Arial" panose="020B0604020202020204" pitchFamily="34" charset="0"/>
-              </a:rPr>
-              <a:t>                </a:t>
-            </a:r>
-            <a:r>
-              <a:rPr lang="pt-PT" sz="1600" dirty="0" err="1">
-                <a:solidFill>
-                  <a:srgbClr val="BC7BA0"/>
-                </a:solidFill>
-                <a:latin typeface="Arial" panose="020B0604020202020204" pitchFamily="34" charset="0"/>
-                <a:cs typeface="Arial" panose="020B0604020202020204" pitchFamily="34" charset="0"/>
-              </a:rPr>
-              <a:t>if</a:t>
-            </a:r>
-            <a:r>
-              <a:rPr lang="pt-PT" sz="1600" dirty="0">
-                <a:latin typeface="Arial" panose="020B0604020202020204" pitchFamily="34" charset="0"/>
-                <a:cs typeface="Arial" panose="020B0604020202020204" pitchFamily="34" charset="0"/>
-              </a:rPr>
-              <a:t> out(match) != </a:t>
-            </a:r>
-            <a:r>
-              <a:rPr lang="pt-PT" sz="1600" dirty="0" err="1">
-                <a:solidFill>
-                  <a:srgbClr val="488ED4"/>
-                </a:solidFill>
-                <a:latin typeface="Arial" panose="020B0604020202020204" pitchFamily="34" charset="0"/>
-                <a:cs typeface="Arial" panose="020B0604020202020204" pitchFamily="34" charset="0"/>
-              </a:rPr>
-              <a:t>None</a:t>
-            </a:r>
-            <a:r>
-              <a:rPr lang="pt-PT" sz="1600" dirty="0">
-                <a:latin typeface="Arial" panose="020B0604020202020204" pitchFamily="34" charset="0"/>
-                <a:cs typeface="Arial" panose="020B0604020202020204" pitchFamily="34" charset="0"/>
-              </a:rPr>
-              <a:t>:</a:t>
-            </a:r>
-          </a:p>
-          <a:p>
-            <a:r>
-              <a:rPr lang="pt-PT" sz="1600" dirty="0">
-                <a:latin typeface="Arial" panose="020B0604020202020204" pitchFamily="34" charset="0"/>
-                <a:cs typeface="Arial" panose="020B0604020202020204" pitchFamily="34" charset="0"/>
-              </a:rPr>
-              <a:t>                    </a:t>
-            </a:r>
-            <a:r>
-              <a:rPr lang="pt-PT" sz="1600" dirty="0" err="1">
-                <a:solidFill>
-                  <a:srgbClr val="BC7BA0"/>
-                </a:solidFill>
-                <a:latin typeface="Arial" panose="020B0604020202020204" pitchFamily="34" charset="0"/>
-                <a:cs typeface="Arial" panose="020B0604020202020204" pitchFamily="34" charset="0"/>
-              </a:rPr>
-              <a:t>return</a:t>
-            </a:r>
-            <a:r>
-              <a:rPr lang="pt-PT" sz="1600" dirty="0">
-                <a:latin typeface="Arial" panose="020B0604020202020204" pitchFamily="34" charset="0"/>
-                <a:cs typeface="Arial" panose="020B0604020202020204" pitchFamily="34" charset="0"/>
-              </a:rPr>
-              <a:t> output</a:t>
-            </a:r>
-            <a:br>
-              <a:rPr lang="pt-PT" sz="1600" dirty="0">
-                <a:latin typeface="Arial" panose="020B0604020202020204" pitchFamily="34" charset="0"/>
-                <a:cs typeface="Arial" panose="020B0604020202020204" pitchFamily="34" charset="0"/>
-              </a:rPr>
-            </a:br>
-            <a:endParaRPr lang="pt-PT" sz="1600" dirty="0">
-              <a:latin typeface="Arial" panose="020B0604020202020204" pitchFamily="34" charset="0"/>
-              <a:cs typeface="Arial" panose="020B0604020202020204" pitchFamily="34" charset="0"/>
-            </a:endParaRPr>
+                <a:latin typeface="Consolas" panose="020B0609020204030204" pitchFamily="49" charset="0"/>
+                <a:cs typeface="Arial" panose="020B0604020202020204" pitchFamily="34" charset="0"/>
+              </a:rPr>
+              <a:t>5 + b3 ;</a:t>
+            </a:r>
           </a:p>
         </p:txBody>
       </p:sp>
@@ -7689,7 +8122,7 @@
         </p:nvSpPr>
         <p:spPr>
           <a:xfrm>
-            <a:off x="3171825" y="76205"/>
+            <a:off x="3171825" y="290017"/>
             <a:ext cx="2914650" cy="461023"/>
           </a:xfrm>
           <a:prstGeom prst="rect">
@@ -7726,12 +8159,192 @@
           </a:p>
         </p:txBody>
       </p:sp>
-      <p:sp>
-        <p:nvSpPr>
-          <p:cNvPr id="47" name="Retângulo: Cantos Arredondados 46">
+      <p:pic>
+        <p:nvPicPr>
+          <p:cNvPr id="1042" name="Picture 18" descr="Resultado de imagem para puzzle png">
             <a:extLst>
               <a:ext uri="{FF2B5EF4-FFF2-40B4-BE49-F238E27FC236}">
-                <a16:creationId xmlns:a16="http://schemas.microsoft.com/office/drawing/2014/main" id="{D53DB7BB-FB52-461C-B886-60C47AC50DA9}"/>
+                <a16:creationId xmlns:a16="http://schemas.microsoft.com/office/drawing/2014/main" id="{4DF2A7EA-8BE1-4DC0-A7E5-78BCC3AED156}"/>
+              </a:ext>
+            </a:extLst>
+          </p:cNvPr>
+          <p:cNvPicPr>
+            <a:picLocks noChangeAspect="1" noChangeArrowheads="1"/>
+          </p:cNvPicPr>
+          <p:nvPr/>
+        </p:nvPicPr>
+        <p:blipFill rotWithShape="1">
+          <a:blip r:embed="rId2">
+            <a:extLst>
+              <a:ext uri="{28A0092B-C50C-407E-A947-70E740481C1C}">
+                <a14:useLocalDpi xmlns:a14="http://schemas.microsoft.com/office/drawing/2010/main" val="0"/>
+              </a:ext>
+            </a:extLst>
+          </a:blip>
+          <a:srcRect l="8512" t="10568" r="46810" b="10182"/>
+          <a:stretch/>
+        </p:blipFill>
+        <p:spPr bwMode="auto">
+          <a:xfrm rot="16200000">
+            <a:off x="2903219" y="1760219"/>
+            <a:ext cx="3147061" cy="6743700"/>
+          </a:xfrm>
+          <a:prstGeom prst="rect">
+            <a:avLst/>
+          </a:prstGeom>
+          <a:noFill/>
+          <a:extLst>
+            <a:ext uri="{909E8E84-426E-40DD-AFC4-6F175D3DCCD1}">
+              <a14:hiddenFill xmlns:a14="http://schemas.microsoft.com/office/drawing/2010/main">
+                <a:solidFill>
+                  <a:srgbClr val="FFFFFF"/>
+                </a:solidFill>
+              </a14:hiddenFill>
+            </a:ext>
+          </a:extLst>
+        </p:spPr>
+      </p:pic>
+    </p:spTree>
+    <p:extLst>
+      <p:ext uri="{BB962C8B-B14F-4D97-AF65-F5344CB8AC3E}">
+        <p14:creationId xmlns:p14="http://schemas.microsoft.com/office/powerpoint/2010/main" val="890682223"/>
+      </p:ext>
+    </p:extLst>
+  </p:cSld>
+  <p:clrMapOvr>
+    <a:masterClrMapping/>
+  </p:clrMapOvr>
+</p:sld>
+</file>
+
+<file path=ppt/slides/slide7.xml><?xml version="1.0" encoding="utf-8"?>
+<p:sld xmlns:a="http://schemas.openxmlformats.org/drawingml/2006/main" xmlns:r="http://schemas.openxmlformats.org/officeDocument/2006/relationships" xmlns:p="http://schemas.openxmlformats.org/presentationml/2006/main">
+  <p:cSld>
+    <p:spTree>
+      <p:nvGrpSpPr>
+        <p:cNvPr id="1" name=""/>
+        <p:cNvGrpSpPr/>
+        <p:nvPr/>
+      </p:nvGrpSpPr>
+      <p:grpSpPr>
+        <a:xfrm>
+          <a:off x="0" y="0"/>
+          <a:ext cx="0" cy="0"/>
+          <a:chOff x="0" y="0"/>
+          <a:chExt cx="0" cy="0"/>
+        </a:xfrm>
+      </p:grpSpPr>
+      <p:sp>
+        <p:nvSpPr>
+          <p:cNvPr id="2" name="object 2"/>
+          <p:cNvSpPr/>
+          <p:nvPr/>
+        </p:nvSpPr>
+        <p:spPr>
+          <a:xfrm>
+            <a:off x="0" y="0"/>
+            <a:ext cx="9144000" cy="6858000"/>
+          </a:xfrm>
+          <a:custGeom>
+            <a:avLst/>
+            <a:gdLst/>
+            <a:ahLst/>
+            <a:cxnLst/>
+            <a:rect l="l" t="t" r="r" b="b"/>
+            <a:pathLst>
+              <a:path w="9144000" h="6858000">
+                <a:moveTo>
+                  <a:pt x="0" y="6857995"/>
+                </a:moveTo>
+                <a:lnTo>
+                  <a:pt x="9144000" y="6857995"/>
+                </a:lnTo>
+                <a:lnTo>
+                  <a:pt x="9144000" y="0"/>
+                </a:lnTo>
+                <a:lnTo>
+                  <a:pt x="0" y="0"/>
+                </a:lnTo>
+                <a:lnTo>
+                  <a:pt x="0" y="6857995"/>
+                </a:lnTo>
+                <a:close/>
+              </a:path>
+            </a:pathLst>
+          </a:custGeom>
+          <a:solidFill>
+            <a:srgbClr val="38505F"/>
+          </a:solidFill>
+        </p:spPr>
+        <p:txBody>
+          <a:bodyPr wrap="square" lIns="0" tIns="0" rIns="0" bIns="0" rtlCol="0"/>
+          <a:lstStyle/>
+          <a:p>
+            <a:endParaRPr dirty="0"/>
+          </a:p>
+        </p:txBody>
+      </p:sp>
+      <p:sp>
+        <p:nvSpPr>
+          <p:cNvPr id="9" name="object 2">
+            <a:extLst>
+              <a:ext uri="{FF2B5EF4-FFF2-40B4-BE49-F238E27FC236}">
+                <a16:creationId xmlns:a16="http://schemas.microsoft.com/office/drawing/2014/main" id="{6269163D-7BA6-4DE7-BEBD-994E4C71EE95}"/>
+              </a:ext>
+            </a:extLst>
+          </p:cNvPr>
+          <p:cNvSpPr txBox="1">
+            <a:spLocks noGrp="1"/>
+          </p:cNvSpPr>
+          <p:nvPr>
+            <p:ph type="title"/>
+          </p:nvPr>
+        </p:nvSpPr>
+        <p:spPr>
+          <a:xfrm>
+            <a:off x="3171825" y="290017"/>
+            <a:ext cx="2914650" cy="461023"/>
+          </a:xfrm>
+          <a:prstGeom prst="rect">
+            <a:avLst/>
+          </a:prstGeom>
+        </p:spPr>
+        <p:txBody>
+          <a:bodyPr vert="horz" wrap="square" lIns="0" tIns="14604" rIns="0" bIns="0" rtlCol="0">
+            <a:spAutoFit/>
+          </a:bodyPr>
+          <a:lstStyle/>
+          <a:p>
+            <a:pPr marL="12700" algn="l">
+              <a:lnSpc>
+                <a:spcPct val="100000"/>
+              </a:lnSpc>
+              <a:spcBef>
+                <a:spcPts val="114"/>
+              </a:spcBef>
+            </a:pPr>
+            <a:r>
+              <a:rPr lang="pt-PT" spc="-185" dirty="0">
+                <a:solidFill>
+                  <a:schemeClr val="bg1"/>
+                </a:solidFill>
+              </a:rPr>
+              <a:t>Desenvolvimento</a:t>
+            </a:r>
+            <a:endParaRPr spc="-185" dirty="0">
+              <a:solidFill>
+                <a:schemeClr val="bg1"/>
+              </a:solidFill>
+            </a:endParaRPr>
+          </a:p>
+        </p:txBody>
+      </p:sp>
+      <p:sp>
+        <p:nvSpPr>
+          <p:cNvPr id="8" name="Retângulo: Cantos Arredondados 7">
+            <a:extLst>
+              <a:ext uri="{FF2B5EF4-FFF2-40B4-BE49-F238E27FC236}">
+                <a16:creationId xmlns:a16="http://schemas.microsoft.com/office/drawing/2014/main" id="{3C45E504-FB1A-48F4-A766-975714195E17}"/>
               </a:ext>
             </a:extLst>
           </p:cNvPr>
@@ -7740,8 +8353,1084 @@
         </p:nvSpPr>
         <p:spPr>
           <a:xfrm>
-            <a:off x="1843306" y="3908388"/>
-            <a:ext cx="5457388" cy="2554544"/>
+            <a:off x="419100" y="932296"/>
+            <a:ext cx="8420100" cy="5392304"/>
+          </a:xfrm>
+          <a:prstGeom prst="roundRect">
+            <a:avLst/>
+          </a:prstGeom>
+          <a:solidFill>
+            <a:srgbClr val="DDDDDD"/>
+          </a:solidFill>
+          <a:ln>
+            <a:solidFill>
+              <a:srgbClr val="38505F"/>
+            </a:solidFill>
+          </a:ln>
+        </p:spPr>
+        <p:style>
+          <a:lnRef idx="2">
+            <a:schemeClr val="accent1">
+              <a:shade val="50000"/>
+            </a:schemeClr>
+          </a:lnRef>
+          <a:fillRef idx="1">
+            <a:schemeClr val="accent1"/>
+          </a:fillRef>
+          <a:effectRef idx="0">
+            <a:schemeClr val="accent1"/>
+          </a:effectRef>
+          <a:fontRef idx="minor">
+            <a:schemeClr val="lt1"/>
+          </a:fontRef>
+        </p:style>
+        <p:txBody>
+          <a:bodyPr rtlCol="0" anchor="ctr"/>
+          <a:lstStyle/>
+          <a:p>
+            <a:pPr algn="ctr"/>
+            <a:endParaRPr lang="pt-PT"/>
+          </a:p>
+        </p:txBody>
+      </p:sp>
+      <p:sp>
+        <p:nvSpPr>
+          <p:cNvPr id="10" name="CaixaDeTexto 9">
+            <a:extLst>
+              <a:ext uri="{FF2B5EF4-FFF2-40B4-BE49-F238E27FC236}">
+                <a16:creationId xmlns:a16="http://schemas.microsoft.com/office/drawing/2014/main" id="{9281CFF7-1E79-4028-BE42-0DB871934C2F}"/>
+              </a:ext>
+            </a:extLst>
+          </p:cNvPr>
+          <p:cNvSpPr txBox="1"/>
+          <p:nvPr/>
+        </p:nvSpPr>
+        <p:spPr>
+          <a:xfrm>
+            <a:off x="990600" y="1219200"/>
+            <a:ext cx="7467600" cy="1661993"/>
+          </a:xfrm>
+          <a:prstGeom prst="rect">
+            <a:avLst/>
+          </a:prstGeom>
+          <a:noFill/>
+        </p:spPr>
+        <p:txBody>
+          <a:bodyPr wrap="square" rtlCol="0">
+            <a:spAutoFit/>
+          </a:bodyPr>
+          <a:lstStyle/>
+          <a:p>
+            <a:r>
+              <a:rPr lang="pt-PT" sz="1700" dirty="0">
+                <a:latin typeface="Consolas" panose="020B0609020204030204" pitchFamily="49" charset="0"/>
+                <a:cs typeface="Arial" panose="020B0604020202020204" pitchFamily="34" charset="0"/>
+              </a:rPr>
+              <a:t>regras = [</a:t>
+            </a:r>
+          </a:p>
+          <a:p>
+            <a:r>
+              <a:rPr lang="pt-PT" sz="1700" dirty="0">
+                <a:latin typeface="Consolas" panose="020B0609020204030204" pitchFamily="49" charset="0"/>
+                <a:cs typeface="Arial" panose="020B0604020202020204" pitchFamily="34" charset="0"/>
+              </a:rPr>
+              <a:t>( </a:t>
+            </a:r>
+            <a:r>
+              <a:rPr lang="pt-PT" sz="1700" dirty="0" err="1">
+                <a:solidFill>
+                  <a:srgbClr val="488ED4"/>
+                </a:solidFill>
+                <a:latin typeface="Consolas" panose="020B0609020204030204" pitchFamily="49" charset="0"/>
+                <a:cs typeface="Arial" panose="020B0604020202020204" pitchFamily="34" charset="0"/>
+              </a:rPr>
+              <a:t>r</a:t>
+            </a:r>
+            <a:r>
+              <a:rPr lang="pt-PT" sz="1700" dirty="0" err="1">
+                <a:solidFill>
+                  <a:srgbClr val="C85C57"/>
+                </a:solidFill>
+                <a:latin typeface="Consolas" panose="020B0609020204030204" pitchFamily="49" charset="0"/>
+                <a:cs typeface="Arial" panose="020B0604020202020204" pitchFamily="34" charset="0"/>
+              </a:rPr>
+              <a:t>'Bom</a:t>
+            </a:r>
+            <a:r>
+              <a:rPr lang="pt-PT" sz="1700" dirty="0">
+                <a:solidFill>
+                  <a:srgbClr val="C85C57"/>
+                </a:solidFill>
+                <a:latin typeface="Consolas" panose="020B0609020204030204" pitchFamily="49" charset="0"/>
+                <a:cs typeface="Arial" panose="020B0604020202020204" pitchFamily="34" charset="0"/>
+              </a:rPr>
+              <a:t> dia’</a:t>
+            </a:r>
+            <a:r>
+              <a:rPr lang="pt-PT" sz="1700" dirty="0">
+                <a:latin typeface="Consolas" panose="020B0609020204030204" pitchFamily="49" charset="0"/>
+                <a:cs typeface="Arial" panose="020B0604020202020204" pitchFamily="34" charset="0"/>
+              </a:rPr>
+              <a:t>, </a:t>
+            </a:r>
+            <a:r>
+              <a:rPr lang="pt-PT" sz="1700" dirty="0" err="1">
+                <a:latin typeface="Consolas" panose="020B0609020204030204" pitchFamily="49" charset="0"/>
+                <a:cs typeface="Arial" panose="020B0604020202020204" pitchFamily="34" charset="0"/>
+              </a:rPr>
+              <a:t>choice</a:t>
+            </a:r>
+            <a:r>
+              <a:rPr lang="pt-PT" sz="1700" dirty="0">
+                <a:latin typeface="Consolas" panose="020B0609020204030204" pitchFamily="49" charset="0"/>
+                <a:cs typeface="Arial" panose="020B0604020202020204" pitchFamily="34" charset="0"/>
+              </a:rPr>
+              <a:t>(</a:t>
+            </a:r>
+            <a:r>
+              <a:rPr lang="pt-PT" sz="1700" dirty="0" err="1">
+                <a:latin typeface="Consolas" panose="020B0609020204030204" pitchFamily="49" charset="0"/>
+                <a:cs typeface="Arial" panose="020B0604020202020204" pitchFamily="34" charset="0"/>
+              </a:rPr>
+              <a:t>saudacoes</a:t>
+            </a:r>
+            <a:r>
+              <a:rPr lang="pt-PT" sz="1700" dirty="0">
+                <a:latin typeface="Consolas" panose="020B0609020204030204" pitchFamily="49" charset="0"/>
+                <a:cs typeface="Arial" panose="020B0604020202020204" pitchFamily="34" charset="0"/>
+              </a:rPr>
+              <a:t>)),</a:t>
+            </a:r>
+          </a:p>
+          <a:p>
+            <a:r>
+              <a:rPr lang="pt-PT" sz="1700" dirty="0">
+                <a:latin typeface="Consolas" panose="020B0609020204030204" pitchFamily="49" charset="0"/>
+                <a:cs typeface="Arial" panose="020B0604020202020204" pitchFamily="34" charset="0"/>
+              </a:rPr>
+              <a:t>( </a:t>
+            </a:r>
+            <a:r>
+              <a:rPr lang="pt-PT" sz="1700" dirty="0" err="1">
+                <a:solidFill>
+                  <a:srgbClr val="488ED4"/>
+                </a:solidFill>
+                <a:latin typeface="Consolas" panose="020B0609020204030204" pitchFamily="49" charset="0"/>
+                <a:cs typeface="Arial" panose="020B0604020202020204" pitchFamily="34" charset="0"/>
+              </a:rPr>
+              <a:t>r</a:t>
+            </a:r>
+            <a:r>
+              <a:rPr lang="pt-PT" sz="1700" dirty="0" err="1">
+                <a:solidFill>
+                  <a:srgbClr val="C85C57"/>
+                </a:solidFill>
+                <a:latin typeface="Consolas" panose="020B0609020204030204" pitchFamily="49" charset="0"/>
+                <a:cs typeface="Arial" panose="020B0604020202020204" pitchFamily="34" charset="0"/>
+              </a:rPr>
+              <a:t>'Como</a:t>
+            </a:r>
+            <a:r>
+              <a:rPr lang="pt-PT" sz="1700" dirty="0">
+                <a:solidFill>
+                  <a:srgbClr val="C85C57"/>
+                </a:solidFill>
+                <a:latin typeface="Consolas" panose="020B0609020204030204" pitchFamily="49" charset="0"/>
+                <a:cs typeface="Arial" panose="020B0604020202020204" pitchFamily="34" charset="0"/>
+              </a:rPr>
+              <a:t> se diz </a:t>
+            </a:r>
+            <a:r>
+              <a:rPr lang="pt-PT" sz="1700" dirty="0">
+                <a:solidFill>
+                  <a:srgbClr val="FF6600"/>
+                </a:solidFill>
+                <a:latin typeface="Consolas" panose="020B0609020204030204" pitchFamily="49" charset="0"/>
+                <a:cs typeface="Arial" panose="020B0604020202020204" pitchFamily="34" charset="0"/>
+              </a:rPr>
+              <a:t>([</a:t>
+            </a:r>
+            <a:r>
+              <a:rPr lang="pt-PT" sz="1700" dirty="0">
+                <a:solidFill>
+                  <a:srgbClr val="C85C57"/>
+                </a:solidFill>
+                <a:latin typeface="Consolas" panose="020B0609020204030204" pitchFamily="49" charset="0"/>
+                <a:cs typeface="Arial" panose="020B0604020202020204" pitchFamily="34" charset="0"/>
+              </a:rPr>
+              <a:t>\w </a:t>
+            </a:r>
+            <a:r>
+              <a:rPr lang="pt-PT" sz="1700" dirty="0">
+                <a:solidFill>
+                  <a:srgbClr val="FF6600"/>
+                </a:solidFill>
+                <a:latin typeface="Consolas" panose="020B0609020204030204" pitchFamily="49" charset="0"/>
+                <a:cs typeface="Arial" panose="020B0604020202020204" pitchFamily="34" charset="0"/>
+              </a:rPr>
+              <a:t>]</a:t>
+            </a:r>
+            <a:r>
+              <a:rPr lang="pt-PT" sz="1700" dirty="0">
+                <a:solidFill>
+                  <a:srgbClr val="FFC000"/>
+                </a:solidFill>
+                <a:latin typeface="Consolas" panose="020B0609020204030204" pitchFamily="49" charset="0"/>
+                <a:cs typeface="Arial" panose="020B0604020202020204" pitchFamily="34" charset="0"/>
+              </a:rPr>
+              <a:t>+</a:t>
+            </a:r>
+            <a:r>
+              <a:rPr lang="pt-PT" sz="1700" dirty="0">
+                <a:solidFill>
+                  <a:srgbClr val="FF6600"/>
+                </a:solidFill>
+                <a:latin typeface="Consolas" panose="020B0609020204030204" pitchFamily="49" charset="0"/>
+                <a:cs typeface="Arial" panose="020B0604020202020204" pitchFamily="34" charset="0"/>
+              </a:rPr>
+              <a:t>) </a:t>
+            </a:r>
+            <a:r>
+              <a:rPr lang="pt-PT" sz="1700" dirty="0">
+                <a:solidFill>
+                  <a:srgbClr val="C85C57"/>
+                </a:solidFill>
+                <a:latin typeface="Consolas" panose="020B0609020204030204" pitchFamily="49" charset="0"/>
+                <a:cs typeface="Arial" panose="020B0604020202020204" pitchFamily="34" charset="0"/>
+              </a:rPr>
+              <a:t>em </a:t>
+            </a:r>
+            <a:r>
+              <a:rPr lang="pt-PT" sz="1700" dirty="0">
+                <a:solidFill>
+                  <a:srgbClr val="FF6600"/>
+                </a:solidFill>
+                <a:latin typeface="Consolas" panose="020B0609020204030204" pitchFamily="49" charset="0"/>
+                <a:cs typeface="Arial" panose="020B0604020202020204" pitchFamily="34" charset="0"/>
+              </a:rPr>
+              <a:t>(</a:t>
+            </a:r>
+            <a:r>
+              <a:rPr lang="pt-PT" sz="1700" dirty="0">
+                <a:solidFill>
+                  <a:srgbClr val="C85C57"/>
+                </a:solidFill>
+                <a:latin typeface="Consolas" panose="020B0609020204030204" pitchFamily="49" charset="0"/>
+                <a:cs typeface="Arial" panose="020B0604020202020204" pitchFamily="34" charset="0"/>
+              </a:rPr>
+              <a:t>\w</a:t>
+            </a:r>
+            <a:r>
+              <a:rPr lang="pt-PT" sz="1700" dirty="0">
+                <a:solidFill>
+                  <a:srgbClr val="FFC000"/>
+                </a:solidFill>
+                <a:latin typeface="Consolas" panose="020B0609020204030204" pitchFamily="49" charset="0"/>
+                <a:cs typeface="Arial" panose="020B0604020202020204" pitchFamily="34" charset="0"/>
+              </a:rPr>
+              <a:t>+</a:t>
+            </a:r>
+            <a:r>
+              <a:rPr lang="pt-PT" sz="1700" dirty="0">
+                <a:solidFill>
+                  <a:srgbClr val="FF6600"/>
+                </a:solidFill>
+                <a:latin typeface="Consolas" panose="020B0609020204030204" pitchFamily="49" charset="0"/>
+                <a:cs typeface="Arial" panose="020B0604020202020204" pitchFamily="34" charset="0"/>
+              </a:rPr>
+              <a:t>)</a:t>
+            </a:r>
+            <a:r>
+              <a:rPr lang="pt-PT" sz="1700" dirty="0">
+                <a:solidFill>
+                  <a:srgbClr val="C85C57"/>
+                </a:solidFill>
+                <a:latin typeface="Consolas" panose="020B0609020204030204" pitchFamily="49" charset="0"/>
+                <a:cs typeface="Arial" panose="020B0604020202020204" pitchFamily="34" charset="0"/>
+              </a:rPr>
+              <a:t>'</a:t>
+            </a:r>
+            <a:r>
+              <a:rPr lang="pt-PT" sz="1700" dirty="0">
+                <a:latin typeface="Consolas" panose="020B0609020204030204" pitchFamily="49" charset="0"/>
+                <a:cs typeface="Arial" panose="020B0604020202020204" pitchFamily="34" charset="0"/>
+              </a:rPr>
+              <a:t>,traduz(),</a:t>
+            </a:r>
+          </a:p>
+          <a:p>
+            <a:r>
+              <a:rPr lang="pt-PT" sz="1700" dirty="0">
+                <a:latin typeface="Consolas" panose="020B0609020204030204" pitchFamily="49" charset="0"/>
+                <a:cs typeface="Arial" panose="020B0604020202020204" pitchFamily="34" charset="0"/>
+              </a:rPr>
+              <a:t>( </a:t>
+            </a:r>
+            <a:r>
+              <a:rPr lang="pt-PT" sz="1700" dirty="0" err="1">
+                <a:solidFill>
+                  <a:srgbClr val="488ED4"/>
+                </a:solidFill>
+                <a:latin typeface="Consolas" panose="020B0609020204030204" pitchFamily="49" charset="0"/>
+                <a:cs typeface="Arial" panose="020B0604020202020204" pitchFamily="34" charset="0"/>
+              </a:rPr>
+              <a:t>r</a:t>
+            </a:r>
+            <a:r>
+              <a:rPr lang="pt-PT" sz="1700" dirty="0" err="1">
+                <a:solidFill>
+                  <a:srgbClr val="C85C57"/>
+                </a:solidFill>
+                <a:latin typeface="Consolas" panose="020B0609020204030204" pitchFamily="49" charset="0"/>
+                <a:cs typeface="Arial" panose="020B0604020202020204" pitchFamily="34" charset="0"/>
+              </a:rPr>
+              <a:t>'Fala</a:t>
+            </a:r>
+            <a:r>
+              <a:rPr lang="pt-PT" sz="1700" dirty="0">
+                <a:solidFill>
+                  <a:srgbClr val="C85C57"/>
+                </a:solidFill>
+                <a:latin typeface="Consolas" panose="020B0609020204030204" pitchFamily="49" charset="0"/>
+                <a:cs typeface="Arial" panose="020B0604020202020204" pitchFamily="34" charset="0"/>
+              </a:rPr>
+              <a:t> me sobre </a:t>
+            </a:r>
+            <a:r>
+              <a:rPr lang="pt-PT" sz="1700" dirty="0">
+                <a:solidFill>
+                  <a:srgbClr val="FF6600"/>
+                </a:solidFill>
+                <a:latin typeface="Consolas" panose="020B0609020204030204" pitchFamily="49" charset="0"/>
+                <a:cs typeface="Arial" panose="020B0604020202020204" pitchFamily="34" charset="0"/>
+              </a:rPr>
+              <a:t>(</a:t>
+            </a:r>
+            <a:r>
+              <a:rPr lang="pt-PT" sz="1700" dirty="0">
+                <a:solidFill>
+                  <a:srgbClr val="C85C57"/>
+                </a:solidFill>
+                <a:latin typeface="Consolas" panose="020B0609020204030204" pitchFamily="49" charset="0"/>
+                <a:cs typeface="Arial" panose="020B0604020202020204" pitchFamily="34" charset="0"/>
+              </a:rPr>
+              <a:t>.</a:t>
+            </a:r>
+            <a:r>
+              <a:rPr lang="pt-PT" sz="1700" dirty="0">
+                <a:solidFill>
+                  <a:srgbClr val="FFC000"/>
+                </a:solidFill>
+                <a:latin typeface="Consolas" panose="020B0609020204030204" pitchFamily="49" charset="0"/>
+                <a:cs typeface="Arial" panose="020B0604020202020204" pitchFamily="34" charset="0"/>
+              </a:rPr>
+              <a:t>*</a:t>
+            </a:r>
+            <a:r>
+              <a:rPr lang="pt-PT" sz="1700" dirty="0">
+                <a:solidFill>
+                  <a:srgbClr val="FF6600"/>
+                </a:solidFill>
+                <a:latin typeface="Consolas" panose="020B0609020204030204" pitchFamily="49" charset="0"/>
+                <a:cs typeface="Arial" panose="020B0604020202020204" pitchFamily="34" charset="0"/>
+              </a:rPr>
+              <a:t>)</a:t>
+            </a:r>
+            <a:r>
+              <a:rPr lang="pt-PT" sz="1700" dirty="0">
+                <a:solidFill>
+                  <a:srgbClr val="C85C57"/>
+                </a:solidFill>
+                <a:latin typeface="Consolas" panose="020B0609020204030204" pitchFamily="49" charset="0"/>
+                <a:cs typeface="Arial" panose="020B0604020202020204" pitchFamily="34" charset="0"/>
+              </a:rPr>
+              <a:t>’</a:t>
+            </a:r>
+            <a:r>
+              <a:rPr lang="pt-PT" sz="1700" dirty="0">
+                <a:latin typeface="Consolas" panose="020B0609020204030204" pitchFamily="49" charset="0"/>
+                <a:cs typeface="Arial" panose="020B0604020202020204" pitchFamily="34" charset="0"/>
+              </a:rPr>
+              <a:t>, </a:t>
+            </a:r>
+            <a:r>
+              <a:rPr lang="pt-PT" sz="1700" dirty="0" err="1">
+                <a:latin typeface="Consolas" panose="020B0609020204030204" pitchFamily="49" charset="0"/>
+                <a:cs typeface="Arial" panose="020B0604020202020204" pitchFamily="34" charset="0"/>
+              </a:rPr>
+              <a:t>gera_resposta</a:t>
+            </a:r>
+            <a:r>
+              <a:rPr lang="pt-PT" sz="1700" dirty="0">
+                <a:latin typeface="Consolas" panose="020B0609020204030204" pitchFamily="49" charset="0"/>
+                <a:cs typeface="Arial" panose="020B0604020202020204" pitchFamily="34" charset="0"/>
+              </a:rPr>
+              <a:t>()),</a:t>
+            </a:r>
+          </a:p>
+          <a:p>
+            <a:r>
+              <a:rPr lang="pt-PT" sz="1700" dirty="0">
+                <a:latin typeface="Consolas" panose="020B0609020204030204" pitchFamily="49" charset="0"/>
+                <a:cs typeface="Arial" panose="020B0604020202020204" pitchFamily="34" charset="0"/>
+              </a:rPr>
+              <a:t>( </a:t>
+            </a:r>
+            <a:r>
+              <a:rPr lang="pt-PT" sz="1700" dirty="0">
+                <a:solidFill>
+                  <a:srgbClr val="488ED4"/>
+                </a:solidFill>
+                <a:latin typeface="Consolas" panose="020B0609020204030204" pitchFamily="49" charset="0"/>
+                <a:cs typeface="Arial" panose="020B0604020202020204" pitchFamily="34" charset="0"/>
+              </a:rPr>
+              <a:t>r</a:t>
+            </a:r>
+            <a:r>
+              <a:rPr lang="pt-PT" sz="1700" dirty="0">
+                <a:solidFill>
+                  <a:srgbClr val="C85C57"/>
+                </a:solidFill>
+                <a:latin typeface="Consolas" panose="020B0609020204030204" pitchFamily="49" charset="0"/>
+                <a:cs typeface="Arial" panose="020B0604020202020204" pitchFamily="34" charset="0"/>
+              </a:rPr>
+              <a:t>'</a:t>
+            </a:r>
+            <a:r>
+              <a:rPr lang="pt-PT" sz="1700" dirty="0">
+                <a:solidFill>
+                  <a:srgbClr val="F67338"/>
+                </a:solidFill>
+                <a:latin typeface="Consolas" panose="020B0609020204030204" pitchFamily="49" charset="0"/>
+                <a:cs typeface="Arial" panose="020B0604020202020204" pitchFamily="34" charset="0"/>
+              </a:rPr>
+              <a:t>(</a:t>
+            </a:r>
+            <a:r>
+              <a:rPr lang="pt-PT" sz="1700" dirty="0">
+                <a:solidFill>
+                  <a:srgbClr val="C85C57"/>
+                </a:solidFill>
+                <a:latin typeface="Consolas" panose="020B0609020204030204" pitchFamily="49" charset="0"/>
+                <a:cs typeface="Arial" panose="020B0604020202020204" pitchFamily="34" charset="0"/>
+              </a:rPr>
+              <a:t>.</a:t>
+            </a:r>
+            <a:r>
+              <a:rPr lang="pt-PT" sz="1700" dirty="0">
+                <a:solidFill>
+                  <a:srgbClr val="FFC000"/>
+                </a:solidFill>
+                <a:latin typeface="Consolas" panose="020B0609020204030204" pitchFamily="49" charset="0"/>
+                <a:cs typeface="Arial" panose="020B0604020202020204" pitchFamily="34" charset="0"/>
+              </a:rPr>
+              <a:t>+</a:t>
+            </a:r>
+            <a:r>
+              <a:rPr lang="pt-PT" sz="1700" dirty="0">
+                <a:solidFill>
+                  <a:srgbClr val="F67338"/>
+                </a:solidFill>
+                <a:latin typeface="Consolas" panose="020B0609020204030204" pitchFamily="49" charset="0"/>
+                <a:cs typeface="Arial" panose="020B0604020202020204" pitchFamily="34" charset="0"/>
+              </a:rPr>
+              <a:t>)</a:t>
+            </a:r>
+            <a:r>
+              <a:rPr lang="pt-PT" sz="1700" dirty="0">
+                <a:solidFill>
+                  <a:srgbClr val="C85C57"/>
+                </a:solidFill>
+                <a:latin typeface="Consolas" panose="020B0609020204030204" pitchFamily="49" charset="0"/>
+                <a:cs typeface="Arial" panose="020B0604020202020204" pitchFamily="34" charset="0"/>
+              </a:rPr>
+              <a:t>’</a:t>
+            </a:r>
+            <a:r>
+              <a:rPr lang="pt-PT" sz="1700" dirty="0">
+                <a:latin typeface="Consolas" panose="020B0609020204030204" pitchFamily="49" charset="0"/>
+                <a:cs typeface="Arial" panose="020B0604020202020204" pitchFamily="34" charset="0"/>
+              </a:rPr>
+              <a:t>, </a:t>
+            </a:r>
+            <a:r>
+              <a:rPr lang="pt-PT" sz="1700" dirty="0" err="1">
+                <a:latin typeface="Consolas" panose="020B0609020204030204" pitchFamily="49" charset="0"/>
+                <a:cs typeface="Arial" panose="020B0604020202020204" pitchFamily="34" charset="0"/>
+              </a:rPr>
+              <a:t>gera_resposta</a:t>
+            </a:r>
+            <a:r>
+              <a:rPr lang="pt-PT" sz="1700" dirty="0">
+                <a:latin typeface="Consolas" panose="020B0609020204030204" pitchFamily="49" charset="0"/>
+                <a:cs typeface="Arial" panose="020B0604020202020204" pitchFamily="34" charset="0"/>
+              </a:rPr>
+              <a:t>()),</a:t>
+            </a:r>
+          </a:p>
+          <a:p>
+            <a:r>
+              <a:rPr lang="pt-PT" sz="1700" dirty="0">
+                <a:latin typeface="Consolas" panose="020B0609020204030204" pitchFamily="49" charset="0"/>
+                <a:cs typeface="Arial" panose="020B0604020202020204" pitchFamily="34" charset="0"/>
+              </a:rPr>
+              <a:t>]</a:t>
+            </a:r>
+          </a:p>
+        </p:txBody>
+      </p:sp>
+      <p:sp>
+        <p:nvSpPr>
+          <p:cNvPr id="11" name="CaixaDeTexto 10">
+            <a:extLst>
+              <a:ext uri="{FF2B5EF4-FFF2-40B4-BE49-F238E27FC236}">
+                <a16:creationId xmlns:a16="http://schemas.microsoft.com/office/drawing/2014/main" id="{0B465A48-6236-458B-B106-689889E1B650}"/>
+              </a:ext>
+            </a:extLst>
+          </p:cNvPr>
+          <p:cNvSpPr txBox="1"/>
+          <p:nvPr/>
+        </p:nvSpPr>
+        <p:spPr>
+          <a:xfrm>
+            <a:off x="990600" y="3233678"/>
+            <a:ext cx="7391400" cy="2708434"/>
+          </a:xfrm>
+          <a:prstGeom prst="rect">
+            <a:avLst/>
+          </a:prstGeom>
+          <a:noFill/>
+        </p:spPr>
+        <p:txBody>
+          <a:bodyPr wrap="square" rtlCol="0">
+            <a:spAutoFit/>
+          </a:bodyPr>
+          <a:lstStyle/>
+          <a:p>
+            <a:r>
+              <a:rPr lang="pt-PT" sz="1700" dirty="0" err="1">
+                <a:solidFill>
+                  <a:srgbClr val="488ED4"/>
+                </a:solidFill>
+                <a:latin typeface="Consolas" panose="020B0609020204030204" pitchFamily="49" charset="0"/>
+                <a:cs typeface="Arial" panose="020B0604020202020204" pitchFamily="34" charset="0"/>
+              </a:rPr>
+              <a:t>def</a:t>
+            </a:r>
+            <a:r>
+              <a:rPr lang="pt-PT" sz="1700" dirty="0">
+                <a:solidFill>
+                  <a:srgbClr val="488ED4"/>
+                </a:solidFill>
+                <a:latin typeface="Consolas" panose="020B0609020204030204" pitchFamily="49" charset="0"/>
+                <a:cs typeface="Arial" panose="020B0604020202020204" pitchFamily="34" charset="0"/>
+              </a:rPr>
+              <a:t> </a:t>
+            </a:r>
+            <a:r>
+              <a:rPr lang="pt-PT" sz="1700" dirty="0">
+                <a:solidFill>
+                  <a:srgbClr val="00B050"/>
+                </a:solidFill>
+                <a:latin typeface="Consolas" panose="020B0609020204030204" pitchFamily="49" charset="0"/>
+                <a:cs typeface="Arial" panose="020B0604020202020204" pitchFamily="34" charset="0"/>
+              </a:rPr>
+              <a:t>responde</a:t>
+            </a:r>
+            <a:r>
+              <a:rPr lang="pt-PT" sz="1700" dirty="0">
+                <a:latin typeface="Consolas" panose="020B0609020204030204" pitchFamily="49" charset="0"/>
+                <a:cs typeface="Arial" panose="020B0604020202020204" pitchFamily="34" charset="0"/>
+              </a:rPr>
+              <a:t>(</a:t>
+            </a:r>
+            <a:r>
+              <a:rPr lang="pt-PT" sz="1700" dirty="0">
+                <a:solidFill>
+                  <a:srgbClr val="488ED4"/>
+                </a:solidFill>
+                <a:latin typeface="Consolas" panose="020B0609020204030204" pitchFamily="49" charset="0"/>
+                <a:cs typeface="Arial" panose="020B0604020202020204" pitchFamily="34" charset="0"/>
+              </a:rPr>
+              <a:t>Input</a:t>
+            </a:r>
+            <a:r>
+              <a:rPr lang="pt-PT" sz="1700" dirty="0">
+                <a:latin typeface="Consolas" panose="020B0609020204030204" pitchFamily="49" charset="0"/>
+                <a:cs typeface="Arial" panose="020B0604020202020204" pitchFamily="34" charset="0"/>
+              </a:rPr>
+              <a:t>)</a:t>
+            </a:r>
+            <a:r>
+              <a:rPr lang="pt-PT" sz="1700" dirty="0">
+                <a:solidFill>
+                  <a:srgbClr val="488ED4"/>
+                </a:solidFill>
+                <a:latin typeface="Consolas" panose="020B0609020204030204" pitchFamily="49" charset="0"/>
+                <a:cs typeface="Arial" panose="020B0604020202020204" pitchFamily="34" charset="0"/>
+              </a:rPr>
+              <a:t>:</a:t>
+            </a:r>
+          </a:p>
+          <a:p>
+            <a:r>
+              <a:rPr lang="pt-PT" sz="1700" dirty="0">
+                <a:latin typeface="Consolas" panose="020B0609020204030204" pitchFamily="49" charset="0"/>
+                <a:cs typeface="Arial" panose="020B0604020202020204" pitchFamily="34" charset="0"/>
+              </a:rPr>
+              <a:t>    </a:t>
+            </a:r>
+            <a:r>
+              <a:rPr lang="pt-PT" sz="1700" dirty="0">
+                <a:solidFill>
+                  <a:srgbClr val="BC7BA0"/>
+                </a:solidFill>
+                <a:latin typeface="Consolas" panose="020B0609020204030204" pitchFamily="49" charset="0"/>
+                <a:cs typeface="Arial" panose="020B0604020202020204" pitchFamily="34" charset="0"/>
+              </a:rPr>
+              <a:t>for</a:t>
+            </a:r>
+            <a:r>
+              <a:rPr lang="pt-PT" sz="1700" dirty="0">
+                <a:latin typeface="Consolas" panose="020B0609020204030204" pitchFamily="49" charset="0"/>
+                <a:cs typeface="Arial" panose="020B0604020202020204" pitchFamily="34" charset="0"/>
+              </a:rPr>
+              <a:t> </a:t>
+            </a:r>
+            <a:r>
+              <a:rPr lang="pt-PT" sz="1700" dirty="0" err="1">
+                <a:latin typeface="Consolas" panose="020B0609020204030204" pitchFamily="49" charset="0"/>
+                <a:cs typeface="Arial" panose="020B0604020202020204" pitchFamily="34" charset="0"/>
+              </a:rPr>
+              <a:t>regex,out</a:t>
+            </a:r>
+            <a:r>
+              <a:rPr lang="pt-PT" sz="1700" dirty="0">
+                <a:latin typeface="Consolas" panose="020B0609020204030204" pitchFamily="49" charset="0"/>
+                <a:cs typeface="Arial" panose="020B0604020202020204" pitchFamily="34" charset="0"/>
+              </a:rPr>
+              <a:t> </a:t>
+            </a:r>
+            <a:r>
+              <a:rPr lang="pt-PT" sz="1700" dirty="0">
+                <a:solidFill>
+                  <a:srgbClr val="488ED4"/>
+                </a:solidFill>
+                <a:latin typeface="Consolas" panose="020B0609020204030204" pitchFamily="49" charset="0"/>
+                <a:cs typeface="Arial" panose="020B0604020202020204" pitchFamily="34" charset="0"/>
+              </a:rPr>
+              <a:t>in</a:t>
+            </a:r>
+            <a:r>
+              <a:rPr lang="pt-PT" sz="1700" dirty="0">
+                <a:latin typeface="Consolas" panose="020B0609020204030204" pitchFamily="49" charset="0"/>
+                <a:cs typeface="Arial" panose="020B0604020202020204" pitchFamily="34" charset="0"/>
+              </a:rPr>
+              <a:t> regras:</a:t>
+            </a:r>
+          </a:p>
+          <a:p>
+            <a:r>
+              <a:rPr lang="pt-PT" sz="1700" dirty="0">
+                <a:latin typeface="Consolas" panose="020B0609020204030204" pitchFamily="49" charset="0"/>
+                <a:cs typeface="Arial" panose="020B0604020202020204" pitchFamily="34" charset="0"/>
+              </a:rPr>
+              <a:t>        match = </a:t>
+            </a:r>
+            <a:r>
+              <a:rPr lang="pt-PT" sz="1700" dirty="0" err="1">
+                <a:latin typeface="Consolas" panose="020B0609020204030204" pitchFamily="49" charset="0"/>
+                <a:cs typeface="Arial" panose="020B0604020202020204" pitchFamily="34" charset="0"/>
+              </a:rPr>
+              <a:t>re.match</a:t>
+            </a:r>
+            <a:r>
+              <a:rPr lang="pt-PT" sz="1700" dirty="0">
+                <a:latin typeface="Consolas" panose="020B0609020204030204" pitchFamily="49" charset="0"/>
+                <a:cs typeface="Arial" panose="020B0604020202020204" pitchFamily="34" charset="0"/>
+              </a:rPr>
+              <a:t>(</a:t>
+            </a:r>
+            <a:r>
+              <a:rPr lang="pt-PT" sz="1700" dirty="0" err="1">
+                <a:latin typeface="Consolas" panose="020B0609020204030204" pitchFamily="49" charset="0"/>
+                <a:cs typeface="Arial" panose="020B0604020202020204" pitchFamily="34" charset="0"/>
+              </a:rPr>
+              <a:t>regex,Input</a:t>
+            </a:r>
+            <a:r>
+              <a:rPr lang="pt-PT" sz="1700" dirty="0">
+                <a:latin typeface="Consolas" panose="020B0609020204030204" pitchFamily="49" charset="0"/>
+                <a:cs typeface="Arial" panose="020B0604020202020204" pitchFamily="34" charset="0"/>
+              </a:rPr>
+              <a:t>)</a:t>
+            </a:r>
+          </a:p>
+          <a:p>
+            <a:r>
+              <a:rPr lang="pt-PT" sz="1700" dirty="0">
+                <a:latin typeface="Consolas" panose="020B0609020204030204" pitchFamily="49" charset="0"/>
+                <a:cs typeface="Arial" panose="020B0604020202020204" pitchFamily="34" charset="0"/>
+              </a:rPr>
+              <a:t>        </a:t>
+            </a:r>
+            <a:r>
+              <a:rPr lang="pt-PT" sz="1700" dirty="0" err="1">
+                <a:solidFill>
+                  <a:srgbClr val="BC7BA0"/>
+                </a:solidFill>
+                <a:latin typeface="Consolas" panose="020B0609020204030204" pitchFamily="49" charset="0"/>
+                <a:cs typeface="Arial" panose="020B0604020202020204" pitchFamily="34" charset="0"/>
+              </a:rPr>
+              <a:t>if</a:t>
+            </a:r>
+            <a:r>
+              <a:rPr lang="pt-PT" sz="1700" dirty="0">
+                <a:latin typeface="Consolas" panose="020B0609020204030204" pitchFamily="49" charset="0"/>
+                <a:cs typeface="Arial" panose="020B0604020202020204" pitchFamily="34" charset="0"/>
+              </a:rPr>
+              <a:t> match==</a:t>
+            </a:r>
+            <a:r>
+              <a:rPr lang="pt-PT" sz="1700" dirty="0" err="1">
+                <a:solidFill>
+                  <a:srgbClr val="488ED4"/>
+                </a:solidFill>
+                <a:latin typeface="Consolas" panose="020B0609020204030204" pitchFamily="49" charset="0"/>
+                <a:cs typeface="Arial" panose="020B0604020202020204" pitchFamily="34" charset="0"/>
+              </a:rPr>
+              <a:t>None</a:t>
+            </a:r>
+            <a:r>
+              <a:rPr lang="pt-PT" sz="1700" dirty="0">
+                <a:latin typeface="Consolas" panose="020B0609020204030204" pitchFamily="49" charset="0"/>
+                <a:cs typeface="Arial" panose="020B0604020202020204" pitchFamily="34" charset="0"/>
+              </a:rPr>
+              <a:t>:</a:t>
+            </a:r>
+          </a:p>
+          <a:p>
+            <a:r>
+              <a:rPr lang="pt-PT" sz="1700" dirty="0">
+                <a:latin typeface="Consolas" panose="020B0609020204030204" pitchFamily="49" charset="0"/>
+                <a:cs typeface="Arial" panose="020B0604020202020204" pitchFamily="34" charset="0"/>
+              </a:rPr>
+              <a:t>          </a:t>
+            </a:r>
+            <a:r>
+              <a:rPr lang="pt-PT" sz="1700" dirty="0" err="1">
+                <a:solidFill>
+                  <a:srgbClr val="BC7BA0"/>
+                </a:solidFill>
+                <a:latin typeface="Consolas" panose="020B0609020204030204" pitchFamily="49" charset="0"/>
+                <a:cs typeface="Arial" panose="020B0604020202020204" pitchFamily="34" charset="0"/>
+              </a:rPr>
+              <a:t>pass</a:t>
+            </a:r>
+            <a:endParaRPr lang="pt-PT" sz="1700" dirty="0">
+              <a:solidFill>
+                <a:srgbClr val="BC7BA0"/>
+              </a:solidFill>
+              <a:latin typeface="Consolas" panose="020B0609020204030204" pitchFamily="49" charset="0"/>
+              <a:cs typeface="Arial" panose="020B0604020202020204" pitchFamily="34" charset="0"/>
+            </a:endParaRPr>
+          </a:p>
+          <a:p>
+            <a:r>
+              <a:rPr lang="pt-PT" sz="1700" dirty="0">
+                <a:latin typeface="Consolas" panose="020B0609020204030204" pitchFamily="49" charset="0"/>
+                <a:cs typeface="Arial" panose="020B0604020202020204" pitchFamily="34" charset="0"/>
+              </a:rPr>
+              <a:t>        </a:t>
+            </a:r>
+            <a:r>
+              <a:rPr lang="pt-PT" sz="1700" dirty="0" err="1">
+                <a:solidFill>
+                  <a:srgbClr val="BC7BA0"/>
+                </a:solidFill>
+                <a:latin typeface="Consolas" panose="020B0609020204030204" pitchFamily="49" charset="0"/>
+                <a:cs typeface="Arial" panose="020B0604020202020204" pitchFamily="34" charset="0"/>
+              </a:rPr>
+              <a:t>else</a:t>
+            </a:r>
+            <a:r>
+              <a:rPr lang="pt-PT" sz="1700" dirty="0">
+                <a:latin typeface="Consolas" panose="020B0609020204030204" pitchFamily="49" charset="0"/>
+                <a:cs typeface="Arial" panose="020B0604020202020204" pitchFamily="34" charset="0"/>
+              </a:rPr>
+              <a:t>:</a:t>
+            </a:r>
+          </a:p>
+          <a:p>
+            <a:r>
+              <a:rPr lang="pt-PT" sz="1700" dirty="0">
+                <a:latin typeface="Consolas" panose="020B0609020204030204" pitchFamily="49" charset="0"/>
+                <a:cs typeface="Arial" panose="020B0604020202020204" pitchFamily="34" charset="0"/>
+              </a:rPr>
+              <a:t>            </a:t>
+            </a:r>
+            <a:r>
+              <a:rPr lang="pt-PT" sz="1700" dirty="0" err="1">
+                <a:solidFill>
+                  <a:srgbClr val="BC7BA0"/>
+                </a:solidFill>
+                <a:latin typeface="Consolas" panose="020B0609020204030204" pitchFamily="49" charset="0"/>
+                <a:cs typeface="Arial" panose="020B0604020202020204" pitchFamily="34" charset="0"/>
+              </a:rPr>
+              <a:t>if</a:t>
+            </a:r>
+            <a:r>
+              <a:rPr lang="pt-PT" sz="1700" dirty="0">
+                <a:latin typeface="Consolas" panose="020B0609020204030204" pitchFamily="49" charset="0"/>
+                <a:cs typeface="Arial" panose="020B0604020202020204" pitchFamily="34" charset="0"/>
+              </a:rPr>
+              <a:t> </a:t>
+            </a:r>
+            <a:r>
+              <a:rPr lang="pt-PT" sz="1700" dirty="0" err="1">
+                <a:solidFill>
+                  <a:srgbClr val="00B050"/>
+                </a:solidFill>
+                <a:latin typeface="Consolas" panose="020B0609020204030204" pitchFamily="49" charset="0"/>
+                <a:cs typeface="Arial" panose="020B0604020202020204" pitchFamily="34" charset="0"/>
+              </a:rPr>
+              <a:t>callable</a:t>
+            </a:r>
+            <a:r>
+              <a:rPr lang="pt-PT" sz="1700" dirty="0">
+                <a:latin typeface="Consolas" panose="020B0609020204030204" pitchFamily="49" charset="0"/>
+                <a:cs typeface="Arial" panose="020B0604020202020204" pitchFamily="34" charset="0"/>
+              </a:rPr>
+              <a:t>(out):</a:t>
+            </a:r>
+          </a:p>
+          <a:p>
+            <a:r>
+              <a:rPr lang="pt-PT" sz="1700" dirty="0">
+                <a:latin typeface="Consolas" panose="020B0609020204030204" pitchFamily="49" charset="0"/>
+                <a:cs typeface="Arial" panose="020B0604020202020204" pitchFamily="34" charset="0"/>
+              </a:rPr>
+              <a:t>                output = out(match)</a:t>
+            </a:r>
+          </a:p>
+          <a:p>
+            <a:r>
+              <a:rPr lang="pt-PT" sz="1700" dirty="0">
+                <a:solidFill>
+                  <a:srgbClr val="BC7BA0"/>
+                </a:solidFill>
+                <a:latin typeface="Consolas" panose="020B0609020204030204" pitchFamily="49" charset="0"/>
+                <a:cs typeface="Arial" panose="020B0604020202020204" pitchFamily="34" charset="0"/>
+              </a:rPr>
+              <a:t>                </a:t>
+            </a:r>
+            <a:r>
+              <a:rPr lang="pt-PT" sz="1700" dirty="0" err="1">
+                <a:solidFill>
+                  <a:srgbClr val="BC7BA0"/>
+                </a:solidFill>
+                <a:latin typeface="Consolas" panose="020B0609020204030204" pitchFamily="49" charset="0"/>
+                <a:cs typeface="Arial" panose="020B0604020202020204" pitchFamily="34" charset="0"/>
+              </a:rPr>
+              <a:t>if</a:t>
+            </a:r>
+            <a:r>
+              <a:rPr lang="pt-PT" sz="1700" dirty="0">
+                <a:latin typeface="Consolas" panose="020B0609020204030204" pitchFamily="49" charset="0"/>
+                <a:cs typeface="Arial" panose="020B0604020202020204" pitchFamily="34" charset="0"/>
+              </a:rPr>
+              <a:t> output != </a:t>
+            </a:r>
+            <a:r>
+              <a:rPr lang="pt-PT" sz="1700" dirty="0" err="1">
+                <a:solidFill>
+                  <a:srgbClr val="488ED4"/>
+                </a:solidFill>
+                <a:latin typeface="Consolas" panose="020B0609020204030204" pitchFamily="49" charset="0"/>
+                <a:cs typeface="Arial" panose="020B0604020202020204" pitchFamily="34" charset="0"/>
+              </a:rPr>
+              <a:t>None</a:t>
+            </a:r>
+            <a:r>
+              <a:rPr lang="pt-PT" sz="1700" dirty="0">
+                <a:latin typeface="Consolas" panose="020B0609020204030204" pitchFamily="49" charset="0"/>
+                <a:cs typeface="Arial" panose="020B0604020202020204" pitchFamily="34" charset="0"/>
+              </a:rPr>
+              <a:t>:</a:t>
+            </a:r>
+          </a:p>
+          <a:p>
+            <a:r>
+              <a:rPr lang="pt-PT" sz="1700" dirty="0">
+                <a:latin typeface="Consolas" panose="020B0609020204030204" pitchFamily="49" charset="0"/>
+                <a:cs typeface="Arial" panose="020B0604020202020204" pitchFamily="34" charset="0"/>
+              </a:rPr>
+              <a:t>                    </a:t>
+            </a:r>
+            <a:r>
+              <a:rPr lang="pt-PT" sz="1700" dirty="0" err="1">
+                <a:solidFill>
+                  <a:srgbClr val="BC7BA0"/>
+                </a:solidFill>
+                <a:latin typeface="Consolas" panose="020B0609020204030204" pitchFamily="49" charset="0"/>
+                <a:cs typeface="Arial" panose="020B0604020202020204" pitchFamily="34" charset="0"/>
+              </a:rPr>
+              <a:t>return</a:t>
+            </a:r>
+            <a:r>
+              <a:rPr lang="pt-PT" sz="1700" dirty="0">
+                <a:latin typeface="Consolas" panose="020B0609020204030204" pitchFamily="49" charset="0"/>
+                <a:cs typeface="Arial" panose="020B0604020202020204" pitchFamily="34" charset="0"/>
+              </a:rPr>
+              <a:t> output</a:t>
+            </a:r>
+          </a:p>
+        </p:txBody>
+      </p:sp>
+    </p:spTree>
+    <p:extLst>
+      <p:ext uri="{BB962C8B-B14F-4D97-AF65-F5344CB8AC3E}">
+        <p14:creationId xmlns:p14="http://schemas.microsoft.com/office/powerpoint/2010/main" val="3819176040"/>
+      </p:ext>
+    </p:extLst>
+  </p:cSld>
+  <p:clrMapOvr>
+    <a:masterClrMapping/>
+  </p:clrMapOvr>
+</p:sld>
+</file>
+
+<file path=ppt/slides/slide8.xml><?xml version="1.0" encoding="utf-8"?>
+<p:sld xmlns:a="http://schemas.openxmlformats.org/drawingml/2006/main" xmlns:r="http://schemas.openxmlformats.org/officeDocument/2006/relationships" xmlns:p="http://schemas.openxmlformats.org/presentationml/2006/main" showMasterSp="0">
+  <p:cSld>
+    <p:spTree>
+      <p:nvGrpSpPr>
+        <p:cNvPr id="1" name=""/>
+        <p:cNvGrpSpPr/>
+        <p:nvPr/>
+      </p:nvGrpSpPr>
+      <p:grpSpPr>
+        <a:xfrm>
+          <a:off x="0" y="0"/>
+          <a:ext cx="0" cy="0"/>
+          <a:chOff x="0" y="0"/>
+          <a:chExt cx="0" cy="0"/>
+        </a:xfrm>
+      </p:grpSpPr>
+      <p:sp>
+        <p:nvSpPr>
+          <p:cNvPr id="18" name="object 2">
+            <a:extLst>
+              <a:ext uri="{FF2B5EF4-FFF2-40B4-BE49-F238E27FC236}">
+                <a16:creationId xmlns:a16="http://schemas.microsoft.com/office/drawing/2014/main" id="{05AAF6C0-D971-4C1B-B829-B8B4D0B5493A}"/>
+              </a:ext>
+            </a:extLst>
+          </p:cNvPr>
+          <p:cNvSpPr/>
+          <p:nvPr/>
+        </p:nvSpPr>
+        <p:spPr>
+          <a:xfrm>
+            <a:off x="0" y="6"/>
+            <a:ext cx="9144000" cy="6858000"/>
+          </a:xfrm>
+          <a:custGeom>
+            <a:avLst/>
+            <a:gdLst/>
+            <a:ahLst/>
+            <a:cxnLst/>
+            <a:rect l="l" t="t" r="r" b="b"/>
+            <a:pathLst>
+              <a:path w="9144000" h="6858000">
+                <a:moveTo>
+                  <a:pt x="0" y="6857993"/>
+                </a:moveTo>
+                <a:lnTo>
+                  <a:pt x="9144000" y="6857993"/>
+                </a:lnTo>
+                <a:lnTo>
+                  <a:pt x="9144000" y="0"/>
+                </a:lnTo>
+                <a:lnTo>
+                  <a:pt x="0" y="0"/>
+                </a:lnTo>
+                <a:lnTo>
+                  <a:pt x="0" y="6857993"/>
+                </a:lnTo>
+                <a:close/>
+              </a:path>
+            </a:pathLst>
+          </a:custGeom>
+          <a:solidFill>
+            <a:srgbClr val="FAB200"/>
+          </a:solidFill>
+        </p:spPr>
+        <p:txBody>
+          <a:bodyPr wrap="square" lIns="0" tIns="0" rIns="0" bIns="0" rtlCol="0"/>
+          <a:lstStyle/>
+          <a:p>
+            <a:endParaRPr/>
+          </a:p>
+        </p:txBody>
+      </p:sp>
+      <p:sp>
+        <p:nvSpPr>
+          <p:cNvPr id="3" name="object 3"/>
+          <p:cNvSpPr txBox="1">
+            <a:spLocks noGrp="1"/>
+          </p:cNvSpPr>
+          <p:nvPr>
+            <p:ph type="title"/>
+          </p:nvPr>
+        </p:nvSpPr>
+        <p:spPr>
+          <a:xfrm>
+            <a:off x="3543299" y="177804"/>
+            <a:ext cx="2057400" cy="469900"/>
+          </a:xfrm>
+          <a:prstGeom prst="rect">
+            <a:avLst/>
+          </a:prstGeom>
+        </p:spPr>
+        <p:txBody>
+          <a:bodyPr vert="horz" wrap="square" lIns="0" tIns="14604" rIns="0" bIns="0" rtlCol="0">
+            <a:spAutoFit/>
+          </a:bodyPr>
+          <a:lstStyle/>
+          <a:p>
+            <a:pPr marL="12700" algn="ctr">
+              <a:lnSpc>
+                <a:spcPct val="100000"/>
+              </a:lnSpc>
+              <a:spcBef>
+                <a:spcPts val="114"/>
+              </a:spcBef>
+            </a:pPr>
+            <a:r>
+              <a:rPr lang="pt-PT" spc="-135" dirty="0"/>
+              <a:t>Resultados</a:t>
+            </a:r>
+            <a:endParaRPr spc="-135" dirty="0"/>
+          </a:p>
+        </p:txBody>
+      </p:sp>
+      <p:sp>
+        <p:nvSpPr>
+          <p:cNvPr id="8" name="Retângulo: Cantos Arredondados 7">
+            <a:extLst>
+              <a:ext uri="{FF2B5EF4-FFF2-40B4-BE49-F238E27FC236}">
+                <a16:creationId xmlns:a16="http://schemas.microsoft.com/office/drawing/2014/main" id="{908BDC70-7C18-4922-ADB8-130022C17DF3}"/>
+              </a:ext>
+            </a:extLst>
+          </p:cNvPr>
+          <p:cNvSpPr/>
+          <p:nvPr/>
+        </p:nvSpPr>
+        <p:spPr>
+          <a:xfrm>
+            <a:off x="323088" y="932296"/>
+            <a:ext cx="8496300" cy="5747900"/>
           </a:xfrm>
           <a:prstGeom prst="roundRect">
             <a:avLst/>
@@ -7774,82 +9463,16 @@
           <a:lstStyle/>
           <a:p>
             <a:pPr algn="ctr"/>
-            <a:endParaRPr lang="pt-PT"/>
-          </a:p>
-        </p:txBody>
-      </p:sp>
-      <p:pic>
-        <p:nvPicPr>
-          <p:cNvPr id="46" name="Imagem 45">
+            <a:endParaRPr lang="pt-PT" dirty="0"/>
+          </a:p>
+        </p:txBody>
+      </p:sp>
+      <p:sp>
+        <p:nvSpPr>
+          <p:cNvPr id="5" name="Retângulo: Cantos Arredondados 4">
             <a:extLst>
               <a:ext uri="{FF2B5EF4-FFF2-40B4-BE49-F238E27FC236}">
-                <a16:creationId xmlns:a16="http://schemas.microsoft.com/office/drawing/2014/main" id="{070F79C8-031F-440B-ABA6-D4C8D9379DF8}"/>
-              </a:ext>
-            </a:extLst>
-          </p:cNvPr>
-          <p:cNvPicPr>
-            <a:picLocks noChangeAspect="1"/>
-          </p:cNvPicPr>
-          <p:nvPr/>
-        </p:nvPicPr>
-        <p:blipFill>
-          <a:blip r:embed="rId2">
-            <a:extLst>
-              <a:ext uri="{28A0092B-C50C-407E-A947-70E740481C1C}">
-                <a14:useLocalDpi xmlns:a14="http://schemas.microsoft.com/office/drawing/2010/main" val="0"/>
-              </a:ext>
-            </a:extLst>
-          </a:blip>
-          <a:stretch>
-            <a:fillRect/>
-          </a:stretch>
-        </p:blipFill>
-        <p:spPr>
-          <a:xfrm>
-            <a:off x="2520466" y="4359285"/>
-            <a:ext cx="3886200" cy="1927800"/>
-          </a:xfrm>
-          <a:prstGeom prst="rect">
-            <a:avLst/>
-          </a:prstGeom>
-        </p:spPr>
-      </p:pic>
-    </p:spTree>
-    <p:extLst>
-      <p:ext uri="{BB962C8B-B14F-4D97-AF65-F5344CB8AC3E}">
-        <p14:creationId xmlns:p14="http://schemas.microsoft.com/office/powerpoint/2010/main" val="890682223"/>
-      </p:ext>
-    </p:extLst>
-  </p:cSld>
-  <p:clrMapOvr>
-    <a:masterClrMapping/>
-  </p:clrMapOvr>
-</p:sld>
-</file>
-
-<file path=ppt/slides/slide7.xml><?xml version="1.0" encoding="utf-8"?>
-<p:sld xmlns:a="http://schemas.openxmlformats.org/drawingml/2006/main" xmlns:r="http://schemas.openxmlformats.org/officeDocument/2006/relationships" xmlns:p="http://schemas.openxmlformats.org/presentationml/2006/main" showMasterSp="0">
-  <p:cSld>
-    <p:spTree>
-      <p:nvGrpSpPr>
-        <p:cNvPr id="1" name=""/>
-        <p:cNvGrpSpPr/>
-        <p:nvPr/>
-      </p:nvGrpSpPr>
-      <p:grpSpPr>
-        <a:xfrm>
-          <a:off x="0" y="0"/>
-          <a:ext cx="0" cy="0"/>
-          <a:chOff x="0" y="0"/>
-          <a:chExt cx="0" cy="0"/>
-        </a:xfrm>
-      </p:grpSpPr>
-      <p:sp>
-        <p:nvSpPr>
-          <p:cNvPr id="18" name="object 2">
-            <a:extLst>
-              <a:ext uri="{FF2B5EF4-FFF2-40B4-BE49-F238E27FC236}">
-                <a16:creationId xmlns:a16="http://schemas.microsoft.com/office/drawing/2014/main" id="{05AAF6C0-D971-4C1B-B829-B8B4D0B5493A}"/>
+                <a16:creationId xmlns:a16="http://schemas.microsoft.com/office/drawing/2014/main" id="{B8336ACE-D0D5-489B-ACD7-457A46608889}"/>
               </a:ext>
             </a:extLst>
           </p:cNvPr>
@@ -7858,112 +9481,13 @@
         </p:nvSpPr>
         <p:spPr>
           <a:xfrm>
-            <a:off x="0" y="6"/>
-            <a:ext cx="9144000" cy="6858000"/>
-          </a:xfrm>
-          <a:custGeom>
-            <a:avLst/>
-            <a:gdLst/>
-            <a:ahLst/>
-            <a:cxnLst/>
-            <a:rect l="l" t="t" r="r" b="b"/>
-            <a:pathLst>
-              <a:path w="9144000" h="6858000">
-                <a:moveTo>
-                  <a:pt x="0" y="6857993"/>
-                </a:moveTo>
-                <a:lnTo>
-                  <a:pt x="9144000" y="6857993"/>
-                </a:lnTo>
-                <a:lnTo>
-                  <a:pt x="9144000" y="0"/>
-                </a:lnTo>
-                <a:lnTo>
-                  <a:pt x="0" y="0"/>
-                </a:lnTo>
-                <a:lnTo>
-                  <a:pt x="0" y="6857993"/>
-                </a:lnTo>
-                <a:close/>
-              </a:path>
-            </a:pathLst>
-          </a:custGeom>
-          <a:solidFill>
-            <a:srgbClr val="FAB200"/>
-          </a:solidFill>
-        </p:spPr>
-        <p:txBody>
-          <a:bodyPr wrap="square" lIns="0" tIns="0" rIns="0" bIns="0" rtlCol="0"/>
-          <a:lstStyle/>
-          <a:p>
-            <a:endParaRPr/>
-          </a:p>
-        </p:txBody>
-      </p:sp>
-      <p:sp>
-        <p:nvSpPr>
-          <p:cNvPr id="3" name="object 3"/>
-          <p:cNvSpPr txBox="1">
-            <a:spLocks noGrp="1"/>
-          </p:cNvSpPr>
-          <p:nvPr>
-            <p:ph type="title"/>
-          </p:nvPr>
-        </p:nvSpPr>
-        <p:spPr>
-          <a:xfrm>
-            <a:off x="3543299" y="177804"/>
-            <a:ext cx="2057400" cy="469900"/>
-          </a:xfrm>
-          <a:prstGeom prst="rect">
-            <a:avLst/>
-          </a:prstGeom>
-        </p:spPr>
-        <p:txBody>
-          <a:bodyPr vert="horz" wrap="square" lIns="0" tIns="14604" rIns="0" bIns="0" rtlCol="0">
-            <a:spAutoFit/>
-          </a:bodyPr>
-          <a:lstStyle/>
-          <a:p>
-            <a:pPr marL="12700" algn="ctr">
-              <a:lnSpc>
-                <a:spcPct val="100000"/>
-              </a:lnSpc>
-              <a:spcBef>
-                <a:spcPts val="114"/>
-              </a:spcBef>
-            </a:pPr>
-            <a:r>
-              <a:rPr lang="pt-PT" spc="-135" dirty="0"/>
-              <a:t>Resultados</a:t>
-            </a:r>
-            <a:endParaRPr spc="-135" dirty="0"/>
-          </a:p>
-        </p:txBody>
-      </p:sp>
-      <p:sp>
-        <p:nvSpPr>
-          <p:cNvPr id="11" name="Retângulo: Cantos Arredondados 10">
-            <a:extLst>
-              <a:ext uri="{FF2B5EF4-FFF2-40B4-BE49-F238E27FC236}">
-                <a16:creationId xmlns:a16="http://schemas.microsoft.com/office/drawing/2014/main" id="{CB9C70C3-5E51-4E97-9FAD-B3C7C5D1ABE2}"/>
-              </a:ext>
-            </a:extLst>
-          </p:cNvPr>
-          <p:cNvSpPr/>
-          <p:nvPr/>
-        </p:nvSpPr>
-        <p:spPr>
-          <a:xfrm>
-            <a:off x="381000" y="1295401"/>
-            <a:ext cx="8073750" cy="4191000"/>
+            <a:off x="399288" y="834646"/>
+            <a:ext cx="8858251" cy="5854694"/>
           </a:xfrm>
           <a:prstGeom prst="roundRect">
             <a:avLst/>
           </a:prstGeom>
-          <a:solidFill>
-            <a:schemeClr val="bg1"/>
-          </a:solidFill>
+          <a:noFill/>
           <a:ln>
             <a:noFill/>
           </a:ln>
@@ -7988,150 +9512,441 @@
           <a:bodyPr rtlCol="0" anchor="ctr"/>
           <a:lstStyle/>
           <a:p>
-            <a:pPr algn="ctr"/>
-            <a:endParaRPr lang="pt-PT"/>
-          </a:p>
-        </p:txBody>
-      </p:sp>
-      <p:sp>
-        <p:nvSpPr>
-          <p:cNvPr id="5" name="Retângulo: Cantos Arredondados 4">
-            <a:extLst>
-              <a:ext uri="{FF2B5EF4-FFF2-40B4-BE49-F238E27FC236}">
-                <a16:creationId xmlns:a16="http://schemas.microsoft.com/office/drawing/2014/main" id="{B8336ACE-D0D5-489B-ACD7-457A46608889}"/>
-              </a:ext>
-            </a:extLst>
-          </p:cNvPr>
-          <p:cNvSpPr/>
-          <p:nvPr/>
-        </p:nvSpPr>
-        <p:spPr>
-          <a:xfrm>
-            <a:off x="338706" y="1294702"/>
-            <a:ext cx="8420100" cy="4191000"/>
-          </a:xfrm>
-          <a:prstGeom prst="roundRect">
-            <a:avLst/>
-          </a:prstGeom>
-          <a:solidFill>
-            <a:srgbClr val="DDDDDD"/>
-          </a:solidFill>
-          <a:ln>
-            <a:noFill/>
-          </a:ln>
-        </p:spPr>
-        <p:style>
-          <a:lnRef idx="2">
-            <a:schemeClr val="accent1">
-              <a:shade val="50000"/>
-            </a:schemeClr>
-          </a:lnRef>
-          <a:fillRef idx="1">
-            <a:schemeClr val="accent1"/>
-          </a:fillRef>
-          <a:effectRef idx="0">
-            <a:schemeClr val="accent1"/>
-          </a:effectRef>
-          <a:fontRef idx="minor">
-            <a:schemeClr val="lt1"/>
-          </a:fontRef>
-        </p:style>
-        <p:txBody>
-          <a:bodyPr rtlCol="0" anchor="ctr"/>
-          <a:lstStyle/>
-          <a:p>
-            <a:pPr algn="ctr"/>
-            <a:endParaRPr lang="pt-PT"/>
-          </a:p>
-        </p:txBody>
-      </p:sp>
-      <p:sp>
-        <p:nvSpPr>
-          <p:cNvPr id="2" name="CaixaDeTexto 1">
-            <a:extLst>
-              <a:ext uri="{FF2B5EF4-FFF2-40B4-BE49-F238E27FC236}">
-                <a16:creationId xmlns:a16="http://schemas.microsoft.com/office/drawing/2014/main" id="{58B12799-7B9B-449E-BC7E-BD0F41CCB9C5}"/>
-              </a:ext>
-            </a:extLst>
-          </p:cNvPr>
-          <p:cNvSpPr txBox="1"/>
-          <p:nvPr/>
-        </p:nvSpPr>
-        <p:spPr>
-          <a:xfrm>
-            <a:off x="2453256" y="2743200"/>
-            <a:ext cx="4191000" cy="369332"/>
-          </a:xfrm>
-          <a:prstGeom prst="rect">
-            <a:avLst/>
-          </a:prstGeom>
-          <a:noFill/>
-        </p:spPr>
-        <p:txBody>
-          <a:bodyPr wrap="square" rtlCol="0">
-            <a:spAutoFit/>
-          </a:bodyPr>
-          <a:lstStyle/>
-          <a:p>
-            <a:r>
-              <a:rPr lang="pt-PT" dirty="0"/>
-              <a:t>Prints de conversas com o </a:t>
-            </a:r>
-            <a:r>
-              <a:rPr lang="pt-PT" dirty="0" err="1"/>
-              <a:t>bot</a:t>
-            </a:r>
-            <a:endParaRPr lang="pt-PT" dirty="0"/>
-          </a:p>
-        </p:txBody>
-      </p:sp>
-      <p:pic>
-        <p:nvPicPr>
-          <p:cNvPr id="2050" name="Picture 2" descr="Resultado de imagem para results png">
-            <a:extLst>
-              <a:ext uri="{FF2B5EF4-FFF2-40B4-BE49-F238E27FC236}">
-                <a16:creationId xmlns:a16="http://schemas.microsoft.com/office/drawing/2014/main" id="{E01FC749-B79A-499B-929E-BFF935B9FB6F}"/>
-              </a:ext>
-            </a:extLst>
-          </p:cNvPr>
-          <p:cNvPicPr>
-            <a:picLocks noChangeAspect="1" noChangeArrowheads="1"/>
-          </p:cNvPicPr>
-          <p:nvPr/>
-        </p:nvPicPr>
-        <p:blipFill>
-          <a:blip r:embed="rId2" cstate="print">
-            <a:extLst>
-              <a:ext uri="{28A0092B-C50C-407E-A947-70E740481C1C}">
-                <a14:useLocalDpi xmlns:a14="http://schemas.microsoft.com/office/drawing/2010/main" val="0"/>
-              </a:ext>
-            </a:extLst>
-          </a:blip>
-          <a:srcRect/>
-          <a:stretch>
-            <a:fillRect/>
-          </a:stretch>
-        </p:blipFill>
-        <p:spPr bwMode="auto">
-          <a:xfrm>
-            <a:off x="7540350" y="1066800"/>
-            <a:ext cx="1295400" cy="1295400"/>
-          </a:xfrm>
-          <a:prstGeom prst="rect">
-            <a:avLst/>
-          </a:prstGeom>
-          <a:noFill/>
-          <a:extLst>
-            <a:ext uri="{909E8E84-426E-40DD-AFC4-6F175D3DCCD1}">
-              <a14:hiddenFill xmlns:a14="http://schemas.microsoft.com/office/drawing/2010/main">
-                <a:solidFill>
-                  <a:srgbClr val="FFFFFF"/>
-                </a:solidFill>
-              </a14:hiddenFill>
-            </a:ext>
-          </a:extLst>
-        </p:spPr>
-      </p:pic>
+            <a:pPr marL="182563"/>
+            <a:r>
+              <a:rPr lang="pt-PT" sz="1700" dirty="0" err="1">
+                <a:solidFill>
+                  <a:srgbClr val="488ED4"/>
+                </a:solidFill>
+                <a:latin typeface="Consolas" panose="020B0609020204030204" pitchFamily="49" charset="0"/>
+                <a:cs typeface="Segoe UI" panose="020B0502040204020203" pitchFamily="34" charset="0"/>
+              </a:rPr>
+              <a:t>User</a:t>
+            </a:r>
+            <a:r>
+              <a:rPr lang="pt-PT" sz="1700" dirty="0">
+                <a:solidFill>
+                  <a:schemeClr val="tx1"/>
+                </a:solidFill>
+                <a:latin typeface="Consolas" panose="020B0609020204030204" pitchFamily="49" charset="0"/>
+                <a:cs typeface="Segoe UI" panose="020B0502040204020203" pitchFamily="34" charset="0"/>
+              </a:rPr>
+              <a:t>: Bom dia, meu caro!</a:t>
+            </a:r>
+          </a:p>
+          <a:p>
+            <a:pPr marL="182563"/>
+            <a:r>
+              <a:rPr lang="pt-PT" sz="1700" dirty="0" err="1">
+                <a:solidFill>
+                  <a:srgbClr val="00B050"/>
+                </a:solidFill>
+                <a:latin typeface="Consolas" panose="020B0609020204030204" pitchFamily="49" charset="0"/>
+                <a:cs typeface="Segoe UI" panose="020B0502040204020203" pitchFamily="34" charset="0"/>
+              </a:rPr>
+              <a:t>Bots</a:t>
+            </a:r>
+            <a:r>
+              <a:rPr lang="pt-PT" sz="1700" dirty="0">
+                <a:solidFill>
+                  <a:schemeClr val="tx1"/>
+                </a:solidFill>
+                <a:latin typeface="Consolas" panose="020B0609020204030204" pitchFamily="49" charset="0"/>
+                <a:cs typeface="Segoe UI" panose="020B0502040204020203" pitchFamily="34" charset="0"/>
+              </a:rPr>
+              <a:t>: Bom dia para ti também!</a:t>
+            </a:r>
+          </a:p>
+          <a:p>
+            <a:pPr marL="182563"/>
+            <a:r>
+              <a:rPr lang="pt-PT" sz="1700" dirty="0" err="1">
+                <a:solidFill>
+                  <a:srgbClr val="488ED4"/>
+                </a:solidFill>
+                <a:latin typeface="Consolas" panose="020B0609020204030204" pitchFamily="49" charset="0"/>
+                <a:cs typeface="Segoe UI" panose="020B0502040204020203" pitchFamily="34" charset="0"/>
+              </a:rPr>
+              <a:t>User</a:t>
+            </a:r>
+            <a:r>
+              <a:rPr lang="pt-PT" sz="1700" dirty="0">
+                <a:solidFill>
+                  <a:schemeClr val="tx1"/>
+                </a:solidFill>
+                <a:latin typeface="Consolas" panose="020B0609020204030204" pitchFamily="49" charset="0"/>
+                <a:cs typeface="Segoe UI" panose="020B0502040204020203" pitchFamily="34" charset="0"/>
+              </a:rPr>
+              <a:t>: Como vai a vida?</a:t>
+            </a:r>
+          </a:p>
+          <a:p>
+            <a:pPr marL="182563"/>
+            <a:r>
+              <a:rPr lang="pt-PT" sz="1700" dirty="0" err="1">
+                <a:solidFill>
+                  <a:srgbClr val="00B050"/>
+                </a:solidFill>
+                <a:latin typeface="Consolas" panose="020B0609020204030204" pitchFamily="49" charset="0"/>
+                <a:cs typeface="Segoe UI" panose="020B0502040204020203" pitchFamily="34" charset="0"/>
+              </a:rPr>
+              <a:t>Bots</a:t>
+            </a:r>
+            <a:r>
+              <a:rPr lang="pt-PT" sz="1700" dirty="0">
+                <a:solidFill>
+                  <a:schemeClr val="tx1"/>
+                </a:solidFill>
+                <a:latin typeface="Consolas" panose="020B0609020204030204" pitchFamily="49" charset="0"/>
+                <a:cs typeface="Segoe UI" panose="020B0502040204020203" pitchFamily="34" charset="0"/>
+              </a:rPr>
+              <a:t>: Ótima, e a tua?</a:t>
+            </a:r>
+          </a:p>
+          <a:p>
+            <a:pPr marL="182563"/>
+            <a:r>
+              <a:rPr lang="pt-PT" sz="1700" dirty="0" err="1">
+                <a:solidFill>
+                  <a:srgbClr val="488ED4"/>
+                </a:solidFill>
+                <a:latin typeface="Consolas" panose="020B0609020204030204" pitchFamily="49" charset="0"/>
+                <a:cs typeface="Segoe UI" panose="020B0502040204020203" pitchFamily="34" charset="0"/>
+              </a:rPr>
+              <a:t>User</a:t>
+            </a:r>
+            <a:r>
+              <a:rPr lang="pt-PT" sz="1700" dirty="0">
+                <a:solidFill>
+                  <a:schemeClr val="tx1"/>
+                </a:solidFill>
+                <a:latin typeface="Consolas" panose="020B0609020204030204" pitchFamily="49" charset="0"/>
+                <a:cs typeface="Segoe UI" panose="020B0502040204020203" pitchFamily="34" charset="0"/>
+              </a:rPr>
+              <a:t>: Comigo tudo bem, obrigado. Como se diz bem em inglês?</a:t>
+            </a:r>
+          </a:p>
+          <a:p>
+            <a:pPr marL="182563"/>
+            <a:r>
+              <a:rPr lang="pt-PT" sz="1700" dirty="0" err="1">
+                <a:solidFill>
+                  <a:srgbClr val="00B050"/>
+                </a:solidFill>
+                <a:latin typeface="Consolas" panose="020B0609020204030204" pitchFamily="49" charset="0"/>
+                <a:cs typeface="Segoe UI" panose="020B0502040204020203" pitchFamily="34" charset="0"/>
+              </a:rPr>
+              <a:t>Bots</a:t>
+            </a:r>
+            <a:r>
+              <a:rPr lang="pt-PT" sz="1700" dirty="0">
+                <a:solidFill>
+                  <a:schemeClr val="tx1"/>
+                </a:solidFill>
+                <a:latin typeface="Consolas" panose="020B0609020204030204" pitchFamily="49" charset="0"/>
+                <a:cs typeface="Segoe UI" panose="020B0502040204020203" pitchFamily="34" charset="0"/>
+              </a:rPr>
+              <a:t>: De nada! "Bem" em inglês diz-se "</a:t>
+            </a:r>
+            <a:r>
+              <a:rPr lang="pt-PT" sz="1700" dirty="0" err="1">
+                <a:solidFill>
+                  <a:schemeClr val="tx1"/>
+                </a:solidFill>
+                <a:latin typeface="Consolas" panose="020B0609020204030204" pitchFamily="49" charset="0"/>
+                <a:cs typeface="Segoe UI" panose="020B0502040204020203" pitchFamily="34" charset="0"/>
+              </a:rPr>
+              <a:t>well</a:t>
+            </a:r>
+            <a:r>
+              <a:rPr lang="pt-PT" sz="1700" dirty="0">
+                <a:solidFill>
+                  <a:schemeClr val="tx1"/>
+                </a:solidFill>
+                <a:latin typeface="Consolas" panose="020B0609020204030204" pitchFamily="49" charset="0"/>
+                <a:cs typeface="Segoe UI" panose="020B0502040204020203" pitchFamily="34" charset="0"/>
+              </a:rPr>
+              <a:t>". </a:t>
+            </a:r>
+          </a:p>
+          <a:p>
+            <a:pPr marL="182563"/>
+            <a:r>
+              <a:rPr lang="pt-PT" sz="1700" dirty="0" err="1">
+                <a:solidFill>
+                  <a:srgbClr val="488ED4"/>
+                </a:solidFill>
+                <a:latin typeface="Consolas" panose="020B0609020204030204" pitchFamily="49" charset="0"/>
+                <a:cs typeface="Segoe UI" panose="020B0502040204020203" pitchFamily="34" charset="0"/>
+              </a:rPr>
+              <a:t>User</a:t>
+            </a:r>
+            <a:r>
+              <a:rPr lang="pt-PT" sz="1700" dirty="0">
+                <a:solidFill>
+                  <a:schemeClr val="tx1"/>
+                </a:solidFill>
+                <a:latin typeface="Consolas" panose="020B0609020204030204" pitchFamily="49" charset="0"/>
+                <a:cs typeface="Segoe UI" panose="020B0502040204020203" pitchFamily="34" charset="0"/>
+              </a:rPr>
+              <a:t>: Que dia lindo...</a:t>
+            </a:r>
+          </a:p>
+          <a:p>
+            <a:pPr marL="182563"/>
+            <a:r>
+              <a:rPr lang="pt-PT" sz="1700" dirty="0" err="1">
+                <a:solidFill>
+                  <a:srgbClr val="00B050"/>
+                </a:solidFill>
+                <a:latin typeface="Consolas" panose="020B0609020204030204" pitchFamily="49" charset="0"/>
+                <a:cs typeface="Segoe UI" panose="020B0502040204020203" pitchFamily="34" charset="0"/>
+              </a:rPr>
+              <a:t>Bots</a:t>
+            </a:r>
+            <a:r>
+              <a:rPr lang="pt-PT" sz="1700" dirty="0">
+                <a:solidFill>
+                  <a:schemeClr val="tx1"/>
+                </a:solidFill>
+                <a:latin typeface="Consolas" panose="020B0609020204030204" pitchFamily="49" charset="0"/>
+                <a:cs typeface="Segoe UI" panose="020B0502040204020203" pitchFamily="34" charset="0"/>
+              </a:rPr>
+              <a:t>: Não há dia sem tarde.</a:t>
+            </a:r>
+          </a:p>
+          <a:p>
+            <a:pPr marL="182563"/>
+            <a:r>
+              <a:rPr lang="pt-PT" sz="1700" dirty="0" err="1">
+                <a:solidFill>
+                  <a:srgbClr val="488ED4"/>
+                </a:solidFill>
+                <a:latin typeface="Consolas" panose="020B0609020204030204" pitchFamily="49" charset="0"/>
+                <a:cs typeface="Segoe UI" panose="020B0502040204020203" pitchFamily="34" charset="0"/>
+              </a:rPr>
+              <a:t>User</a:t>
+            </a:r>
+            <a:r>
+              <a:rPr lang="pt-PT" sz="1700" dirty="0">
+                <a:solidFill>
+                  <a:schemeClr val="tx1"/>
+                </a:solidFill>
+                <a:latin typeface="Consolas" panose="020B0609020204030204" pitchFamily="49" charset="0"/>
+                <a:cs typeface="Segoe UI" panose="020B0502040204020203" pitchFamily="34" charset="0"/>
+              </a:rPr>
+              <a:t>: ok</a:t>
+            </a:r>
+          </a:p>
+          <a:p>
+            <a:pPr marL="182563"/>
+            <a:r>
+              <a:rPr lang="pt-PT" sz="1700" dirty="0" err="1">
+                <a:solidFill>
+                  <a:srgbClr val="00B050"/>
+                </a:solidFill>
+                <a:latin typeface="Consolas" panose="020B0609020204030204" pitchFamily="49" charset="0"/>
+                <a:cs typeface="Segoe UI" panose="020B0502040204020203" pitchFamily="34" charset="0"/>
+              </a:rPr>
+              <a:t>Bots</a:t>
+            </a:r>
+            <a:r>
+              <a:rPr lang="pt-PT" sz="1700" dirty="0">
+                <a:solidFill>
+                  <a:schemeClr val="tx1"/>
+                </a:solidFill>
+                <a:latin typeface="Consolas" panose="020B0609020204030204" pitchFamily="49" charset="0"/>
+                <a:cs typeface="Segoe UI" panose="020B0502040204020203" pitchFamily="34" charset="0"/>
+              </a:rPr>
+              <a:t>: Fala-me português!</a:t>
+            </a:r>
+          </a:p>
+          <a:p>
+            <a:pPr marL="182563"/>
+            <a:r>
+              <a:rPr lang="pt-PT" sz="1700" dirty="0" err="1">
+                <a:solidFill>
+                  <a:srgbClr val="488ED4"/>
+                </a:solidFill>
+                <a:latin typeface="Consolas" panose="020B0609020204030204" pitchFamily="49" charset="0"/>
+                <a:cs typeface="Segoe UI" panose="020B0502040204020203" pitchFamily="34" charset="0"/>
+              </a:rPr>
+              <a:t>User</a:t>
+            </a:r>
+            <a:r>
+              <a:rPr lang="pt-PT" sz="1700" dirty="0">
+                <a:solidFill>
+                  <a:schemeClr val="tx1"/>
+                </a:solidFill>
+                <a:latin typeface="Consolas" panose="020B0609020204030204" pitchFamily="49" charset="0"/>
+                <a:cs typeface="Segoe UI" panose="020B0502040204020203" pitchFamily="34" charset="0"/>
+              </a:rPr>
+              <a:t>: Que inteligente, o meu livro preferido é A Arte de Insultar.</a:t>
+            </a:r>
+          </a:p>
+          <a:p>
+            <a:pPr marL="182563"/>
+            <a:r>
+              <a:rPr lang="pt-PT" sz="1700" dirty="0" err="1">
+                <a:solidFill>
+                  <a:srgbClr val="00B050"/>
+                </a:solidFill>
+                <a:latin typeface="Consolas" panose="020B0609020204030204" pitchFamily="49" charset="0"/>
+                <a:cs typeface="Segoe UI" panose="020B0502040204020203" pitchFamily="34" charset="0"/>
+              </a:rPr>
+              <a:t>Bots</a:t>
+            </a:r>
+            <a:r>
+              <a:rPr lang="pt-PT" sz="1700" dirty="0">
+                <a:solidFill>
+                  <a:schemeClr val="tx1"/>
+                </a:solidFill>
+                <a:latin typeface="Consolas" panose="020B0609020204030204" pitchFamily="49" charset="0"/>
+                <a:cs typeface="Segoe UI" panose="020B0502040204020203" pitchFamily="34" charset="0"/>
+              </a:rPr>
+              <a:t>: A Arte de Insultar é um livro escrito pelo filósofo Arthur Schopenhauer e foi publicado somente após sua morte em 1860.</a:t>
+            </a:r>
+          </a:p>
+          <a:p>
+            <a:pPr marL="182563"/>
+            <a:r>
+              <a:rPr lang="pt-PT" sz="1700" dirty="0" err="1">
+                <a:solidFill>
+                  <a:srgbClr val="488ED4"/>
+                </a:solidFill>
+                <a:latin typeface="Consolas" panose="020B0609020204030204" pitchFamily="49" charset="0"/>
+                <a:cs typeface="Segoe UI" panose="020B0502040204020203" pitchFamily="34" charset="0"/>
+              </a:rPr>
+              <a:t>User</a:t>
+            </a:r>
+            <a:r>
+              <a:rPr lang="pt-PT" sz="1700" dirty="0">
+                <a:solidFill>
+                  <a:schemeClr val="tx1"/>
+                </a:solidFill>
+                <a:latin typeface="Consolas" panose="020B0609020204030204" pitchFamily="49" charset="0"/>
+                <a:cs typeface="Segoe UI" panose="020B0502040204020203" pitchFamily="34" charset="0"/>
+              </a:rPr>
+              <a:t>: Adoro ir à praia.</a:t>
+            </a:r>
+          </a:p>
+          <a:p>
+            <a:pPr marL="182563"/>
+            <a:r>
+              <a:rPr lang="pt-PT" sz="1700" dirty="0" err="1">
+                <a:solidFill>
+                  <a:srgbClr val="00B050"/>
+                </a:solidFill>
+                <a:latin typeface="Consolas" panose="020B0609020204030204" pitchFamily="49" charset="0"/>
+                <a:cs typeface="Segoe UI" panose="020B0502040204020203" pitchFamily="34" charset="0"/>
+              </a:rPr>
+              <a:t>Bots</a:t>
+            </a:r>
+            <a:r>
+              <a:rPr lang="pt-PT" sz="1700" dirty="0">
+                <a:solidFill>
+                  <a:schemeClr val="tx1"/>
+                </a:solidFill>
+                <a:latin typeface="Consolas" panose="020B0609020204030204" pitchFamily="49" charset="0"/>
+                <a:cs typeface="Segoe UI" panose="020B0502040204020203" pitchFamily="34" charset="0"/>
+              </a:rPr>
+              <a:t>: Deixando a frota, em nenhum porto ou praia.</a:t>
+            </a:r>
+          </a:p>
+          <a:p>
+            <a:pPr marL="182563"/>
+            <a:r>
+              <a:rPr lang="pt-PT" sz="1700" dirty="0" err="1">
+                <a:solidFill>
+                  <a:srgbClr val="488ED4"/>
+                </a:solidFill>
+                <a:latin typeface="Consolas" panose="020B0609020204030204" pitchFamily="49" charset="0"/>
+                <a:cs typeface="Segoe UI" panose="020B0502040204020203" pitchFamily="34" charset="0"/>
+              </a:rPr>
+              <a:t>User</a:t>
+            </a:r>
+            <a:r>
+              <a:rPr lang="pt-PT" sz="1700" dirty="0">
+                <a:solidFill>
+                  <a:schemeClr val="tx1"/>
+                </a:solidFill>
+                <a:latin typeface="Consolas" panose="020B0609020204030204" pitchFamily="49" charset="0"/>
+                <a:cs typeface="Segoe UI" panose="020B0502040204020203" pitchFamily="34" charset="0"/>
+              </a:rPr>
+              <a:t>: Isso é dos lusíadas, não é?</a:t>
+            </a:r>
+          </a:p>
+          <a:p>
+            <a:pPr marL="182563"/>
+            <a:r>
+              <a:rPr lang="pt-PT" sz="1700" dirty="0" err="1">
+                <a:solidFill>
+                  <a:srgbClr val="00B050"/>
+                </a:solidFill>
+                <a:latin typeface="Consolas" panose="020B0609020204030204" pitchFamily="49" charset="0"/>
+                <a:cs typeface="Segoe UI" panose="020B0502040204020203" pitchFamily="34" charset="0"/>
+              </a:rPr>
+              <a:t>Bots</a:t>
+            </a:r>
+            <a:r>
+              <a:rPr lang="pt-PT" sz="1700" dirty="0">
+                <a:solidFill>
+                  <a:schemeClr val="tx1"/>
+                </a:solidFill>
+                <a:latin typeface="Consolas" panose="020B0609020204030204" pitchFamily="49" charset="0"/>
+                <a:cs typeface="Segoe UI" panose="020B0502040204020203" pitchFamily="34" charset="0"/>
+              </a:rPr>
+              <a:t>: Sim, este verso pertence aos Lusíadas.</a:t>
+            </a:r>
+          </a:p>
+          <a:p>
+            <a:pPr marL="182563"/>
+            <a:r>
+              <a:rPr lang="pt-PT" sz="1700" dirty="0" err="1">
+                <a:solidFill>
+                  <a:srgbClr val="488ED4"/>
+                </a:solidFill>
+                <a:latin typeface="Consolas" panose="020B0609020204030204" pitchFamily="49" charset="0"/>
+                <a:cs typeface="Segoe UI" panose="020B0502040204020203" pitchFamily="34" charset="0"/>
+              </a:rPr>
+              <a:t>User</a:t>
+            </a:r>
+            <a:r>
+              <a:rPr lang="pt-PT" sz="1700" dirty="0">
+                <a:solidFill>
+                  <a:schemeClr val="tx1"/>
+                </a:solidFill>
+                <a:latin typeface="Consolas" panose="020B0609020204030204" pitchFamily="49" charset="0"/>
+                <a:cs typeface="Segoe UI" panose="020B0502040204020203" pitchFamily="34" charset="0"/>
+              </a:rPr>
+              <a:t>: Adeus</a:t>
+            </a:r>
+          </a:p>
+          <a:p>
+            <a:pPr marL="182563"/>
+            <a:r>
+              <a:rPr lang="pt-PT" sz="1700" dirty="0" err="1">
+                <a:solidFill>
+                  <a:srgbClr val="00B050"/>
+                </a:solidFill>
+                <a:latin typeface="Consolas" panose="020B0609020204030204" pitchFamily="49" charset="0"/>
+                <a:cs typeface="Segoe UI" panose="020B0502040204020203" pitchFamily="34" charset="0"/>
+              </a:rPr>
+              <a:t>Bots</a:t>
+            </a:r>
+            <a:r>
+              <a:rPr lang="pt-PT" sz="1700" dirty="0">
+                <a:solidFill>
+                  <a:schemeClr val="tx1"/>
+                </a:solidFill>
+                <a:latin typeface="Consolas" panose="020B0609020204030204" pitchFamily="49" charset="0"/>
+                <a:cs typeface="Segoe UI" panose="020B0502040204020203" pitchFamily="34" charset="0"/>
+              </a:rPr>
+              <a:t>: Até logo!</a:t>
+            </a:r>
+          </a:p>
+        </p:txBody>
+      </p:sp>
     </p:spTree>
   </p:cSld>
   <p:clrMapOvr>
@@ -8140,7 +9955,7 @@
 </p:sld>
 </file>
 
-<file path=ppt/slides/slide8.xml><?xml version="1.0" encoding="utf-8"?>
+<file path=ppt/slides/slide9.xml><?xml version="1.0" encoding="utf-8"?>
 <p:sld xmlns:a="http://schemas.openxmlformats.org/drawingml/2006/main" xmlns:r="http://schemas.openxmlformats.org/officeDocument/2006/relationships" xmlns:p="http://schemas.openxmlformats.org/presentationml/2006/main">
   <p:cSld>
     <p:spTree>
@@ -8283,8 +10098,8 @@
         </p:blipFill>
         <p:spPr bwMode="auto">
           <a:xfrm>
-            <a:off x="7291955" y="313630"/>
-            <a:ext cx="1981200" cy="1981200"/>
+            <a:off x="7543800" y="368653"/>
+            <a:ext cx="1819969" cy="1819969"/>
           </a:xfrm>
           <a:prstGeom prst="rect">
             <a:avLst/>
@@ -8357,7 +10172,7 @@
         </p:blipFill>
         <p:spPr bwMode="auto">
           <a:xfrm>
-            <a:off x="-432821" y="148605"/>
+            <a:off x="-609600" y="152400"/>
             <a:ext cx="4686301" cy="3124200"/>
           </a:xfrm>
           <a:prstGeom prst="rect">
@@ -8389,8 +10204,8 @@
         </p:nvSpPr>
         <p:spPr>
           <a:xfrm>
-            <a:off x="1790701" y="2266254"/>
-            <a:ext cx="5753099" cy="2651484"/>
+            <a:off x="1295400" y="2057400"/>
+            <a:ext cx="6743699" cy="2667000"/>
           </a:xfrm>
           <a:prstGeom prst="roundRect">
             <a:avLst/>
@@ -8423,7 +10238,7 @@
           <a:lstStyle/>
           <a:p>
             <a:pPr algn="ctr"/>
-            <a:endParaRPr lang="pt-PT"/>
+            <a:endParaRPr lang="pt-PT" dirty="0"/>
           </a:p>
         </p:txBody>
       </p:sp>
@@ -8441,8 +10256,8 @@
         </p:nvSpPr>
         <p:spPr>
           <a:xfrm>
-            <a:off x="1943101" y="2520155"/>
-            <a:ext cx="5486400" cy="2308324"/>
+            <a:off x="1447800" y="2194679"/>
+            <a:ext cx="6391713" cy="3139321"/>
           </a:xfrm>
           <a:prstGeom prst="rect">
             <a:avLst/>
@@ -8464,7 +10279,21 @@
                 <a:latin typeface="Arial" panose="020B0604020202020204" pitchFamily="34" charset="0"/>
                 <a:cs typeface="Arial" panose="020B0604020202020204" pitchFamily="34" charset="0"/>
               </a:rPr>
-              <a:t>Criar um sistema de prioridade;</a:t>
+              <a:t>Atribuir prioridade e outros atributos aos </a:t>
+            </a:r>
+            <a:r>
+              <a:rPr lang="pt-PT" i="1" dirty="0" err="1">
+                <a:latin typeface="Arial" panose="020B0604020202020204" pitchFamily="34" charset="0"/>
+                <a:cs typeface="Arial" panose="020B0604020202020204" pitchFamily="34" charset="0"/>
+              </a:rPr>
+              <a:t>bots</a:t>
+            </a:r>
+            <a:r>
+              <a:rPr lang="pt-PT" dirty="0">
+                <a:latin typeface="Arial" panose="020B0604020202020204" pitchFamily="34" charset="0"/>
+                <a:cs typeface="Arial" panose="020B0604020202020204" pitchFamily="34" charset="0"/>
+              </a:rPr>
+              <a:t>;</a:t>
             </a:r>
           </a:p>
           <a:p>
@@ -8487,7 +10316,7 @@
                 <a:latin typeface="Arial" panose="020B0604020202020204" pitchFamily="34" charset="0"/>
                 <a:cs typeface="Arial" panose="020B0604020202020204" pitchFamily="34" charset="0"/>
               </a:rPr>
-              <a:t>Melhorar os resultados já obtidos;</a:t>
+              <a:t>Guardar estados para melhorar capacidade de conversar;</a:t>
             </a:r>
           </a:p>
           <a:p>
@@ -8510,21 +10339,7 @@
                 <a:latin typeface="Arial" panose="020B0604020202020204" pitchFamily="34" charset="0"/>
                 <a:cs typeface="Arial" panose="020B0604020202020204" pitchFamily="34" charset="0"/>
               </a:rPr>
-              <a:t>Método capaz de gerar </a:t>
-            </a:r>
-            <a:r>
-              <a:rPr lang="pt-PT" i="1" dirty="0" err="1">
-                <a:latin typeface="Arial" panose="020B0604020202020204" pitchFamily="34" charset="0"/>
-                <a:cs typeface="Arial" panose="020B0604020202020204" pitchFamily="34" charset="0"/>
-              </a:rPr>
-              <a:t>bots</a:t>
-            </a:r>
-            <a:r>
-              <a:rPr lang="pt-PT" dirty="0">
-                <a:latin typeface="Arial" panose="020B0604020202020204" pitchFamily="34" charset="0"/>
-                <a:cs typeface="Arial" panose="020B0604020202020204" pitchFamily="34" charset="0"/>
-              </a:rPr>
-              <a:t> e as suas regras;</a:t>
+              <a:t>Desenvolver capacidade de aprendizagem;</a:t>
             </a:r>
           </a:p>
           <a:p>
@@ -8547,8 +10362,42 @@
                 <a:latin typeface="Arial" panose="020B0604020202020204" pitchFamily="34" charset="0"/>
                 <a:cs typeface="Arial" panose="020B0604020202020204" pitchFamily="34" charset="0"/>
               </a:rPr>
-              <a:t>(…) estou sem ideias</a:t>
-            </a:r>
+              <a:t>Permitir geração dos </a:t>
+            </a:r>
+            <a:r>
+              <a:rPr lang="pt-PT" i="1" dirty="0" err="1">
+                <a:latin typeface="Arial" panose="020B0604020202020204" pitchFamily="34" charset="0"/>
+                <a:cs typeface="Arial" panose="020B0604020202020204" pitchFamily="34" charset="0"/>
+              </a:rPr>
+              <a:t>bots</a:t>
+            </a:r>
+            <a:r>
+              <a:rPr lang="pt-PT" dirty="0">
+                <a:latin typeface="Arial" panose="020B0604020202020204" pitchFamily="34" charset="0"/>
+                <a:cs typeface="Arial" panose="020B0604020202020204" pitchFamily="34" charset="0"/>
+              </a:rPr>
+              <a:t> através da DSL possibilitando a especificação da categoria dos mesmos e agregação.</a:t>
+            </a:r>
+          </a:p>
+          <a:p>
+            <a:pPr marL="285750" indent="-285750">
+              <a:buFont typeface="Arial" panose="020B0604020202020204" pitchFamily="34" charset="0"/>
+              <a:buChar char="•"/>
+            </a:pPr>
+            <a:endParaRPr lang="pt-PT" dirty="0">
+              <a:latin typeface="Arial" panose="020B0604020202020204" pitchFamily="34" charset="0"/>
+              <a:cs typeface="Arial" panose="020B0604020202020204" pitchFamily="34" charset="0"/>
+            </a:endParaRPr>
+          </a:p>
+          <a:p>
+            <a:pPr marL="285750" indent="-285750">
+              <a:buFont typeface="Arial" panose="020B0604020202020204" pitchFamily="34" charset="0"/>
+              <a:buChar char="•"/>
+            </a:pPr>
+            <a:endParaRPr lang="pt-PT" dirty="0">
+              <a:latin typeface="Arial" panose="020B0604020202020204" pitchFamily="34" charset="0"/>
+              <a:cs typeface="Arial" panose="020B0604020202020204" pitchFamily="34" charset="0"/>
+            </a:endParaRPr>
           </a:p>
           <a:p>
             <a:pPr marL="285750" indent="-285750">
@@ -8577,7 +10426,7 @@
           <p:nvPr/>
         </p:nvPicPr>
         <p:blipFill>
-          <a:blip r:embed="rId5">
+          <a:blip r:embed="rId5" cstate="print">
             <a:extLst>
               <a:ext uri="{28A0092B-C50C-407E-A947-70E740481C1C}">
                 <a14:useLocalDpi xmlns:a14="http://schemas.microsoft.com/office/drawing/2010/main" val="0"/>
@@ -8591,8 +10440,8 @@
         </p:blipFill>
         <p:spPr bwMode="auto">
           <a:xfrm>
-            <a:off x="6362529" y="3475142"/>
-            <a:ext cx="2171871" cy="2171871"/>
+            <a:off x="7004698" y="3937506"/>
+            <a:ext cx="1974428" cy="1974428"/>
           </a:xfrm>
           <a:prstGeom prst="rect">
             <a:avLst/>
@@ -8612,151 +10461,7 @@
     </p:spTree>
     <p:extLst>
       <p:ext uri="{BB962C8B-B14F-4D97-AF65-F5344CB8AC3E}">
-        <p14:creationId xmlns:p14="http://schemas.microsoft.com/office/powerpoint/2010/main" val="3624281457"/>
-      </p:ext>
-    </p:extLst>
-  </p:cSld>
-  <p:clrMapOvr>
-    <a:masterClrMapping/>
-  </p:clrMapOvr>
-</p:sld>
-</file>
-
-<file path=ppt/slides/slide9.xml><?xml version="1.0" encoding="utf-8"?>
-<p:sld xmlns:a="http://schemas.openxmlformats.org/drawingml/2006/main" xmlns:r="http://schemas.openxmlformats.org/officeDocument/2006/relationships" xmlns:p="http://schemas.openxmlformats.org/presentationml/2006/main">
-  <p:cSld>
-    <p:spTree>
-      <p:nvGrpSpPr>
-        <p:cNvPr id="1" name=""/>
-        <p:cNvGrpSpPr/>
-        <p:nvPr/>
-      </p:nvGrpSpPr>
-      <p:grpSpPr>
-        <a:xfrm>
-          <a:off x="0" y="0"/>
-          <a:ext cx="0" cy="0"/>
-          <a:chOff x="0" y="0"/>
-          <a:chExt cx="0" cy="0"/>
-        </a:xfrm>
-      </p:grpSpPr>
-      <p:sp>
-        <p:nvSpPr>
-          <p:cNvPr id="2" name="Título 1">
-            <a:extLst>
-              <a:ext uri="{FF2B5EF4-FFF2-40B4-BE49-F238E27FC236}">
-                <a16:creationId xmlns:a16="http://schemas.microsoft.com/office/drawing/2014/main" id="{0C9937C4-CFA3-4662-84B9-DEB23E8D1F3D}"/>
-              </a:ext>
-            </a:extLst>
-          </p:cNvPr>
-          <p:cNvSpPr>
-            <a:spLocks noGrp="1"/>
-          </p:cNvSpPr>
-          <p:nvPr>
-            <p:ph type="title"/>
-          </p:nvPr>
-        </p:nvSpPr>
-        <p:spPr>
-          <a:xfrm>
-            <a:off x="3255174" y="276394"/>
-            <a:ext cx="2644775" cy="446276"/>
-          </a:xfrm>
-        </p:spPr>
-        <p:txBody>
-          <a:bodyPr anchor="ctr"/>
-          <a:lstStyle/>
-          <a:p>
-            <a:r>
-              <a:rPr lang="pt-PT" dirty="0"/>
-              <a:t>coisas</a:t>
-            </a:r>
-          </a:p>
-        </p:txBody>
-      </p:sp>
-      <p:sp>
-        <p:nvSpPr>
-          <p:cNvPr id="3" name="Marcador de Posição de Conteúdo 2">
-            <a:extLst>
-              <a:ext uri="{FF2B5EF4-FFF2-40B4-BE49-F238E27FC236}">
-                <a16:creationId xmlns:a16="http://schemas.microsoft.com/office/drawing/2014/main" id="{8E51DD3E-E39C-4BF0-8CF5-5FDA2F57CB0E}"/>
-              </a:ext>
-            </a:extLst>
-          </p:cNvPr>
-          <p:cNvSpPr>
-            <a:spLocks noGrp="1"/>
-          </p:cNvSpPr>
-          <p:nvPr>
-            <p:ph idx="1"/>
-          </p:nvPr>
-        </p:nvSpPr>
-        <p:spPr>
-          <a:xfrm>
-            <a:off x="447675" y="838780"/>
-            <a:ext cx="5791200" cy="2056819"/>
-          </a:xfrm>
-        </p:spPr>
-        <p:txBody>
-          <a:bodyPr/>
-          <a:lstStyle/>
-          <a:p>
-            <a:r>
-              <a:rPr lang="pt-PT" dirty="0"/>
-              <a:t>+ trabalho futuro</a:t>
-            </a:r>
-          </a:p>
-          <a:p>
-            <a:r>
-              <a:rPr lang="pt-PT" dirty="0"/>
-              <a:t>O que temos a dar</a:t>
-            </a:r>
-          </a:p>
-          <a:p>
-            <a:r>
-              <a:rPr lang="pt-PT" dirty="0"/>
-              <a:t>O que é preciso para o trabalho geral</a:t>
-            </a:r>
-          </a:p>
-          <a:p>
-            <a:r>
-              <a:rPr lang="pt-PT" dirty="0"/>
-              <a:t>Melhores exemplos do que temos</a:t>
-            </a:r>
-          </a:p>
-          <a:p>
-            <a:r>
-              <a:rPr lang="pt-PT" dirty="0"/>
-              <a:t>Explicar porque começamos por onde começamos</a:t>
-            </a:r>
-          </a:p>
-          <a:p>
-            <a:r>
-              <a:rPr lang="pt-PT" dirty="0" err="1"/>
-              <a:t>Logs</a:t>
-            </a:r>
-            <a:r>
-              <a:rPr lang="pt-PT" dirty="0"/>
-              <a:t>, aprendizagem.</a:t>
-            </a:r>
-          </a:p>
-          <a:p>
-            <a:r>
-              <a:rPr lang="pt-PT" dirty="0"/>
-              <a:t>Criar </a:t>
-            </a:r>
-            <a:r>
-              <a:rPr lang="pt-PT" dirty="0" err="1"/>
-              <a:t>subbots</a:t>
-            </a:r>
-            <a:r>
-              <a:rPr lang="pt-PT" dirty="0"/>
-              <a:t>, somar, prioridades, …</a:t>
-            </a:r>
-          </a:p>
-        </p:txBody>
-      </p:sp>
-    </p:spTree>
-    <p:extLst>
-      <p:ext uri="{BB962C8B-B14F-4D97-AF65-F5344CB8AC3E}">
-        <p14:creationId xmlns:p14="http://schemas.microsoft.com/office/powerpoint/2010/main" val="2939275611"/>
+        <p14:creationId xmlns:p14="http://schemas.microsoft.com/office/powerpoint/2010/main" val="1851352587"/>
       </p:ext>
     </p:extLst>
   </p:cSld>
